--- a/slides/KinectDev.pptx
+++ b/slides/KinectDev.pptx
@@ -4495,9 +4495,39 @@
           <a:chExt cx="0" cy="0"/>
         </a:xfrm>
       </p:grpSpPr>
-      <p:sp>
-        <p:nvSpPr>
-          <p:cNvPr id="2" name="Title 1"/>
+      <p:pic>
+        <p:nvPicPr>
+          <p:cNvPr id="3" name="Picture 2"/>
+          <p:cNvPicPr>
+            <a:picLocks noChangeAspect="1"/>
+          </p:cNvPicPr>
+          <p:nvPr/>
+        </p:nvPicPr>
+        <p:blipFill>
+          <a:blip r:embed="rId2">
+            <a:extLst>
+              <a:ext uri="{28A0092B-C50C-407E-A947-70E740481C1C}">
+                <a14:useLocalDpi xmlns:a14="http://schemas.microsoft.com/office/drawing/2010/main" val="0"/>
+              </a:ext>
+            </a:extLst>
+          </a:blip>
+          <a:stretch>
+            <a:fillRect/>
+          </a:stretch>
+        </p:blipFill>
+        <p:spPr>
+          <a:xfrm>
+            <a:off x="5286375" y="0"/>
+            <a:ext cx="3857625" cy="5143500"/>
+          </a:xfrm>
+          <a:prstGeom prst="rect">
+            <a:avLst/>
+          </a:prstGeom>
+        </p:spPr>
+      </p:pic>
+      <p:sp>
+        <p:nvSpPr>
+          <p:cNvPr id="4" name="Title 1"/>
           <p:cNvSpPr>
             <a:spLocks noGrp="1"/>
           </p:cNvSpPr>
@@ -4505,12 +4535,23 @@
             <p:ph type="title"/>
           </p:nvPr>
         </p:nvSpPr>
-        <p:spPr/>
-        <p:txBody>
-          <a:bodyPr/>
-          <a:lstStyle/>
-          <a:p>
-            <a:endParaRPr lang="en-US"/>
+        <p:spPr>
+          <a:xfrm>
+            <a:off x="838200" y="2095500"/>
+            <a:ext cx="3886200" cy="857250"/>
+          </a:xfrm>
+        </p:spPr>
+        <p:txBody>
+          <a:bodyPr>
+            <a:normAutofit fontScale="90000"/>
+          </a:bodyPr>
+          <a:lstStyle/>
+          <a:p>
+            <a:r>
+              <a:rPr lang="en-US" dirty="0" smtClean="0"/>
+              <a:t>ManagedNite.dll Limitations</a:t>
+            </a:r>
+            <a:endParaRPr lang="en-US" dirty="0"/>
           </a:p>
         </p:txBody>
       </p:sp>

--- a/slides/KinectDev.pptx
+++ b/slides/KinectDev.pptx
@@ -15,18 +15,22 @@
     <p:sldId id="264" r:id="rId9"/>
     <p:sldId id="266" r:id="rId10"/>
     <p:sldId id="263" r:id="rId11"/>
-    <p:sldId id="267" r:id="rId12"/>
-    <p:sldId id="268" r:id="rId13"/>
-    <p:sldId id="277" r:id="rId14"/>
-    <p:sldId id="272" r:id="rId15"/>
-    <p:sldId id="270" r:id="rId16"/>
-    <p:sldId id="275" r:id="rId17"/>
-    <p:sldId id="269" r:id="rId18"/>
-    <p:sldId id="271" r:id="rId19"/>
-    <p:sldId id="276" r:id="rId20"/>
-    <p:sldId id="273" r:id="rId21"/>
-    <p:sldId id="278" r:id="rId22"/>
-    <p:sldId id="265" r:id="rId23"/>
+    <p:sldId id="279" r:id="rId12"/>
+    <p:sldId id="282" r:id="rId13"/>
+    <p:sldId id="267" r:id="rId14"/>
+    <p:sldId id="268" r:id="rId15"/>
+    <p:sldId id="277" r:id="rId16"/>
+    <p:sldId id="272" r:id="rId17"/>
+    <p:sldId id="270" r:id="rId18"/>
+    <p:sldId id="275" r:id="rId19"/>
+    <p:sldId id="269" r:id="rId20"/>
+    <p:sldId id="280" r:id="rId21"/>
+    <p:sldId id="281" r:id="rId22"/>
+    <p:sldId id="271" r:id="rId23"/>
+    <p:sldId id="276" r:id="rId24"/>
+    <p:sldId id="273" r:id="rId25"/>
+    <p:sldId id="278" r:id="rId26"/>
+    <p:sldId id="265" r:id="rId27"/>
   </p:sldIdLst>
   <p:sldSz cx="9144000" cy="5143500" type="screen16x9"/>
   <p:notesSz cx="6858000" cy="9144000"/>
@@ -309,7 +313,7 @@
           <a:p>
             <a:fld id="{FC297B9E-3E3D-4EBC-B0B3-35943A059388}" type="datetimeFigureOut">
               <a:rPr lang="en-US" smtClean="0"/>
-              <a:t>3/4/2011</a:t>
+              <a:t>3/16/2011</a:t>
             </a:fld>
             <a:endParaRPr lang="en-US"/>
           </a:p>
@@ -479,7 +483,7 @@
           <a:p>
             <a:fld id="{FC297B9E-3E3D-4EBC-B0B3-35943A059388}" type="datetimeFigureOut">
               <a:rPr lang="en-US" smtClean="0"/>
-              <a:t>3/4/2011</a:t>
+              <a:t>3/16/2011</a:t>
             </a:fld>
             <a:endParaRPr lang="en-US"/>
           </a:p>
@@ -659,7 +663,7 @@
           <a:p>
             <a:fld id="{FC297B9E-3E3D-4EBC-B0B3-35943A059388}" type="datetimeFigureOut">
               <a:rPr lang="en-US" smtClean="0"/>
-              <a:t>3/4/2011</a:t>
+              <a:t>3/16/2011</a:t>
             </a:fld>
             <a:endParaRPr lang="en-US"/>
           </a:p>
@@ -829,7 +833,7 @@
           <a:p>
             <a:fld id="{FC297B9E-3E3D-4EBC-B0B3-35943A059388}" type="datetimeFigureOut">
               <a:rPr lang="en-US" smtClean="0"/>
-              <a:t>3/4/2011</a:t>
+              <a:t>3/16/2011</a:t>
             </a:fld>
             <a:endParaRPr lang="en-US"/>
           </a:p>
@@ -1075,7 +1079,7 @@
           <a:p>
             <a:fld id="{FC297B9E-3E3D-4EBC-B0B3-35943A059388}" type="datetimeFigureOut">
               <a:rPr lang="en-US" smtClean="0"/>
-              <a:t>3/4/2011</a:t>
+              <a:t>3/16/2011</a:t>
             </a:fld>
             <a:endParaRPr lang="en-US"/>
           </a:p>
@@ -1363,7 +1367,7 @@
           <a:p>
             <a:fld id="{FC297B9E-3E3D-4EBC-B0B3-35943A059388}" type="datetimeFigureOut">
               <a:rPr lang="en-US" smtClean="0"/>
-              <a:t>3/4/2011</a:t>
+              <a:t>3/16/2011</a:t>
             </a:fld>
             <a:endParaRPr lang="en-US"/>
           </a:p>
@@ -1785,7 +1789,7 @@
           <a:p>
             <a:fld id="{FC297B9E-3E3D-4EBC-B0B3-35943A059388}" type="datetimeFigureOut">
               <a:rPr lang="en-US" smtClean="0"/>
-              <a:t>3/4/2011</a:t>
+              <a:t>3/16/2011</a:t>
             </a:fld>
             <a:endParaRPr lang="en-US"/>
           </a:p>
@@ -1908,7 +1912,7 @@
           <a:p>
             <a:fld id="{FC297B9E-3E3D-4EBC-B0B3-35943A059388}" type="datetimeFigureOut">
               <a:rPr lang="en-US" smtClean="0"/>
-              <a:t>3/4/2011</a:t>
+              <a:t>3/16/2011</a:t>
             </a:fld>
             <a:endParaRPr lang="en-US"/>
           </a:p>
@@ -2003,7 +2007,7 @@
           <a:p>
             <a:fld id="{FC297B9E-3E3D-4EBC-B0B3-35943A059388}" type="datetimeFigureOut">
               <a:rPr lang="en-US" smtClean="0"/>
-              <a:t>3/4/2011</a:t>
+              <a:t>3/16/2011</a:t>
             </a:fld>
             <a:endParaRPr lang="en-US"/>
           </a:p>
@@ -2280,7 +2284,7 @@
           <a:p>
             <a:fld id="{FC297B9E-3E3D-4EBC-B0B3-35943A059388}" type="datetimeFigureOut">
               <a:rPr lang="en-US" smtClean="0"/>
-              <a:t>3/4/2011</a:t>
+              <a:t>3/16/2011</a:t>
             </a:fld>
             <a:endParaRPr lang="en-US"/>
           </a:p>
@@ -2533,7 +2537,7 @@
           <a:p>
             <a:fld id="{FC297B9E-3E3D-4EBC-B0B3-35943A059388}" type="datetimeFigureOut">
               <a:rPr lang="en-US" smtClean="0"/>
-              <a:t>3/4/2011</a:t>
+              <a:t>3/16/2011</a:t>
             </a:fld>
             <a:endParaRPr lang="en-US"/>
           </a:p>
@@ -2765,7 +2769,7 @@
           <a:p>
             <a:fld id="{FC297B9E-3E3D-4EBC-B0B3-35943A059388}" type="datetimeFigureOut">
               <a:rPr lang="en-US" smtClean="0"/>
-              <a:t>3/4/2011</a:t>
+              <a:t>3/16/2011</a:t>
             </a:fld>
             <a:endParaRPr lang="en-US"/>
           </a:p>
@@ -3306,7 +3310,12 @@
             <p:ph type="title"/>
           </p:nvPr>
         </p:nvSpPr>
-        <p:spPr/>
+        <p:spPr>
+          <a:xfrm>
+            <a:off x="457200" y="1943100"/>
+            <a:ext cx="8229600" cy="857250"/>
+          </a:xfrm>
+        </p:spPr>
         <p:txBody>
           <a:bodyPr>
             <a:normAutofit fontScale="90000"/>
@@ -3383,78 +3392,41 @@
             <p:ph type="title"/>
           </p:nvPr>
         </p:nvSpPr>
-        <p:spPr>
-          <a:xfrm>
-            <a:off x="4800600" y="1123950"/>
-            <a:ext cx="4191000" cy="2971800"/>
-          </a:xfrm>
-        </p:spPr>
+        <p:spPr/>
         <p:txBody>
           <a:bodyPr>
-            <a:normAutofit/>
+            <a:normAutofit fontScale="90000"/>
           </a:bodyPr>
           <a:lstStyle/>
           <a:p>
             <a:r>
               <a:rPr lang="en-US" dirty="0" smtClean="0"/>
-              <a:t>Your first </a:t>
-            </a:r>
-            <a:br>
+              <a:t>Difference between </a:t>
+            </a:r>
+            <a:r>
+              <a:rPr lang="en-US" dirty="0" err="1" smtClean="0"/>
+              <a:t>PrimeSense</a:t>
+            </a:r>
+            <a:r>
               <a:rPr lang="en-US" dirty="0" smtClean="0"/>
-            </a:br>
+              <a:t> driver, </a:t>
+            </a:r>
+            <a:r>
+              <a:rPr lang="en-US" dirty="0" err="1" smtClean="0"/>
+              <a:t>OpenNI</a:t>
+            </a:r>
             <a:r>
               <a:rPr lang="en-US" dirty="0" smtClean="0"/>
-              <a:t>multi-threaded </a:t>
-            </a:r>
-            <a:br>
-              <a:rPr lang="en-US" dirty="0" smtClean="0"/>
-            </a:br>
-            <a:r>
-              <a:rPr lang="en-US" dirty="0" err="1" smtClean="0"/>
-              <a:t>Kinect</a:t>
-            </a:r>
-            <a:r>
-              <a:rPr lang="en-US" dirty="0" smtClean="0"/>
-              <a:t> session</a:t>
+              <a:t>, and NITE</a:t>
             </a:r>
             <a:endParaRPr lang="en-US" dirty="0"/>
           </a:p>
         </p:txBody>
       </p:sp>
-      <p:pic>
-        <p:nvPicPr>
-          <p:cNvPr id="3" name="Picture 2"/>
-          <p:cNvPicPr>
-            <a:picLocks noChangeAspect="1"/>
-          </p:cNvPicPr>
-          <p:nvPr/>
-        </p:nvPicPr>
-        <p:blipFill>
-          <a:blip r:embed="rId2">
-            <a:extLst>
-              <a:ext uri="{28A0092B-C50C-407E-A947-70E740481C1C}">
-                <a14:useLocalDpi xmlns:a14="http://schemas.microsoft.com/office/drawing/2010/main" val="0"/>
-              </a:ext>
-            </a:extLst>
-          </a:blip>
-          <a:stretch>
-            <a:fillRect/>
-          </a:stretch>
-        </p:blipFill>
-        <p:spPr>
-          <a:xfrm>
-            <a:off x="-3021106" y="0"/>
-            <a:ext cx="7745506" cy="5143500"/>
-          </a:xfrm>
-          <a:prstGeom prst="rect">
-            <a:avLst/>
-          </a:prstGeom>
-        </p:spPr>
-      </p:pic>
     </p:spTree>
     <p:extLst>
       <p:ext uri="{BB962C8B-B14F-4D97-AF65-F5344CB8AC3E}">
-        <p14:creationId xmlns:p14="http://schemas.microsoft.com/office/powerpoint/2010/main" val="3599078646"/>
+        <p14:creationId xmlns:p14="http://schemas.microsoft.com/office/powerpoint/2010/main" val="2907552205"/>
       </p:ext>
     </p:extLst>
   </p:cSld>
@@ -3488,34 +3460,44 @@
           <a:chExt cx="0" cy="0"/>
         </a:xfrm>
       </p:grpSpPr>
-      <p:sp>
-        <p:nvSpPr>
-          <p:cNvPr id="2" name="Title 1"/>
-          <p:cNvSpPr>
-            <a:spLocks noGrp="1"/>
-          </p:cNvSpPr>
-          <p:nvPr>
-            <p:ph type="title"/>
-          </p:nvPr>
-        </p:nvSpPr>
-        <p:spPr>
-          <a:xfrm>
-            <a:off x="4038600" y="1809750"/>
-            <a:ext cx="4876800" cy="857250"/>
-          </a:xfrm>
-        </p:spPr>
-        <p:txBody>
-          <a:bodyPr/>
-          <a:lstStyle/>
-          <a:p>
-            <a:r>
-              <a:rPr lang="en-US" dirty="0" smtClean="0"/>
-              <a:t>Hand tracking</a:t>
-            </a:r>
-            <a:endParaRPr lang="en-US" dirty="0"/>
-          </a:p>
-        </p:txBody>
-      </p:sp>
+      <p:cxnSp>
+        <p:nvCxnSpPr>
+          <p:cNvPr id="9" name="Straight Connector 8"/>
+          <p:cNvCxnSpPr>
+            <a:stCxn id="4" idx="3"/>
+            <a:endCxn id="7" idx="3"/>
+          </p:cNvCxnSpPr>
+          <p:nvPr/>
+        </p:nvCxnSpPr>
+        <p:spPr>
+          <a:xfrm>
+            <a:off x="1877483" y="1683192"/>
+            <a:ext cx="6809317" cy="19049"/>
+          </a:xfrm>
+          <a:prstGeom prst="line">
+            <a:avLst/>
+          </a:prstGeom>
+          <a:ln w="38100">
+            <a:solidFill>
+              <a:schemeClr val="tx1"/>
+            </a:solidFill>
+          </a:ln>
+        </p:spPr>
+        <p:style>
+          <a:lnRef idx="1">
+            <a:schemeClr val="accent1"/>
+          </a:lnRef>
+          <a:fillRef idx="0">
+            <a:schemeClr val="accent1"/>
+          </a:fillRef>
+          <a:effectRef idx="0">
+            <a:schemeClr val="accent1"/>
+          </a:effectRef>
+          <a:fontRef idx="minor">
+            <a:schemeClr val="tx1"/>
+          </a:fontRef>
+        </p:style>
+      </p:cxnSp>
       <p:pic>
         <p:nvPicPr>
           <p:cNvPr id="3" name="Picture 2"/>
@@ -3525,7 +3507,7 @@
           <p:nvPr/>
         </p:nvPicPr>
         <p:blipFill>
-          <a:blip r:embed="rId2" cstate="print">
+          <a:blip r:embed="rId2">
             <a:extLst>
               <a:ext uri="{28A0092B-C50C-407E-A947-70E740481C1C}">
                 <a14:useLocalDpi xmlns:a14="http://schemas.microsoft.com/office/drawing/2010/main" val="0"/>
@@ -3538,18 +3520,506 @@
         </p:blipFill>
         <p:spPr>
           <a:xfrm>
-            <a:off x="-47625" y="-95250"/>
-            <a:ext cx="3939346" cy="5252461"/>
+            <a:off x="97366" y="3562350"/>
+            <a:ext cx="2112434" cy="1322567"/>
           </a:xfrm>
           <a:prstGeom prst="rect">
             <a:avLst/>
           </a:prstGeom>
         </p:spPr>
       </p:pic>
+      <p:sp>
+        <p:nvSpPr>
+          <p:cNvPr id="4" name="Rounded Rectangle 3"/>
+          <p:cNvSpPr/>
+          <p:nvPr/>
+        </p:nvSpPr>
+        <p:spPr>
+          <a:xfrm>
+            <a:off x="429683" y="209550"/>
+            <a:ext cx="1447800" cy="2947283"/>
+          </a:xfrm>
+          <a:prstGeom prst="roundRect">
+            <a:avLst/>
+          </a:prstGeom>
+          <a:gradFill>
+            <a:gsLst>
+              <a:gs pos="0">
+                <a:schemeClr val="bg1">
+                  <a:lumMod val="75000"/>
+                </a:schemeClr>
+              </a:gs>
+              <a:gs pos="50000">
+                <a:schemeClr val="bg1">
+                  <a:lumMod val="60000"/>
+                  <a:lumOff val="40000"/>
+                </a:schemeClr>
+              </a:gs>
+              <a:gs pos="100000">
+                <a:schemeClr val="bg1">
+                  <a:lumMod val="75000"/>
+                </a:schemeClr>
+              </a:gs>
+            </a:gsLst>
+            <a:lin ang="5400000" scaled="0"/>
+          </a:gradFill>
+          <a:ln>
+            <a:solidFill>
+              <a:schemeClr val="bg1">
+                <a:lumMod val="50000"/>
+              </a:schemeClr>
+            </a:solidFill>
+          </a:ln>
+        </p:spPr>
+        <p:style>
+          <a:lnRef idx="2">
+            <a:schemeClr val="accent1">
+              <a:shade val="50000"/>
+            </a:schemeClr>
+          </a:lnRef>
+          <a:fillRef idx="1">
+            <a:schemeClr val="accent1"/>
+          </a:fillRef>
+          <a:effectRef idx="0">
+            <a:schemeClr val="accent1"/>
+          </a:effectRef>
+          <a:fontRef idx="minor">
+            <a:schemeClr val="lt1"/>
+          </a:fontRef>
+        </p:style>
+        <p:txBody>
+          <a:bodyPr rtlCol="0" anchor="ctr"/>
+          <a:lstStyle/>
+          <a:p>
+            <a:pPr algn="ctr"/>
+            <a:r>
+              <a:rPr lang="en-US" dirty="0" err="1" smtClean="0">
+                <a:solidFill>
+                  <a:schemeClr val="bg1">
+                    <a:lumMod val="50000"/>
+                  </a:schemeClr>
+                </a:solidFill>
+              </a:rPr>
+              <a:t>PrimeSense</a:t>
+            </a:r>
+            <a:r>
+              <a:rPr lang="en-US" dirty="0" smtClean="0">
+                <a:solidFill>
+                  <a:schemeClr val="bg1">
+                    <a:lumMod val="50000"/>
+                  </a:schemeClr>
+                </a:solidFill>
+              </a:rPr>
+              <a:t> </a:t>
+            </a:r>
+            <a:r>
+              <a:rPr lang="en-US" dirty="0" err="1" smtClean="0">
+                <a:solidFill>
+                  <a:schemeClr val="bg1">
+                    <a:lumMod val="50000"/>
+                  </a:schemeClr>
+                </a:solidFill>
+              </a:rPr>
+              <a:t>Kinect</a:t>
+            </a:r>
+            <a:r>
+              <a:rPr lang="en-US" dirty="0" smtClean="0">
+                <a:solidFill>
+                  <a:schemeClr val="bg1">
+                    <a:lumMod val="50000"/>
+                  </a:schemeClr>
+                </a:solidFill>
+              </a:rPr>
+              <a:t> Device Driver</a:t>
+            </a:r>
+            <a:endParaRPr lang="en-US" dirty="0">
+              <a:solidFill>
+                <a:schemeClr val="bg1">
+                  <a:lumMod val="50000"/>
+                </a:schemeClr>
+              </a:solidFill>
+            </a:endParaRPr>
+          </a:p>
+        </p:txBody>
+      </p:sp>
+      <p:sp>
+        <p:nvSpPr>
+          <p:cNvPr id="5" name="Rounded Rectangle 4"/>
+          <p:cNvSpPr/>
+          <p:nvPr/>
+        </p:nvSpPr>
+        <p:spPr>
+          <a:xfrm>
+            <a:off x="2133600" y="209549"/>
+            <a:ext cx="1447800" cy="2947283"/>
+          </a:xfrm>
+          <a:prstGeom prst="roundRect">
+            <a:avLst/>
+          </a:prstGeom>
+          <a:gradFill>
+            <a:gsLst>
+              <a:gs pos="0">
+                <a:schemeClr val="accent6">
+                  <a:lumMod val="50000"/>
+                </a:schemeClr>
+              </a:gs>
+              <a:gs pos="50000">
+                <a:schemeClr val="accent6">
+                  <a:lumMod val="60000"/>
+                  <a:lumOff val="40000"/>
+                </a:schemeClr>
+              </a:gs>
+              <a:gs pos="100000">
+                <a:schemeClr val="accent6">
+                  <a:lumMod val="50000"/>
+                </a:schemeClr>
+              </a:gs>
+            </a:gsLst>
+            <a:lin ang="5400000" scaled="0"/>
+          </a:gradFill>
+          <a:ln>
+            <a:solidFill>
+              <a:schemeClr val="bg1">
+                <a:lumMod val="50000"/>
+              </a:schemeClr>
+            </a:solidFill>
+          </a:ln>
+        </p:spPr>
+        <p:style>
+          <a:lnRef idx="2">
+            <a:schemeClr val="accent1">
+              <a:shade val="50000"/>
+            </a:schemeClr>
+          </a:lnRef>
+          <a:fillRef idx="1">
+            <a:schemeClr val="accent1"/>
+          </a:fillRef>
+          <a:effectRef idx="0">
+            <a:schemeClr val="accent1"/>
+          </a:effectRef>
+          <a:fontRef idx="minor">
+            <a:schemeClr val="lt1"/>
+          </a:fontRef>
+        </p:style>
+        <p:txBody>
+          <a:bodyPr rtlCol="0" anchor="ctr"/>
+          <a:lstStyle/>
+          <a:p>
+            <a:pPr algn="ctr"/>
+            <a:r>
+              <a:rPr lang="en-US" dirty="0" err="1" smtClean="0">
+                <a:solidFill>
+                  <a:schemeClr val="bg1">
+                    <a:lumMod val="50000"/>
+                  </a:schemeClr>
+                </a:solidFill>
+              </a:rPr>
+              <a:t>OpenNI</a:t>
+            </a:r>
+            <a:endParaRPr lang="en-US" dirty="0">
+              <a:solidFill>
+                <a:schemeClr val="bg1">
+                  <a:lumMod val="50000"/>
+                </a:schemeClr>
+              </a:solidFill>
+            </a:endParaRPr>
+          </a:p>
+        </p:txBody>
+      </p:sp>
+      <p:sp>
+        <p:nvSpPr>
+          <p:cNvPr id="6" name="Rounded Rectangle 5"/>
+          <p:cNvSpPr/>
+          <p:nvPr/>
+        </p:nvSpPr>
+        <p:spPr>
+          <a:xfrm>
+            <a:off x="3810000" y="209550"/>
+            <a:ext cx="1447800" cy="2947283"/>
+          </a:xfrm>
+          <a:prstGeom prst="roundRect">
+            <a:avLst/>
+          </a:prstGeom>
+          <a:gradFill>
+            <a:gsLst>
+              <a:gs pos="0">
+                <a:schemeClr val="bg1">
+                  <a:lumMod val="75000"/>
+                </a:schemeClr>
+              </a:gs>
+              <a:gs pos="50000">
+                <a:schemeClr val="bg1">
+                  <a:lumMod val="60000"/>
+                  <a:lumOff val="40000"/>
+                </a:schemeClr>
+              </a:gs>
+              <a:gs pos="100000">
+                <a:schemeClr val="bg1">
+                  <a:lumMod val="75000"/>
+                </a:schemeClr>
+              </a:gs>
+            </a:gsLst>
+            <a:lin ang="5400000" scaled="0"/>
+          </a:gradFill>
+          <a:ln>
+            <a:solidFill>
+              <a:schemeClr val="bg1">
+                <a:lumMod val="50000"/>
+              </a:schemeClr>
+            </a:solidFill>
+          </a:ln>
+        </p:spPr>
+        <p:style>
+          <a:lnRef idx="2">
+            <a:schemeClr val="accent1">
+              <a:shade val="50000"/>
+            </a:schemeClr>
+          </a:lnRef>
+          <a:fillRef idx="1">
+            <a:schemeClr val="accent1"/>
+          </a:fillRef>
+          <a:effectRef idx="0">
+            <a:schemeClr val="accent1"/>
+          </a:effectRef>
+          <a:fontRef idx="minor">
+            <a:schemeClr val="lt1"/>
+          </a:fontRef>
+        </p:style>
+        <p:txBody>
+          <a:bodyPr rtlCol="0" anchor="ctr"/>
+          <a:lstStyle/>
+          <a:p>
+            <a:pPr algn="ctr"/>
+            <a:r>
+              <a:rPr lang="en-US" dirty="0" smtClean="0">
+                <a:solidFill>
+                  <a:schemeClr val="bg1">
+                    <a:lumMod val="50000"/>
+                  </a:schemeClr>
+                </a:solidFill>
+              </a:rPr>
+              <a:t>NITE</a:t>
+            </a:r>
+            <a:endParaRPr lang="en-US" dirty="0">
+              <a:solidFill>
+                <a:schemeClr val="bg1">
+                  <a:lumMod val="50000"/>
+                </a:schemeClr>
+              </a:solidFill>
+            </a:endParaRPr>
+          </a:p>
+        </p:txBody>
+      </p:sp>
+      <p:sp>
+        <p:nvSpPr>
+          <p:cNvPr id="7" name="Rounded Rectangle 6"/>
+          <p:cNvSpPr/>
+          <p:nvPr/>
+        </p:nvSpPr>
+        <p:spPr>
+          <a:xfrm>
+            <a:off x="7239000" y="228599"/>
+            <a:ext cx="1447800" cy="2947283"/>
+          </a:xfrm>
+          <a:prstGeom prst="roundRect">
+            <a:avLst/>
+          </a:prstGeom>
+          <a:gradFill>
+            <a:gsLst>
+              <a:gs pos="0">
+                <a:schemeClr val="bg1">
+                  <a:lumMod val="75000"/>
+                </a:schemeClr>
+              </a:gs>
+              <a:gs pos="50000">
+                <a:schemeClr val="bg1">
+                  <a:lumMod val="60000"/>
+                  <a:lumOff val="40000"/>
+                </a:schemeClr>
+              </a:gs>
+              <a:gs pos="100000">
+                <a:schemeClr val="bg1">
+                  <a:lumMod val="75000"/>
+                </a:schemeClr>
+              </a:gs>
+            </a:gsLst>
+            <a:lin ang="5400000" scaled="0"/>
+          </a:gradFill>
+          <a:ln>
+            <a:solidFill>
+              <a:schemeClr val="bg1">
+                <a:lumMod val="50000"/>
+              </a:schemeClr>
+            </a:solidFill>
+          </a:ln>
+        </p:spPr>
+        <p:style>
+          <a:lnRef idx="2">
+            <a:schemeClr val="accent1">
+              <a:shade val="50000"/>
+            </a:schemeClr>
+          </a:lnRef>
+          <a:fillRef idx="1">
+            <a:schemeClr val="accent1"/>
+          </a:fillRef>
+          <a:effectRef idx="0">
+            <a:schemeClr val="accent1"/>
+          </a:effectRef>
+          <a:fontRef idx="minor">
+            <a:schemeClr val="lt1"/>
+          </a:fontRef>
+        </p:style>
+        <p:txBody>
+          <a:bodyPr rtlCol="0" anchor="ctr"/>
+          <a:lstStyle/>
+          <a:p>
+            <a:pPr algn="ctr"/>
+            <a:r>
+              <a:rPr lang="en-US" dirty="0" smtClean="0">
+                <a:solidFill>
+                  <a:schemeClr val="bg1">
+                    <a:lumMod val="50000"/>
+                  </a:schemeClr>
+                </a:solidFill>
+              </a:rPr>
+              <a:t>Your Code</a:t>
+            </a:r>
+            <a:endParaRPr lang="en-US" dirty="0">
+              <a:solidFill>
+                <a:schemeClr val="bg1">
+                  <a:lumMod val="50000"/>
+                </a:schemeClr>
+              </a:solidFill>
+            </a:endParaRPr>
+          </a:p>
+        </p:txBody>
+      </p:sp>
+      <p:sp>
+        <p:nvSpPr>
+          <p:cNvPr id="11" name="Rounded Rectangle 10"/>
+          <p:cNvSpPr/>
+          <p:nvPr/>
+        </p:nvSpPr>
+        <p:spPr>
+          <a:xfrm>
+            <a:off x="5486400" y="228600"/>
+            <a:ext cx="1447800" cy="2947283"/>
+          </a:xfrm>
+          <a:prstGeom prst="roundRect">
+            <a:avLst/>
+          </a:prstGeom>
+          <a:gradFill>
+            <a:gsLst>
+              <a:gs pos="0">
+                <a:schemeClr val="bg1">
+                  <a:lumMod val="75000"/>
+                </a:schemeClr>
+              </a:gs>
+              <a:gs pos="50000">
+                <a:schemeClr val="bg1">
+                  <a:lumMod val="60000"/>
+                  <a:lumOff val="40000"/>
+                </a:schemeClr>
+              </a:gs>
+              <a:gs pos="100000">
+                <a:schemeClr val="bg1">
+                  <a:lumMod val="75000"/>
+                </a:schemeClr>
+              </a:gs>
+            </a:gsLst>
+            <a:lin ang="5400000" scaled="0"/>
+          </a:gradFill>
+          <a:ln>
+            <a:solidFill>
+              <a:schemeClr val="bg1">
+                <a:lumMod val="50000"/>
+              </a:schemeClr>
+            </a:solidFill>
+          </a:ln>
+        </p:spPr>
+        <p:style>
+          <a:lnRef idx="2">
+            <a:schemeClr val="accent1">
+              <a:shade val="50000"/>
+            </a:schemeClr>
+          </a:lnRef>
+          <a:fillRef idx="1">
+            <a:schemeClr val="accent1"/>
+          </a:fillRef>
+          <a:effectRef idx="0">
+            <a:schemeClr val="accent1"/>
+          </a:effectRef>
+          <a:fontRef idx="minor">
+            <a:schemeClr val="lt1"/>
+          </a:fontRef>
+        </p:style>
+        <p:txBody>
+          <a:bodyPr rtlCol="0" anchor="ctr"/>
+          <a:lstStyle/>
+          <a:p>
+            <a:pPr algn="ctr"/>
+            <a:r>
+              <a:rPr lang="en-US" dirty="0" smtClean="0">
+                <a:solidFill>
+                  <a:schemeClr val="bg1">
+                    <a:lumMod val="50000"/>
+                  </a:schemeClr>
+                </a:solidFill>
+              </a:rPr>
+              <a:t>Managed NITE</a:t>
+            </a:r>
+            <a:endParaRPr lang="en-US" dirty="0">
+              <a:solidFill>
+                <a:schemeClr val="bg1">
+                  <a:lumMod val="50000"/>
+                </a:schemeClr>
+              </a:solidFill>
+            </a:endParaRPr>
+          </a:p>
+        </p:txBody>
+      </p:sp>
+      <p:cxnSp>
+        <p:nvCxnSpPr>
+          <p:cNvPr id="14" name="Straight Connector 13"/>
+          <p:cNvCxnSpPr>
+            <a:stCxn id="3" idx="0"/>
+            <a:endCxn id="4" idx="2"/>
+          </p:cNvCxnSpPr>
+          <p:nvPr/>
+        </p:nvCxnSpPr>
+        <p:spPr>
+          <a:xfrm flipV="1">
+            <a:off x="1153583" y="3156833"/>
+            <a:ext cx="0" cy="405517"/>
+          </a:xfrm>
+          <a:prstGeom prst="line">
+            <a:avLst/>
+          </a:prstGeom>
+          <a:ln w="38100">
+            <a:solidFill>
+              <a:schemeClr val="tx1"/>
+            </a:solidFill>
+          </a:ln>
+        </p:spPr>
+        <p:style>
+          <a:lnRef idx="1">
+            <a:schemeClr val="accent1"/>
+          </a:lnRef>
+          <a:fillRef idx="0">
+            <a:schemeClr val="accent1"/>
+          </a:fillRef>
+          <a:effectRef idx="0">
+            <a:schemeClr val="accent1"/>
+          </a:effectRef>
+          <a:fontRef idx="minor">
+            <a:schemeClr val="tx1"/>
+          </a:fontRef>
+        </p:style>
+      </p:cxnSp>
     </p:spTree>
     <p:extLst>
       <p:ext uri="{BB962C8B-B14F-4D97-AF65-F5344CB8AC3E}">
-        <p14:creationId xmlns:p14="http://schemas.microsoft.com/office/powerpoint/2010/main" val="3486414651"/>
+        <p14:creationId xmlns:p14="http://schemas.microsoft.com/office/powerpoint/2010/main" val="4290520549"/>
       </p:ext>
     </p:extLst>
   </p:cSld>
@@ -3583,6 +4053,54 @@
           <a:chExt cx="0" cy="0"/>
         </a:xfrm>
       </p:grpSpPr>
+      <p:sp>
+        <p:nvSpPr>
+          <p:cNvPr id="2" name="Title 1"/>
+          <p:cNvSpPr>
+            <a:spLocks noGrp="1"/>
+          </p:cNvSpPr>
+          <p:nvPr>
+            <p:ph type="title"/>
+          </p:nvPr>
+        </p:nvSpPr>
+        <p:spPr>
+          <a:xfrm>
+            <a:off x="4800600" y="1123950"/>
+            <a:ext cx="4191000" cy="2971800"/>
+          </a:xfrm>
+        </p:spPr>
+        <p:txBody>
+          <a:bodyPr>
+            <a:normAutofit/>
+          </a:bodyPr>
+          <a:lstStyle/>
+          <a:p>
+            <a:r>
+              <a:rPr lang="en-US" dirty="0" smtClean="0"/>
+              <a:t>Your first </a:t>
+            </a:r>
+            <a:br>
+              <a:rPr lang="en-US" dirty="0" smtClean="0"/>
+            </a:br>
+            <a:r>
+              <a:rPr lang="en-US" dirty="0" smtClean="0"/>
+              <a:t>multi-threaded </a:t>
+            </a:r>
+            <a:br>
+              <a:rPr lang="en-US" dirty="0" smtClean="0"/>
+            </a:br>
+            <a:r>
+              <a:rPr lang="en-US" dirty="0" err="1" smtClean="0"/>
+              <a:t>Kinect</a:t>
+            </a:r>
+            <a:r>
+              <a:rPr lang="en-US" dirty="0" smtClean="0"/>
+              <a:t> session</a:t>
+            </a:r>
+            <a:endParaRPr lang="en-US" dirty="0"/>
+          </a:p>
+        </p:txBody>
+      </p:sp>
       <p:pic>
         <p:nvPicPr>
           <p:cNvPr id="3" name="Picture 2"/>
@@ -3605,48 +4123,18 @@
         </p:blipFill>
         <p:spPr>
           <a:xfrm>
-            <a:off x="2438400" y="0"/>
-            <a:ext cx="6858000" cy="5143500"/>
+            <a:off x="-3021106" y="0"/>
+            <a:ext cx="7745506" cy="5143500"/>
           </a:xfrm>
           <a:prstGeom prst="rect">
             <a:avLst/>
           </a:prstGeom>
         </p:spPr>
       </p:pic>
-      <p:sp>
-        <p:nvSpPr>
-          <p:cNvPr id="4" name="Title 1"/>
-          <p:cNvSpPr>
-            <a:spLocks noGrp="1"/>
-          </p:cNvSpPr>
-          <p:nvPr>
-            <p:ph type="title"/>
-          </p:nvPr>
-        </p:nvSpPr>
-        <p:spPr>
-          <a:xfrm>
-            <a:off x="76200" y="1943100"/>
-            <a:ext cx="2286000" cy="857250"/>
-          </a:xfrm>
-        </p:spPr>
-        <p:txBody>
-          <a:bodyPr>
-            <a:normAutofit fontScale="90000"/>
-          </a:bodyPr>
-          <a:lstStyle/>
-          <a:p>
-            <a:r>
-              <a:rPr lang="en-US" dirty="0" smtClean="0"/>
-              <a:t>NITE Filters</a:t>
-            </a:r>
-            <a:endParaRPr lang="en-US" dirty="0"/>
-          </a:p>
-        </p:txBody>
-      </p:sp>
     </p:spTree>
     <p:extLst>
       <p:ext uri="{BB962C8B-B14F-4D97-AF65-F5344CB8AC3E}">
-        <p14:creationId xmlns:p14="http://schemas.microsoft.com/office/powerpoint/2010/main" val="3204015138"/>
+        <p14:creationId xmlns:p14="http://schemas.microsoft.com/office/powerpoint/2010/main" val="3599078646"/>
       </p:ext>
     </p:extLst>
   </p:cSld>
@@ -3682,7 +4170,7 @@
       </p:grpSpPr>
       <p:sp>
         <p:nvSpPr>
-          <p:cNvPr id="5" name="Title 4"/>
+          <p:cNvPr id="2" name="Title 1"/>
           <p:cNvSpPr>
             <a:spLocks noGrp="1"/>
           </p:cNvSpPr>
@@ -3690,25 +4178,43 @@
             <p:ph type="title"/>
           </p:nvPr>
         </p:nvSpPr>
-        <p:spPr/>
-        <p:txBody>
-          <a:bodyPr/>
-          <a:lstStyle/>
-          <a:p>
-            <a:endParaRPr lang="en-US"/>
+        <p:spPr>
+          <a:xfrm>
+            <a:off x="4038600" y="1809750"/>
+            <a:ext cx="4876800" cy="857250"/>
+          </a:xfrm>
+        </p:spPr>
+        <p:txBody>
+          <a:bodyPr>
+            <a:normAutofit fontScale="90000"/>
+          </a:bodyPr>
+          <a:lstStyle/>
+          <a:p>
+            <a:r>
+              <a:rPr lang="en-US" dirty="0" smtClean="0"/>
+              <a:t>Hand tracking</a:t>
+            </a:r>
+            <a:br>
+              <a:rPr lang="en-US" dirty="0" smtClean="0"/>
+            </a:br>
+            <a:r>
+              <a:rPr lang="en-US" dirty="0" smtClean="0"/>
+              <a:t>(NITE)</a:t>
+            </a:r>
+            <a:endParaRPr lang="en-US" dirty="0"/>
           </a:p>
         </p:txBody>
       </p:sp>
       <p:pic>
         <p:nvPicPr>
-          <p:cNvPr id="7" name="Picture 6"/>
+          <p:cNvPr id="3" name="Picture 2"/>
           <p:cNvPicPr>
             <a:picLocks noChangeAspect="1"/>
           </p:cNvPicPr>
           <p:nvPr/>
         </p:nvPicPr>
         <p:blipFill>
-          <a:blip r:embed="rId2">
+          <a:blip r:embed="rId2" cstate="print">
             <a:extLst>
               <a:ext uri="{28A0092B-C50C-407E-A947-70E740481C1C}">
                 <a14:useLocalDpi xmlns:a14="http://schemas.microsoft.com/office/drawing/2010/main" val="0"/>
@@ -3721,68 +4227,18 @@
         </p:blipFill>
         <p:spPr>
           <a:xfrm>
-            <a:off x="-76200" y="-2762250"/>
-            <a:ext cx="9258613" cy="5467350"/>
+            <a:off x="-47625" y="-95250"/>
+            <a:ext cx="3939346" cy="5252461"/>
           </a:xfrm>
           <a:prstGeom prst="rect">
             <a:avLst/>
           </a:prstGeom>
         </p:spPr>
       </p:pic>
-      <p:sp>
-        <p:nvSpPr>
-          <p:cNvPr id="8" name="Title 1"/>
-          <p:cNvSpPr txBox="1">
-            <a:spLocks/>
-          </p:cNvSpPr>
-          <p:nvPr/>
-        </p:nvSpPr>
-        <p:spPr>
-          <a:xfrm>
-            <a:off x="0" y="3333750"/>
-            <a:ext cx="9144000" cy="857250"/>
-          </a:xfrm>
-          <a:prstGeom prst="rect">
-            <a:avLst/>
-          </a:prstGeom>
-        </p:spPr>
-        <p:txBody>
-          <a:bodyPr vert="horz" lIns="91440" tIns="45720" rIns="91440" bIns="45720" rtlCol="0" anchor="ctr">
-            <a:normAutofit/>
-          </a:bodyPr>
-          <a:lstStyle>
-            <a:lvl1pPr algn="ctr" defTabSz="914400" rtl="0" eaLnBrk="1" latinLnBrk="0" hangingPunct="1">
-              <a:spcBef>
-                <a:spcPct val="0"/>
-              </a:spcBef>
-              <a:buNone/>
-              <a:defRPr sz="4400" kern="1200">
-                <a:solidFill>
-                  <a:schemeClr val="tx1"/>
-                </a:solidFill>
-                <a:latin typeface="+mj-lt"/>
-                <a:ea typeface="+mj-ea"/>
-                <a:cs typeface="+mj-cs"/>
-              </a:defRPr>
-            </a:lvl1pPr>
-          </a:lstStyle>
-          <a:p>
-            <a:r>
-              <a:rPr lang="en-US" dirty="0" smtClean="0"/>
-              <a:t>Multiple </a:t>
-            </a:r>
-            <a:r>
-              <a:rPr lang="en-US" dirty="0" smtClean="0"/>
-              <a:t>hands </a:t>
-            </a:r>
-            <a:endParaRPr lang="en-US" dirty="0"/>
-          </a:p>
-        </p:txBody>
-      </p:sp>
     </p:spTree>
     <p:extLst>
       <p:ext uri="{BB962C8B-B14F-4D97-AF65-F5344CB8AC3E}">
-        <p14:creationId xmlns:p14="http://schemas.microsoft.com/office/powerpoint/2010/main" val="2889536298"/>
+        <p14:creationId xmlns:p14="http://schemas.microsoft.com/office/powerpoint/2010/main" val="3486414651"/>
       </p:ext>
     </p:extLst>
   </p:cSld>
@@ -3838,7 +4294,7 @@
         </p:blipFill>
         <p:spPr>
           <a:xfrm>
-            <a:off x="0" y="0"/>
+            <a:off x="2438400" y="0"/>
             <a:ext cx="6858000" cy="5143500"/>
           </a:xfrm>
           <a:prstGeom prst="rect">
@@ -3848,7 +4304,7 @@
       </p:pic>
       <p:sp>
         <p:nvSpPr>
-          <p:cNvPr id="4" name="Title 3"/>
+          <p:cNvPr id="4" name="Title 1"/>
           <p:cNvSpPr>
             <a:spLocks noGrp="1"/>
           </p:cNvSpPr>
@@ -3858,19 +4314,19 @@
         </p:nvSpPr>
         <p:spPr>
           <a:xfrm>
-            <a:off x="7086600" y="1352550"/>
-            <a:ext cx="1828800" cy="1752600"/>
+            <a:off x="76200" y="1943100"/>
+            <a:ext cx="2286000" cy="857250"/>
           </a:xfrm>
         </p:spPr>
         <p:txBody>
           <a:bodyPr>
-            <a:normAutofit/>
+            <a:normAutofit fontScale="90000"/>
           </a:bodyPr>
           <a:lstStyle/>
           <a:p>
             <a:r>
               <a:rPr lang="en-US" dirty="0" smtClean="0"/>
-              <a:t>Cursor control</a:t>
+              <a:t>NITE Filters</a:t>
             </a:r>
             <a:endParaRPr lang="en-US" dirty="0"/>
           </a:p>
@@ -3879,7 +4335,7 @@
     </p:spTree>
     <p:extLst>
       <p:ext uri="{BB962C8B-B14F-4D97-AF65-F5344CB8AC3E}">
-        <p14:creationId xmlns:p14="http://schemas.microsoft.com/office/powerpoint/2010/main" val="2908293680"/>
+        <p14:creationId xmlns:p14="http://schemas.microsoft.com/office/powerpoint/2010/main" val="3204015138"/>
       </p:ext>
     </p:extLst>
   </p:cSld>
@@ -3897,6 +4353,138 @@
 </file>
 
 <file path=ppt/slides/slide16.xml><?xml version="1.0" encoding="utf-8"?>
+<p:sld xmlns:a="http://schemas.openxmlformats.org/drawingml/2006/main" xmlns:r="http://schemas.openxmlformats.org/officeDocument/2006/relationships" xmlns:p="http://schemas.openxmlformats.org/presentationml/2006/main">
+  <p:cSld>
+    <p:spTree>
+      <p:nvGrpSpPr>
+        <p:cNvPr id="1" name=""/>
+        <p:cNvGrpSpPr/>
+        <p:nvPr/>
+      </p:nvGrpSpPr>
+      <p:grpSpPr>
+        <a:xfrm>
+          <a:off x="0" y="0"/>
+          <a:ext cx="0" cy="0"/>
+          <a:chOff x="0" y="0"/>
+          <a:chExt cx="0" cy="0"/>
+        </a:xfrm>
+      </p:grpSpPr>
+      <p:sp>
+        <p:nvSpPr>
+          <p:cNvPr id="5" name="Title 4"/>
+          <p:cNvSpPr>
+            <a:spLocks noGrp="1"/>
+          </p:cNvSpPr>
+          <p:nvPr>
+            <p:ph type="title"/>
+          </p:nvPr>
+        </p:nvSpPr>
+        <p:spPr/>
+        <p:txBody>
+          <a:bodyPr/>
+          <a:lstStyle/>
+          <a:p>
+            <a:endParaRPr lang="en-US"/>
+          </a:p>
+        </p:txBody>
+      </p:sp>
+      <p:pic>
+        <p:nvPicPr>
+          <p:cNvPr id="7" name="Picture 6"/>
+          <p:cNvPicPr>
+            <a:picLocks noChangeAspect="1"/>
+          </p:cNvPicPr>
+          <p:nvPr/>
+        </p:nvPicPr>
+        <p:blipFill>
+          <a:blip r:embed="rId2">
+            <a:extLst>
+              <a:ext uri="{28A0092B-C50C-407E-A947-70E740481C1C}">
+                <a14:useLocalDpi xmlns:a14="http://schemas.microsoft.com/office/drawing/2010/main" val="0"/>
+              </a:ext>
+            </a:extLst>
+          </a:blip>
+          <a:stretch>
+            <a:fillRect/>
+          </a:stretch>
+        </p:blipFill>
+        <p:spPr>
+          <a:xfrm>
+            <a:off x="-76200" y="-2762250"/>
+            <a:ext cx="9258613" cy="5467350"/>
+          </a:xfrm>
+          <a:prstGeom prst="rect">
+            <a:avLst/>
+          </a:prstGeom>
+        </p:spPr>
+      </p:pic>
+      <p:sp>
+        <p:nvSpPr>
+          <p:cNvPr id="8" name="Title 1"/>
+          <p:cNvSpPr txBox="1">
+            <a:spLocks/>
+          </p:cNvSpPr>
+          <p:nvPr/>
+        </p:nvSpPr>
+        <p:spPr>
+          <a:xfrm>
+            <a:off x="0" y="3333750"/>
+            <a:ext cx="9144000" cy="857250"/>
+          </a:xfrm>
+          <a:prstGeom prst="rect">
+            <a:avLst/>
+          </a:prstGeom>
+        </p:spPr>
+        <p:txBody>
+          <a:bodyPr vert="horz" lIns="91440" tIns="45720" rIns="91440" bIns="45720" rtlCol="0" anchor="ctr">
+            <a:normAutofit/>
+          </a:bodyPr>
+          <a:lstStyle>
+            <a:lvl1pPr algn="ctr" defTabSz="914400" rtl="0" eaLnBrk="1" latinLnBrk="0" hangingPunct="1">
+              <a:spcBef>
+                <a:spcPct val="0"/>
+              </a:spcBef>
+              <a:buNone/>
+              <a:defRPr sz="4400" kern="1200">
+                <a:solidFill>
+                  <a:schemeClr val="tx1"/>
+                </a:solidFill>
+                <a:latin typeface="+mj-lt"/>
+                <a:ea typeface="+mj-ea"/>
+                <a:cs typeface="+mj-cs"/>
+              </a:defRPr>
+            </a:lvl1pPr>
+          </a:lstStyle>
+          <a:p>
+            <a:r>
+              <a:rPr lang="en-US" dirty="0" smtClean="0"/>
+              <a:t>Multiple hands (NITE)</a:t>
+            </a:r>
+            <a:endParaRPr lang="en-US" dirty="0"/>
+          </a:p>
+        </p:txBody>
+      </p:sp>
+    </p:spTree>
+    <p:extLst>
+      <p:ext uri="{BB962C8B-B14F-4D97-AF65-F5344CB8AC3E}">
+        <p14:creationId xmlns:p14="http://schemas.microsoft.com/office/powerpoint/2010/main" val="2889536298"/>
+      </p:ext>
+    </p:extLst>
+  </p:cSld>
+  <p:clrMapOvr>
+    <a:masterClrMapping/>
+  </p:clrMapOvr>
+  <p:timing>
+    <p:tnLst>
+      <p:par>
+        <p:cTn id="1" dur="indefinite" restart="never" nodeType="tmRoot"/>
+      </p:par>
+    </p:tnLst>
+  </p:timing>
+</p:sld>
+</file>
+
+<file path=ppt/slides/slide17.xml><?xml version="1.0" encoding="utf-8"?>
 <p:sld xmlns:a="http://schemas.openxmlformats.org/drawingml/2006/main" xmlns:r="http://schemas.openxmlformats.org/officeDocument/2006/relationships" xmlns:p="http://schemas.openxmlformats.org/presentationml/2006/main">
   <p:cSld>
     <p:spTree>
@@ -3935,8 +4523,8 @@
         </p:blipFill>
         <p:spPr>
           <a:xfrm>
-            <a:off x="-1752600" y="-57150"/>
-            <a:ext cx="6959600" cy="5219700"/>
+            <a:off x="0" y="0"/>
+            <a:ext cx="6858000" cy="5143500"/>
           </a:xfrm>
           <a:prstGeom prst="rect">
             <a:avLst/>
@@ -3945,7 +4533,7 @@
       </p:pic>
       <p:sp>
         <p:nvSpPr>
-          <p:cNvPr id="4" name="Title 1"/>
+          <p:cNvPr id="4" name="Title 3"/>
           <p:cNvSpPr>
             <a:spLocks noGrp="1"/>
           </p:cNvSpPr>
@@ -3955,24 +4543,33 @@
         </p:nvSpPr>
         <p:spPr>
           <a:xfrm>
-            <a:off x="5486400" y="1562100"/>
-            <a:ext cx="3429000" cy="1619250"/>
-          </a:xfrm>
-        </p:spPr>
-        <p:txBody>
-          <a:bodyPr/>
+            <a:off x="7086600" y="1352550"/>
+            <a:ext cx="1828800" cy="1752600"/>
+          </a:xfrm>
+        </p:spPr>
+        <p:txBody>
+          <a:bodyPr>
+            <a:normAutofit fontScale="90000"/>
+          </a:bodyPr>
           <a:lstStyle/>
           <a:p>
             <a:r>
               <a:rPr lang="en-US" dirty="0" smtClean="0"/>
-              <a:t>Smoothing</a:t>
+              <a:t>Cursor control</a:t>
             </a:r>
             <a:br>
               <a:rPr lang="en-US" dirty="0" smtClean="0"/>
             </a:br>
             <a:r>
               <a:rPr lang="en-US" dirty="0" smtClean="0"/>
-              <a:t>(and scaling)</a:t>
+              <a:t>with</a:t>
+            </a:r>
+            <a:br>
+              <a:rPr lang="en-US" dirty="0" smtClean="0"/>
+            </a:br>
+            <a:r>
+              <a:rPr lang="en-US" dirty="0" smtClean="0"/>
+              <a:t>NITE</a:t>
             </a:r>
             <a:endParaRPr lang="en-US" dirty="0"/>
           </a:p>
@@ -3981,104 +4578,7 @@
     </p:spTree>
     <p:extLst>
       <p:ext uri="{BB962C8B-B14F-4D97-AF65-F5344CB8AC3E}">
-        <p14:creationId xmlns:p14="http://schemas.microsoft.com/office/powerpoint/2010/main" val="567761821"/>
-      </p:ext>
-    </p:extLst>
-  </p:cSld>
-  <p:clrMapOvr>
-    <a:masterClrMapping/>
-  </p:clrMapOvr>
-  <p:timing>
-    <p:tnLst>
-      <p:par>
-        <p:cTn id="1" dur="indefinite" restart="never" nodeType="tmRoot"/>
-      </p:par>
-    </p:tnLst>
-  </p:timing>
-</p:sld>
-</file>
-
-<file path=ppt/slides/slide17.xml><?xml version="1.0" encoding="utf-8"?>
-<p:sld xmlns:a="http://schemas.openxmlformats.org/drawingml/2006/main" xmlns:r="http://schemas.openxmlformats.org/officeDocument/2006/relationships" xmlns:p="http://schemas.openxmlformats.org/presentationml/2006/main">
-  <p:cSld>
-    <p:spTree>
-      <p:nvGrpSpPr>
-        <p:cNvPr id="1" name=""/>
-        <p:cNvGrpSpPr/>
-        <p:nvPr/>
-      </p:nvGrpSpPr>
-      <p:grpSpPr>
-        <a:xfrm>
-          <a:off x="0" y="0"/>
-          <a:ext cx="0" cy="0"/>
-          <a:chOff x="0" y="0"/>
-          <a:chExt cx="0" cy="0"/>
-        </a:xfrm>
-      </p:grpSpPr>
-      <p:sp>
-        <p:nvSpPr>
-          <p:cNvPr id="2" name="Title 1"/>
-          <p:cNvSpPr>
-            <a:spLocks noGrp="1"/>
-          </p:cNvSpPr>
-          <p:nvPr>
-            <p:ph type="title"/>
-          </p:nvPr>
-        </p:nvSpPr>
-        <p:spPr>
-          <a:xfrm>
-            <a:off x="4800600" y="1790700"/>
-            <a:ext cx="3886200" cy="857250"/>
-          </a:xfrm>
-        </p:spPr>
-        <p:txBody>
-          <a:bodyPr>
-            <a:normAutofit/>
-          </a:bodyPr>
-          <a:lstStyle/>
-          <a:p>
-            <a:r>
-              <a:rPr lang="en-US" dirty="0" smtClean="0"/>
-              <a:t>Swiping</a:t>
-            </a:r>
-            <a:endParaRPr lang="en-US" dirty="0"/>
-          </a:p>
-        </p:txBody>
-      </p:sp>
-      <p:pic>
-        <p:nvPicPr>
-          <p:cNvPr id="5" name="Picture 4"/>
-          <p:cNvPicPr>
-            <a:picLocks noChangeAspect="1"/>
-          </p:cNvPicPr>
-          <p:nvPr/>
-        </p:nvPicPr>
-        <p:blipFill>
-          <a:blip r:embed="rId2">
-            <a:extLst>
-              <a:ext uri="{28A0092B-C50C-407E-A947-70E740481C1C}">
-                <a14:useLocalDpi xmlns:a14="http://schemas.microsoft.com/office/drawing/2010/main" val="0"/>
-              </a:ext>
-            </a:extLst>
-          </a:blip>
-          <a:stretch>
-            <a:fillRect/>
-          </a:stretch>
-        </p:blipFill>
-        <p:spPr>
-          <a:xfrm>
-            <a:off x="-1" y="0"/>
-            <a:ext cx="4498041" cy="5143500"/>
-          </a:xfrm>
-          <a:prstGeom prst="rect">
-            <a:avLst/>
-          </a:prstGeom>
-        </p:spPr>
-      </p:pic>
-    </p:spTree>
-    <p:extLst>
-      <p:ext uri="{BB962C8B-B14F-4D97-AF65-F5344CB8AC3E}">
-        <p14:creationId xmlns:p14="http://schemas.microsoft.com/office/powerpoint/2010/main" val="3445804590"/>
+        <p14:creationId xmlns:p14="http://schemas.microsoft.com/office/powerpoint/2010/main" val="2908293680"/>
       </p:ext>
     </p:extLst>
   </p:cSld>
@@ -4112,6 +4612,439 @@
           <a:chExt cx="0" cy="0"/>
         </a:xfrm>
       </p:grpSpPr>
+      <p:pic>
+        <p:nvPicPr>
+          <p:cNvPr id="3" name="Picture 2"/>
+          <p:cNvPicPr>
+            <a:picLocks noChangeAspect="1"/>
+          </p:cNvPicPr>
+          <p:nvPr/>
+        </p:nvPicPr>
+        <p:blipFill>
+          <a:blip r:embed="rId2">
+            <a:extLst>
+              <a:ext uri="{28A0092B-C50C-407E-A947-70E740481C1C}">
+                <a14:useLocalDpi xmlns:a14="http://schemas.microsoft.com/office/drawing/2010/main" val="0"/>
+              </a:ext>
+            </a:extLst>
+          </a:blip>
+          <a:stretch>
+            <a:fillRect/>
+          </a:stretch>
+        </p:blipFill>
+        <p:spPr>
+          <a:xfrm>
+            <a:off x="-1752600" y="-57150"/>
+            <a:ext cx="6959600" cy="5219700"/>
+          </a:xfrm>
+          <a:prstGeom prst="rect">
+            <a:avLst/>
+          </a:prstGeom>
+        </p:spPr>
+      </p:pic>
+      <p:sp>
+        <p:nvSpPr>
+          <p:cNvPr id="4" name="Title 1"/>
+          <p:cNvSpPr>
+            <a:spLocks noGrp="1"/>
+          </p:cNvSpPr>
+          <p:nvPr>
+            <p:ph type="title"/>
+          </p:nvPr>
+        </p:nvSpPr>
+        <p:spPr>
+          <a:xfrm>
+            <a:off x="5486400" y="1562100"/>
+            <a:ext cx="3429000" cy="1619250"/>
+          </a:xfrm>
+        </p:spPr>
+        <p:txBody>
+          <a:bodyPr>
+            <a:normAutofit fontScale="90000"/>
+          </a:bodyPr>
+          <a:lstStyle/>
+          <a:p>
+            <a:r>
+              <a:rPr lang="en-US" dirty="0" smtClean="0"/>
+              <a:t>Cursor</a:t>
+            </a:r>
+            <a:br>
+              <a:rPr lang="en-US" dirty="0" smtClean="0"/>
+            </a:br>
+            <a:r>
+              <a:rPr lang="en-US" dirty="0" smtClean="0"/>
+              <a:t>Smoothing</a:t>
+            </a:r>
+            <a:br>
+              <a:rPr lang="en-US" dirty="0" smtClean="0"/>
+            </a:br>
+            <a:r>
+              <a:rPr lang="en-US" dirty="0" smtClean="0"/>
+              <a:t>(and scaling)</a:t>
+            </a:r>
+            <a:endParaRPr lang="en-US" dirty="0"/>
+          </a:p>
+        </p:txBody>
+      </p:sp>
+    </p:spTree>
+    <p:extLst>
+      <p:ext uri="{BB962C8B-B14F-4D97-AF65-F5344CB8AC3E}">
+        <p14:creationId xmlns:p14="http://schemas.microsoft.com/office/powerpoint/2010/main" val="567761821"/>
+      </p:ext>
+    </p:extLst>
+  </p:cSld>
+  <p:clrMapOvr>
+    <a:masterClrMapping/>
+  </p:clrMapOvr>
+  <p:timing>
+    <p:tnLst>
+      <p:par>
+        <p:cTn id="1" dur="indefinite" restart="never" nodeType="tmRoot"/>
+      </p:par>
+    </p:tnLst>
+  </p:timing>
+</p:sld>
+</file>
+
+<file path=ppt/slides/slide19.xml><?xml version="1.0" encoding="utf-8"?>
+<p:sld xmlns:a="http://schemas.openxmlformats.org/drawingml/2006/main" xmlns:r="http://schemas.openxmlformats.org/officeDocument/2006/relationships" xmlns:p="http://schemas.openxmlformats.org/presentationml/2006/main">
+  <p:cSld>
+    <p:spTree>
+      <p:nvGrpSpPr>
+        <p:cNvPr id="1" name=""/>
+        <p:cNvGrpSpPr/>
+        <p:nvPr/>
+      </p:nvGrpSpPr>
+      <p:grpSpPr>
+        <a:xfrm>
+          <a:off x="0" y="0"/>
+          <a:ext cx="0" cy="0"/>
+          <a:chOff x="0" y="0"/>
+          <a:chExt cx="0" cy="0"/>
+        </a:xfrm>
+      </p:grpSpPr>
+      <p:sp>
+        <p:nvSpPr>
+          <p:cNvPr id="2" name="Title 1"/>
+          <p:cNvSpPr>
+            <a:spLocks noGrp="1"/>
+          </p:cNvSpPr>
+          <p:nvPr>
+            <p:ph type="title"/>
+          </p:nvPr>
+        </p:nvSpPr>
+        <p:spPr>
+          <a:xfrm>
+            <a:off x="4800600" y="1943100"/>
+            <a:ext cx="3886200" cy="857250"/>
+          </a:xfrm>
+        </p:spPr>
+        <p:txBody>
+          <a:bodyPr>
+            <a:normAutofit fontScale="90000"/>
+          </a:bodyPr>
+          <a:lstStyle/>
+          <a:p>
+            <a:r>
+              <a:rPr lang="en-US" dirty="0" smtClean="0"/>
+              <a:t>Swiping</a:t>
+            </a:r>
+            <a:br>
+              <a:rPr lang="en-US" dirty="0" smtClean="0"/>
+            </a:br>
+            <a:r>
+              <a:rPr lang="en-US" dirty="0" smtClean="0"/>
+              <a:t>(NITE)</a:t>
+            </a:r>
+            <a:endParaRPr lang="en-US" dirty="0"/>
+          </a:p>
+        </p:txBody>
+      </p:sp>
+      <p:pic>
+        <p:nvPicPr>
+          <p:cNvPr id="5" name="Picture 4"/>
+          <p:cNvPicPr>
+            <a:picLocks noChangeAspect="1"/>
+          </p:cNvPicPr>
+          <p:nvPr/>
+        </p:nvPicPr>
+        <p:blipFill>
+          <a:blip r:embed="rId2">
+            <a:extLst>
+              <a:ext uri="{28A0092B-C50C-407E-A947-70E740481C1C}">
+                <a14:useLocalDpi xmlns:a14="http://schemas.microsoft.com/office/drawing/2010/main" val="0"/>
+              </a:ext>
+            </a:extLst>
+          </a:blip>
+          <a:stretch>
+            <a:fillRect/>
+          </a:stretch>
+        </p:blipFill>
+        <p:spPr>
+          <a:xfrm>
+            <a:off x="-1" y="0"/>
+            <a:ext cx="4498041" cy="5143500"/>
+          </a:xfrm>
+          <a:prstGeom prst="rect">
+            <a:avLst/>
+          </a:prstGeom>
+        </p:spPr>
+      </p:pic>
+    </p:spTree>
+    <p:extLst>
+      <p:ext uri="{BB962C8B-B14F-4D97-AF65-F5344CB8AC3E}">
+        <p14:creationId xmlns:p14="http://schemas.microsoft.com/office/powerpoint/2010/main" val="3445804590"/>
+      </p:ext>
+    </p:extLst>
+  </p:cSld>
+  <p:clrMapOvr>
+    <a:masterClrMapping/>
+  </p:clrMapOvr>
+  <p:timing>
+    <p:tnLst>
+      <p:par>
+        <p:cTn id="1" dur="indefinite" restart="never" nodeType="tmRoot"/>
+      </p:par>
+    </p:tnLst>
+  </p:timing>
+</p:sld>
+</file>
+
+<file path=ppt/slides/slide2.xml><?xml version="1.0" encoding="utf-8"?>
+<p:sld xmlns:a="http://schemas.openxmlformats.org/drawingml/2006/main" xmlns:r="http://schemas.openxmlformats.org/officeDocument/2006/relationships" xmlns:p="http://schemas.openxmlformats.org/presentationml/2006/main">
+  <p:cSld>
+    <p:spTree>
+      <p:nvGrpSpPr>
+        <p:cNvPr id="1" name=""/>
+        <p:cNvGrpSpPr/>
+        <p:nvPr/>
+      </p:nvGrpSpPr>
+      <p:grpSpPr>
+        <a:xfrm>
+          <a:off x="0" y="0"/>
+          <a:ext cx="0" cy="0"/>
+          <a:chOff x="0" y="0"/>
+          <a:chExt cx="0" cy="0"/>
+        </a:xfrm>
+      </p:grpSpPr>
+      <p:sp>
+        <p:nvSpPr>
+          <p:cNvPr id="4" name="Title 3"/>
+          <p:cNvSpPr>
+            <a:spLocks noGrp="1"/>
+          </p:cNvSpPr>
+          <p:nvPr>
+            <p:ph type="title"/>
+          </p:nvPr>
+        </p:nvSpPr>
+        <p:spPr/>
+        <p:txBody>
+          <a:bodyPr/>
+          <a:lstStyle/>
+          <a:p>
+            <a:r>
+              <a:rPr lang="en-US" dirty="0" smtClean="0">
+                <a:latin typeface="+mn-lt"/>
+              </a:rPr>
+              <a:t>About the presenter</a:t>
+            </a:r>
+            <a:endParaRPr lang="en-US" dirty="0">
+              <a:latin typeface="+mn-lt"/>
+            </a:endParaRPr>
+          </a:p>
+        </p:txBody>
+      </p:sp>
+    </p:spTree>
+    <p:extLst>
+      <p:ext uri="{BB962C8B-B14F-4D97-AF65-F5344CB8AC3E}">
+        <p14:creationId xmlns:p14="http://schemas.microsoft.com/office/powerpoint/2010/main" val="1131898473"/>
+      </p:ext>
+    </p:extLst>
+  </p:cSld>
+  <p:clrMapOvr>
+    <a:masterClrMapping/>
+  </p:clrMapOvr>
+</p:sld>
+</file>
+
+<file path=ppt/slides/slide20.xml><?xml version="1.0" encoding="utf-8"?>
+<p:sld xmlns:a="http://schemas.openxmlformats.org/drawingml/2006/main" xmlns:r="http://schemas.openxmlformats.org/officeDocument/2006/relationships" xmlns:p="http://schemas.openxmlformats.org/presentationml/2006/main">
+  <p:cSld>
+    <p:spTree>
+      <p:nvGrpSpPr>
+        <p:cNvPr id="1" name=""/>
+        <p:cNvGrpSpPr/>
+        <p:nvPr/>
+      </p:nvGrpSpPr>
+      <p:grpSpPr>
+        <a:xfrm>
+          <a:off x="0" y="0"/>
+          <a:ext cx="0" cy="0"/>
+          <a:chOff x="0" y="0"/>
+          <a:chExt cx="0" cy="0"/>
+        </a:xfrm>
+      </p:grpSpPr>
+      <p:pic>
+        <p:nvPicPr>
+          <p:cNvPr id="3" name="Picture 2"/>
+          <p:cNvPicPr>
+            <a:picLocks noChangeAspect="1"/>
+          </p:cNvPicPr>
+          <p:nvPr/>
+        </p:nvPicPr>
+        <p:blipFill>
+          <a:blip r:embed="rId2">
+            <a:extLst>
+              <a:ext uri="{28A0092B-C50C-407E-A947-70E740481C1C}">
+                <a14:useLocalDpi xmlns:a14="http://schemas.microsoft.com/office/drawing/2010/main" val="0"/>
+              </a:ext>
+            </a:extLst>
+          </a:blip>
+          <a:stretch>
+            <a:fillRect/>
+          </a:stretch>
+        </p:blipFill>
+        <p:spPr>
+          <a:xfrm>
+            <a:off x="6216805" y="0"/>
+            <a:ext cx="2927195" cy="5143500"/>
+          </a:xfrm>
+          <a:prstGeom prst="rect">
+            <a:avLst/>
+          </a:prstGeom>
+        </p:spPr>
+      </p:pic>
+      <p:sp>
+        <p:nvSpPr>
+          <p:cNvPr id="4" name="Title 1"/>
+          <p:cNvSpPr>
+            <a:spLocks noGrp="1"/>
+          </p:cNvSpPr>
+          <p:nvPr>
+            <p:ph type="title"/>
+          </p:nvPr>
+        </p:nvSpPr>
+        <p:spPr>
+          <a:xfrm>
+            <a:off x="1143000" y="2143125"/>
+            <a:ext cx="3886200" cy="857250"/>
+          </a:xfrm>
+        </p:spPr>
+        <p:txBody>
+          <a:bodyPr>
+            <a:normAutofit fontScale="90000"/>
+          </a:bodyPr>
+          <a:lstStyle/>
+          <a:p>
+            <a:r>
+              <a:rPr lang="en-US" dirty="0" smtClean="0"/>
+              <a:t>User Skeletons</a:t>
+            </a:r>
+            <a:br>
+              <a:rPr lang="en-US" dirty="0" smtClean="0"/>
+            </a:br>
+            <a:r>
+              <a:rPr lang="en-US" dirty="0" smtClean="0"/>
+              <a:t>(</a:t>
+            </a:r>
+            <a:r>
+              <a:rPr lang="en-US" dirty="0" err="1" smtClean="0"/>
+              <a:t>OpenNI</a:t>
+            </a:r>
+            <a:r>
+              <a:rPr lang="en-US" dirty="0" smtClean="0"/>
+              <a:t>)</a:t>
+            </a:r>
+            <a:endParaRPr lang="en-US" dirty="0"/>
+          </a:p>
+        </p:txBody>
+      </p:sp>
+    </p:spTree>
+    <p:extLst>
+      <p:ext uri="{BB962C8B-B14F-4D97-AF65-F5344CB8AC3E}">
+        <p14:creationId xmlns:p14="http://schemas.microsoft.com/office/powerpoint/2010/main" val="3307906043"/>
+      </p:ext>
+    </p:extLst>
+  </p:cSld>
+  <p:clrMapOvr>
+    <a:masterClrMapping/>
+  </p:clrMapOvr>
+  <p:timing>
+    <p:tnLst>
+      <p:par>
+        <p:cTn id="1" dur="indefinite" restart="never" nodeType="tmRoot"/>
+      </p:par>
+    </p:tnLst>
+  </p:timing>
+</p:sld>
+</file>
+
+<file path=ppt/slides/slide21.xml><?xml version="1.0" encoding="utf-8"?>
+<p:sld xmlns:a="http://schemas.openxmlformats.org/drawingml/2006/main" xmlns:r="http://schemas.openxmlformats.org/officeDocument/2006/relationships" xmlns:p="http://schemas.openxmlformats.org/presentationml/2006/main">
+  <p:cSld>
+    <p:spTree>
+      <p:nvGrpSpPr>
+        <p:cNvPr id="1" name=""/>
+        <p:cNvGrpSpPr/>
+        <p:nvPr/>
+      </p:nvGrpSpPr>
+      <p:grpSpPr>
+        <a:xfrm>
+          <a:off x="0" y="0"/>
+          <a:ext cx="0" cy="0"/>
+          <a:chOff x="0" y="0"/>
+          <a:chExt cx="0" cy="0"/>
+        </a:xfrm>
+      </p:grpSpPr>
+      <p:sp>
+        <p:nvSpPr>
+          <p:cNvPr id="2" name="Title 1"/>
+          <p:cNvSpPr>
+            <a:spLocks noGrp="1"/>
+          </p:cNvSpPr>
+          <p:nvPr>
+            <p:ph type="title"/>
+          </p:nvPr>
+        </p:nvSpPr>
+        <p:spPr/>
+        <p:txBody>
+          <a:bodyPr/>
+          <a:lstStyle/>
+          <a:p>
+            <a:endParaRPr lang="en-US"/>
+          </a:p>
+        </p:txBody>
+      </p:sp>
+    </p:spTree>
+    <p:extLst>
+      <p:ext uri="{BB962C8B-B14F-4D97-AF65-F5344CB8AC3E}">
+        <p14:creationId xmlns:p14="http://schemas.microsoft.com/office/powerpoint/2010/main" val="2802289633"/>
+      </p:ext>
+    </p:extLst>
+  </p:cSld>
+  <p:clrMapOvr>
+    <a:masterClrMapping/>
+  </p:clrMapOvr>
+</p:sld>
+</file>
+
+<file path=ppt/slides/slide22.xml><?xml version="1.0" encoding="utf-8"?>
+<p:sld xmlns:a="http://schemas.openxmlformats.org/drawingml/2006/main" xmlns:r="http://schemas.openxmlformats.org/officeDocument/2006/relationships" xmlns:p="http://schemas.openxmlformats.org/presentationml/2006/main">
+  <p:cSld>
+    <p:spTree>
+      <p:nvGrpSpPr>
+        <p:cNvPr id="1" name=""/>
+        <p:cNvGrpSpPr/>
+        <p:nvPr/>
+      </p:nvGrpSpPr>
+      <p:grpSpPr>
+        <a:xfrm>
+          <a:off x="0" y="0"/>
+          <a:ext cx="0" cy="0"/>
+          <a:chOff x="0" y="0"/>
+          <a:chExt cx="0" cy="0"/>
+        </a:xfrm>
+      </p:grpSpPr>
       <p:sp>
         <p:nvSpPr>
           <p:cNvPr id="2" name="Title 1"/>
@@ -4164,7 +5097,7 @@
 </p:sld>
 </file>
 
-<file path=ppt/slides/slide19.xml><?xml version="1.0" encoding="utf-8"?>
+<file path=ppt/slides/slide23.xml><?xml version="1.0" encoding="utf-8"?>
 <p:sld xmlns:a="http://schemas.openxmlformats.org/drawingml/2006/main" xmlns:r="http://schemas.openxmlformats.org/officeDocument/2006/relationships" xmlns:p="http://schemas.openxmlformats.org/presentationml/2006/main">
   <p:cSld>
     <p:spTree>
@@ -4259,64 +5192,7 @@
 </p:sld>
 </file>
 
-<file path=ppt/slides/slide2.xml><?xml version="1.0" encoding="utf-8"?>
-<p:sld xmlns:a="http://schemas.openxmlformats.org/drawingml/2006/main" xmlns:r="http://schemas.openxmlformats.org/officeDocument/2006/relationships" xmlns:p="http://schemas.openxmlformats.org/presentationml/2006/main">
-  <p:cSld>
-    <p:spTree>
-      <p:nvGrpSpPr>
-        <p:cNvPr id="1" name=""/>
-        <p:cNvGrpSpPr/>
-        <p:nvPr/>
-      </p:nvGrpSpPr>
-      <p:grpSpPr>
-        <a:xfrm>
-          <a:off x="0" y="0"/>
-          <a:ext cx="0" cy="0"/>
-          <a:chOff x="0" y="0"/>
-          <a:chExt cx="0" cy="0"/>
-        </a:xfrm>
-      </p:grpSpPr>
-      <p:sp>
-        <p:nvSpPr>
-          <p:cNvPr id="4" name="Title 3"/>
-          <p:cNvSpPr>
-            <a:spLocks noGrp="1"/>
-          </p:cNvSpPr>
-          <p:nvPr>
-            <p:ph type="title"/>
-          </p:nvPr>
-        </p:nvSpPr>
-        <p:spPr/>
-        <p:txBody>
-          <a:bodyPr/>
-          <a:lstStyle/>
-          <a:p>
-            <a:r>
-              <a:rPr lang="en-US" dirty="0" smtClean="0">
-                <a:latin typeface="+mn-lt"/>
-              </a:rPr>
-              <a:t>About the presenter</a:t>
-            </a:r>
-            <a:endParaRPr lang="en-US" dirty="0">
-              <a:latin typeface="+mn-lt"/>
-            </a:endParaRPr>
-          </a:p>
-        </p:txBody>
-      </p:sp>
-    </p:spTree>
-    <p:extLst>
-      <p:ext uri="{BB962C8B-B14F-4D97-AF65-F5344CB8AC3E}">
-        <p14:creationId xmlns:p14="http://schemas.microsoft.com/office/powerpoint/2010/main" val="1131898473"/>
-      </p:ext>
-    </p:extLst>
-  </p:cSld>
-  <p:clrMapOvr>
-    <a:masterClrMapping/>
-  </p:clrMapOvr>
-</p:sld>
-</file>
-
-<file path=ppt/slides/slide20.xml><?xml version="1.0" encoding="utf-8"?>
+<file path=ppt/slides/slide24.xml><?xml version="1.0" encoding="utf-8"?>
 <p:sld xmlns:a="http://schemas.openxmlformats.org/drawingml/2006/main" xmlns:r="http://schemas.openxmlformats.org/officeDocument/2006/relationships" xmlns:p="http://schemas.openxmlformats.org/presentationml/2006/main">
   <p:cSld>
     <p:bg>
@@ -4478,7 +5354,7 @@
 </p:sld>
 </file>
 
-<file path=ppt/slides/slide21.xml><?xml version="1.0" encoding="utf-8"?>
+<file path=ppt/slides/slide25.xml><?xml version="1.0" encoding="utf-8"?>
 <p:sld xmlns:a="http://schemas.openxmlformats.org/drawingml/2006/main" xmlns:r="http://schemas.openxmlformats.org/officeDocument/2006/relationships" xmlns:p="http://schemas.openxmlformats.org/presentationml/2006/main">
   <p:cSld>
     <p:spTree>
@@ -4568,7 +5444,7 @@
 </p:sld>
 </file>
 
-<file path=ppt/slides/slide22.xml><?xml version="1.0" encoding="utf-8"?>
+<file path=ppt/slides/slide26.xml><?xml version="1.0" encoding="utf-8"?>
 <p:sld xmlns:a="http://schemas.openxmlformats.org/drawingml/2006/main" xmlns:r="http://schemas.openxmlformats.org/officeDocument/2006/relationships" xmlns:p="http://schemas.openxmlformats.org/presentationml/2006/main">
   <p:cSld>
     <p:spTree>
@@ -4623,7 +5499,7 @@
         <p:spPr>
           <a:xfrm>
             <a:off x="2971800" y="2419350"/>
-            <a:ext cx="6019800" cy="3754874"/>
+            <a:ext cx="6019800" cy="4401205"/>
           </a:xfrm>
           <a:prstGeom prst="rect">
             <a:avLst/>
@@ -4789,6 +5665,28 @@
               </a:rPr>
               <a:t>/</a:t>
             </a:r>
+            <a:r>
+              <a:rPr lang="en-US" sz="1400" dirty="0"/>
+              <a:t/>
+            </a:r>
+            <a:br>
+              <a:rPr lang="en-US" sz="1400" dirty="0"/>
+            </a:br>
+            <a:r>
+              <a:rPr lang="en-US" sz="1400" dirty="0"/>
+              <a:t>http://www.flickr.com/photos/ste3ve/87689464</a:t>
+            </a:r>
+            <a:r>
+              <a:rPr lang="en-US" sz="1400" dirty="0" smtClean="0"/>
+              <a:t>/</a:t>
+            </a:r>
+          </a:p>
+          <a:p>
+            <a:pPr algn="r"/>
+            <a:endParaRPr lang="en-US" sz="1400" dirty="0"/>
+          </a:p>
+          <a:p>
+            <a:pPr algn="r"/>
             <a:endParaRPr lang="en-US" sz="1400" dirty="0" smtClean="0"/>
           </a:p>
           <a:p>
@@ -5688,7 +6586,68 @@
       </a:bgFillStyleLst>
     </a:fmtScheme>
   </a:themeElements>
-  <a:objectDefaults/>
+  <a:objectDefaults>
+    <a:spDef>
+      <a:spPr>
+        <a:gradFill>
+          <a:gsLst>
+            <a:gs pos="0">
+              <a:schemeClr val="bg1">
+                <a:lumMod val="75000"/>
+              </a:schemeClr>
+            </a:gs>
+            <a:gs pos="50000">
+              <a:schemeClr val="bg1">
+                <a:lumMod val="60000"/>
+                <a:lumOff val="40000"/>
+              </a:schemeClr>
+            </a:gs>
+            <a:gs pos="100000">
+              <a:schemeClr val="bg1">
+                <a:lumMod val="75000"/>
+              </a:schemeClr>
+            </a:gs>
+          </a:gsLst>
+          <a:lin ang="5400000" scaled="0"/>
+        </a:gradFill>
+        <a:ln>
+          <a:solidFill>
+            <a:schemeClr val="bg1">
+              <a:lumMod val="50000"/>
+            </a:schemeClr>
+          </a:solidFill>
+        </a:ln>
+      </a:spPr>
+      <a:bodyPr rtlCol="0" anchor="ctr"/>
+      <a:lstStyle>
+        <a:defPPr algn="ctr">
+          <a:defRPr dirty="0" err="1" smtClean="0">
+            <a:solidFill>
+              <a:schemeClr val="bg1">
+                <a:lumMod val="50000"/>
+              </a:schemeClr>
+            </a:solidFill>
+          </a:defRPr>
+        </a:defPPr>
+      </a:lstStyle>
+      <a:style>
+        <a:lnRef idx="2">
+          <a:schemeClr val="accent1">
+            <a:shade val="50000"/>
+          </a:schemeClr>
+        </a:lnRef>
+        <a:fillRef idx="1">
+          <a:schemeClr val="accent1"/>
+        </a:fillRef>
+        <a:effectRef idx="0">
+          <a:schemeClr val="accent1"/>
+        </a:effectRef>
+        <a:fontRef idx="minor">
+          <a:schemeClr val="lt1"/>
+        </a:fontRef>
+      </a:style>
+    </a:spDef>
+  </a:objectDefaults>
   <a:extraClrSchemeLst/>
 </a:theme>
 </file>
--- a/slides/KinectDev.pptx
+++ b/slides/KinectDev.pptx
@@ -18,19 +18,20 @@
     <p:sldId id="279" r:id="rId12"/>
     <p:sldId id="282" r:id="rId13"/>
     <p:sldId id="267" r:id="rId14"/>
-    <p:sldId id="268" r:id="rId15"/>
-    <p:sldId id="277" r:id="rId16"/>
-    <p:sldId id="272" r:id="rId17"/>
-    <p:sldId id="270" r:id="rId18"/>
-    <p:sldId id="275" r:id="rId19"/>
-    <p:sldId id="269" r:id="rId20"/>
-    <p:sldId id="280" r:id="rId21"/>
-    <p:sldId id="281" r:id="rId22"/>
-    <p:sldId id="271" r:id="rId23"/>
-    <p:sldId id="276" r:id="rId24"/>
-    <p:sldId id="273" r:id="rId25"/>
-    <p:sldId id="278" r:id="rId26"/>
-    <p:sldId id="265" r:id="rId27"/>
+    <p:sldId id="283" r:id="rId15"/>
+    <p:sldId id="268" r:id="rId16"/>
+    <p:sldId id="277" r:id="rId17"/>
+    <p:sldId id="272" r:id="rId18"/>
+    <p:sldId id="270" r:id="rId19"/>
+    <p:sldId id="275" r:id="rId20"/>
+    <p:sldId id="269" r:id="rId21"/>
+    <p:sldId id="280" r:id="rId22"/>
+    <p:sldId id="281" r:id="rId23"/>
+    <p:sldId id="271" r:id="rId24"/>
+    <p:sldId id="276" r:id="rId25"/>
+    <p:sldId id="273" r:id="rId26"/>
+    <p:sldId id="278" r:id="rId27"/>
+    <p:sldId id="265" r:id="rId28"/>
   </p:sldIdLst>
   <p:sldSz cx="9144000" cy="5143500" type="screen16x9"/>
   <p:notesSz cx="6858000" cy="9144000"/>
@@ -4178,6 +4179,67 @@
             <p:ph type="title"/>
           </p:nvPr>
         </p:nvSpPr>
+        <p:spPr/>
+        <p:txBody>
+          <a:bodyPr/>
+          <a:lstStyle/>
+          <a:p>
+            <a:r>
+              <a:rPr lang="en-US" dirty="0" smtClean="0"/>
+              <a:t>Anatomy of a .NET </a:t>
+            </a:r>
+            <a:r>
+              <a:rPr lang="en-US" dirty="0" err="1" smtClean="0"/>
+              <a:t>Kinect</a:t>
+            </a:r>
+            <a:r>
+              <a:rPr lang="en-US" dirty="0" smtClean="0"/>
+              <a:t> Project</a:t>
+            </a:r>
+            <a:endParaRPr lang="en-US" dirty="0"/>
+          </a:p>
+        </p:txBody>
+      </p:sp>
+    </p:spTree>
+    <p:extLst>
+      <p:ext uri="{BB962C8B-B14F-4D97-AF65-F5344CB8AC3E}">
+        <p14:creationId xmlns:p14="http://schemas.microsoft.com/office/powerpoint/2010/main" val="3468459623"/>
+      </p:ext>
+    </p:extLst>
+  </p:cSld>
+  <p:clrMapOvr>
+    <a:masterClrMapping/>
+  </p:clrMapOvr>
+</p:sld>
+</file>
+
+<file path=ppt/slides/slide15.xml><?xml version="1.0" encoding="utf-8"?>
+<p:sld xmlns:a="http://schemas.openxmlformats.org/drawingml/2006/main" xmlns:r="http://schemas.openxmlformats.org/officeDocument/2006/relationships" xmlns:p="http://schemas.openxmlformats.org/presentationml/2006/main">
+  <p:cSld>
+    <p:spTree>
+      <p:nvGrpSpPr>
+        <p:cNvPr id="1" name=""/>
+        <p:cNvGrpSpPr/>
+        <p:nvPr/>
+      </p:nvGrpSpPr>
+      <p:grpSpPr>
+        <a:xfrm>
+          <a:off x="0" y="0"/>
+          <a:ext cx="0" cy="0"/>
+          <a:chOff x="0" y="0"/>
+          <a:chExt cx="0" cy="0"/>
+        </a:xfrm>
+      </p:grpSpPr>
+      <p:sp>
+        <p:nvSpPr>
+          <p:cNvPr id="2" name="Title 1"/>
+          <p:cNvSpPr>
+            <a:spLocks noGrp="1"/>
+          </p:cNvSpPr>
+          <p:nvPr>
+            <p:ph type="title"/>
+          </p:nvPr>
+        </p:nvSpPr>
         <p:spPr>
           <a:xfrm>
             <a:off x="4038600" y="1809750"/>
@@ -4255,7 +4317,7 @@
 </p:sld>
 </file>
 
-<file path=ppt/slides/slide15.xml><?xml version="1.0" encoding="utf-8"?>
+<file path=ppt/slides/slide16.xml><?xml version="1.0" encoding="utf-8"?>
 <p:sld xmlns:a="http://schemas.openxmlformats.org/drawingml/2006/main" xmlns:r="http://schemas.openxmlformats.org/officeDocument/2006/relationships" xmlns:p="http://schemas.openxmlformats.org/presentationml/2006/main">
   <p:cSld>
     <p:spTree>
@@ -4352,7 +4414,7 @@
 </p:sld>
 </file>
 
-<file path=ppt/slides/slide16.xml><?xml version="1.0" encoding="utf-8"?>
+<file path=ppt/slides/slide17.xml><?xml version="1.0" encoding="utf-8"?>
 <p:sld xmlns:a="http://schemas.openxmlformats.org/drawingml/2006/main" xmlns:r="http://schemas.openxmlformats.org/officeDocument/2006/relationships" xmlns:p="http://schemas.openxmlformats.org/presentationml/2006/main">
   <p:cSld>
     <p:spTree>
@@ -4468,117 +4530,6 @@
     <p:extLst>
       <p:ext uri="{BB962C8B-B14F-4D97-AF65-F5344CB8AC3E}">
         <p14:creationId xmlns:p14="http://schemas.microsoft.com/office/powerpoint/2010/main" val="2889536298"/>
-      </p:ext>
-    </p:extLst>
-  </p:cSld>
-  <p:clrMapOvr>
-    <a:masterClrMapping/>
-  </p:clrMapOvr>
-  <p:timing>
-    <p:tnLst>
-      <p:par>
-        <p:cTn id="1" dur="indefinite" restart="never" nodeType="tmRoot"/>
-      </p:par>
-    </p:tnLst>
-  </p:timing>
-</p:sld>
-</file>
-
-<file path=ppt/slides/slide17.xml><?xml version="1.0" encoding="utf-8"?>
-<p:sld xmlns:a="http://schemas.openxmlformats.org/drawingml/2006/main" xmlns:r="http://schemas.openxmlformats.org/officeDocument/2006/relationships" xmlns:p="http://schemas.openxmlformats.org/presentationml/2006/main">
-  <p:cSld>
-    <p:spTree>
-      <p:nvGrpSpPr>
-        <p:cNvPr id="1" name=""/>
-        <p:cNvGrpSpPr/>
-        <p:nvPr/>
-      </p:nvGrpSpPr>
-      <p:grpSpPr>
-        <a:xfrm>
-          <a:off x="0" y="0"/>
-          <a:ext cx="0" cy="0"/>
-          <a:chOff x="0" y="0"/>
-          <a:chExt cx="0" cy="0"/>
-        </a:xfrm>
-      </p:grpSpPr>
-      <p:pic>
-        <p:nvPicPr>
-          <p:cNvPr id="3" name="Picture 2"/>
-          <p:cNvPicPr>
-            <a:picLocks noChangeAspect="1"/>
-          </p:cNvPicPr>
-          <p:nvPr/>
-        </p:nvPicPr>
-        <p:blipFill>
-          <a:blip r:embed="rId2">
-            <a:extLst>
-              <a:ext uri="{28A0092B-C50C-407E-A947-70E740481C1C}">
-                <a14:useLocalDpi xmlns:a14="http://schemas.microsoft.com/office/drawing/2010/main" val="0"/>
-              </a:ext>
-            </a:extLst>
-          </a:blip>
-          <a:stretch>
-            <a:fillRect/>
-          </a:stretch>
-        </p:blipFill>
-        <p:spPr>
-          <a:xfrm>
-            <a:off x="0" y="0"/>
-            <a:ext cx="6858000" cy="5143500"/>
-          </a:xfrm>
-          <a:prstGeom prst="rect">
-            <a:avLst/>
-          </a:prstGeom>
-        </p:spPr>
-      </p:pic>
-      <p:sp>
-        <p:nvSpPr>
-          <p:cNvPr id="4" name="Title 3"/>
-          <p:cNvSpPr>
-            <a:spLocks noGrp="1"/>
-          </p:cNvSpPr>
-          <p:nvPr>
-            <p:ph type="title"/>
-          </p:nvPr>
-        </p:nvSpPr>
-        <p:spPr>
-          <a:xfrm>
-            <a:off x="7086600" y="1352550"/>
-            <a:ext cx="1828800" cy="1752600"/>
-          </a:xfrm>
-        </p:spPr>
-        <p:txBody>
-          <a:bodyPr>
-            <a:normAutofit fontScale="90000"/>
-          </a:bodyPr>
-          <a:lstStyle/>
-          <a:p>
-            <a:r>
-              <a:rPr lang="en-US" dirty="0" smtClean="0"/>
-              <a:t>Cursor control</a:t>
-            </a:r>
-            <a:br>
-              <a:rPr lang="en-US" dirty="0" smtClean="0"/>
-            </a:br>
-            <a:r>
-              <a:rPr lang="en-US" dirty="0" smtClean="0"/>
-              <a:t>with</a:t>
-            </a:r>
-            <a:br>
-              <a:rPr lang="en-US" dirty="0" smtClean="0"/>
-            </a:br>
-            <a:r>
-              <a:rPr lang="en-US" dirty="0" smtClean="0"/>
-              <a:t>NITE</a:t>
-            </a:r>
-            <a:endParaRPr lang="en-US" dirty="0"/>
-          </a:p>
-        </p:txBody>
-      </p:sp>
-    </p:spTree>
-    <p:extLst>
-      <p:ext uri="{BB962C8B-B14F-4D97-AF65-F5344CB8AC3E}">
-        <p14:creationId xmlns:p14="http://schemas.microsoft.com/office/powerpoint/2010/main" val="2908293680"/>
       </p:ext>
     </p:extLst>
   </p:cSld>
@@ -4634,8 +4585,8 @@
         </p:blipFill>
         <p:spPr>
           <a:xfrm>
-            <a:off x="-1752600" y="-57150"/>
-            <a:ext cx="6959600" cy="5219700"/>
+            <a:off x="0" y="0"/>
+            <a:ext cx="6858000" cy="5143500"/>
           </a:xfrm>
           <a:prstGeom prst="rect">
             <a:avLst/>
@@ -4644,7 +4595,7 @@
       </p:pic>
       <p:sp>
         <p:nvSpPr>
-          <p:cNvPr id="4" name="Title 1"/>
+          <p:cNvPr id="4" name="Title 3"/>
           <p:cNvSpPr>
             <a:spLocks noGrp="1"/>
           </p:cNvSpPr>
@@ -4654,8 +4605,8 @@
         </p:nvSpPr>
         <p:spPr>
           <a:xfrm>
-            <a:off x="5486400" y="1562100"/>
-            <a:ext cx="3429000" cy="1619250"/>
+            <a:off x="7086600" y="1352550"/>
+            <a:ext cx="1828800" cy="1752600"/>
           </a:xfrm>
         </p:spPr>
         <p:txBody>
@@ -4666,21 +4617,21 @@
           <a:p>
             <a:r>
               <a:rPr lang="en-US" dirty="0" smtClean="0"/>
-              <a:t>Cursor</a:t>
+              <a:t>Cursor control</a:t>
             </a:r>
             <a:br>
               <a:rPr lang="en-US" dirty="0" smtClean="0"/>
             </a:br>
             <a:r>
               <a:rPr lang="en-US" dirty="0" smtClean="0"/>
-              <a:t>Smoothing</a:t>
+              <a:t>with</a:t>
             </a:r>
             <a:br>
               <a:rPr lang="en-US" dirty="0" smtClean="0"/>
             </a:br>
             <a:r>
               <a:rPr lang="en-US" dirty="0" smtClean="0"/>
-              <a:t>(and scaling)</a:t>
+              <a:t>NITE</a:t>
             </a:r>
             <a:endParaRPr lang="en-US" dirty="0"/>
           </a:p>
@@ -4689,7 +4640,7 @@
     </p:spTree>
     <p:extLst>
       <p:ext uri="{BB962C8B-B14F-4D97-AF65-F5344CB8AC3E}">
-        <p14:creationId xmlns:p14="http://schemas.microsoft.com/office/powerpoint/2010/main" val="567761821"/>
+        <p14:creationId xmlns:p14="http://schemas.microsoft.com/office/powerpoint/2010/main" val="2908293680"/>
       </p:ext>
     </p:extLst>
   </p:cSld>
@@ -4707,167 +4658,6 @@
 </file>
 
 <file path=ppt/slides/slide19.xml><?xml version="1.0" encoding="utf-8"?>
-<p:sld xmlns:a="http://schemas.openxmlformats.org/drawingml/2006/main" xmlns:r="http://schemas.openxmlformats.org/officeDocument/2006/relationships" xmlns:p="http://schemas.openxmlformats.org/presentationml/2006/main">
-  <p:cSld>
-    <p:spTree>
-      <p:nvGrpSpPr>
-        <p:cNvPr id="1" name=""/>
-        <p:cNvGrpSpPr/>
-        <p:nvPr/>
-      </p:nvGrpSpPr>
-      <p:grpSpPr>
-        <a:xfrm>
-          <a:off x="0" y="0"/>
-          <a:ext cx="0" cy="0"/>
-          <a:chOff x="0" y="0"/>
-          <a:chExt cx="0" cy="0"/>
-        </a:xfrm>
-      </p:grpSpPr>
-      <p:sp>
-        <p:nvSpPr>
-          <p:cNvPr id="2" name="Title 1"/>
-          <p:cNvSpPr>
-            <a:spLocks noGrp="1"/>
-          </p:cNvSpPr>
-          <p:nvPr>
-            <p:ph type="title"/>
-          </p:nvPr>
-        </p:nvSpPr>
-        <p:spPr>
-          <a:xfrm>
-            <a:off x="4800600" y="1943100"/>
-            <a:ext cx="3886200" cy="857250"/>
-          </a:xfrm>
-        </p:spPr>
-        <p:txBody>
-          <a:bodyPr>
-            <a:normAutofit fontScale="90000"/>
-          </a:bodyPr>
-          <a:lstStyle/>
-          <a:p>
-            <a:r>
-              <a:rPr lang="en-US" dirty="0" smtClean="0"/>
-              <a:t>Swiping</a:t>
-            </a:r>
-            <a:br>
-              <a:rPr lang="en-US" dirty="0" smtClean="0"/>
-            </a:br>
-            <a:r>
-              <a:rPr lang="en-US" dirty="0" smtClean="0"/>
-              <a:t>(NITE)</a:t>
-            </a:r>
-            <a:endParaRPr lang="en-US" dirty="0"/>
-          </a:p>
-        </p:txBody>
-      </p:sp>
-      <p:pic>
-        <p:nvPicPr>
-          <p:cNvPr id="5" name="Picture 4"/>
-          <p:cNvPicPr>
-            <a:picLocks noChangeAspect="1"/>
-          </p:cNvPicPr>
-          <p:nvPr/>
-        </p:nvPicPr>
-        <p:blipFill>
-          <a:blip r:embed="rId2">
-            <a:extLst>
-              <a:ext uri="{28A0092B-C50C-407E-A947-70E740481C1C}">
-                <a14:useLocalDpi xmlns:a14="http://schemas.microsoft.com/office/drawing/2010/main" val="0"/>
-              </a:ext>
-            </a:extLst>
-          </a:blip>
-          <a:stretch>
-            <a:fillRect/>
-          </a:stretch>
-        </p:blipFill>
-        <p:spPr>
-          <a:xfrm>
-            <a:off x="-1" y="0"/>
-            <a:ext cx="4498041" cy="5143500"/>
-          </a:xfrm>
-          <a:prstGeom prst="rect">
-            <a:avLst/>
-          </a:prstGeom>
-        </p:spPr>
-      </p:pic>
-    </p:spTree>
-    <p:extLst>
-      <p:ext uri="{BB962C8B-B14F-4D97-AF65-F5344CB8AC3E}">
-        <p14:creationId xmlns:p14="http://schemas.microsoft.com/office/powerpoint/2010/main" val="3445804590"/>
-      </p:ext>
-    </p:extLst>
-  </p:cSld>
-  <p:clrMapOvr>
-    <a:masterClrMapping/>
-  </p:clrMapOvr>
-  <p:timing>
-    <p:tnLst>
-      <p:par>
-        <p:cTn id="1" dur="indefinite" restart="never" nodeType="tmRoot"/>
-      </p:par>
-    </p:tnLst>
-  </p:timing>
-</p:sld>
-</file>
-
-<file path=ppt/slides/slide2.xml><?xml version="1.0" encoding="utf-8"?>
-<p:sld xmlns:a="http://schemas.openxmlformats.org/drawingml/2006/main" xmlns:r="http://schemas.openxmlformats.org/officeDocument/2006/relationships" xmlns:p="http://schemas.openxmlformats.org/presentationml/2006/main">
-  <p:cSld>
-    <p:spTree>
-      <p:nvGrpSpPr>
-        <p:cNvPr id="1" name=""/>
-        <p:cNvGrpSpPr/>
-        <p:nvPr/>
-      </p:nvGrpSpPr>
-      <p:grpSpPr>
-        <a:xfrm>
-          <a:off x="0" y="0"/>
-          <a:ext cx="0" cy="0"/>
-          <a:chOff x="0" y="0"/>
-          <a:chExt cx="0" cy="0"/>
-        </a:xfrm>
-      </p:grpSpPr>
-      <p:sp>
-        <p:nvSpPr>
-          <p:cNvPr id="4" name="Title 3"/>
-          <p:cNvSpPr>
-            <a:spLocks noGrp="1"/>
-          </p:cNvSpPr>
-          <p:nvPr>
-            <p:ph type="title"/>
-          </p:nvPr>
-        </p:nvSpPr>
-        <p:spPr/>
-        <p:txBody>
-          <a:bodyPr/>
-          <a:lstStyle/>
-          <a:p>
-            <a:r>
-              <a:rPr lang="en-US" dirty="0" smtClean="0">
-                <a:latin typeface="+mn-lt"/>
-              </a:rPr>
-              <a:t>About the presenter</a:t>
-            </a:r>
-            <a:endParaRPr lang="en-US" dirty="0">
-              <a:latin typeface="+mn-lt"/>
-            </a:endParaRPr>
-          </a:p>
-        </p:txBody>
-      </p:sp>
-    </p:spTree>
-    <p:extLst>
-      <p:ext uri="{BB962C8B-B14F-4D97-AF65-F5344CB8AC3E}">
-        <p14:creationId xmlns:p14="http://schemas.microsoft.com/office/powerpoint/2010/main" val="1131898473"/>
-      </p:ext>
-    </p:extLst>
-  </p:cSld>
-  <p:clrMapOvr>
-    <a:masterClrMapping/>
-  </p:clrMapOvr>
-</p:sld>
-</file>
-
-<file path=ppt/slides/slide20.xml><?xml version="1.0" encoding="utf-8"?>
 <p:sld xmlns:a="http://schemas.openxmlformats.org/drawingml/2006/main" xmlns:r="http://schemas.openxmlformats.org/officeDocument/2006/relationships" xmlns:p="http://schemas.openxmlformats.org/presentationml/2006/main">
   <p:cSld>
     <p:spTree>
@@ -4906,8 +4696,8 @@
         </p:blipFill>
         <p:spPr>
           <a:xfrm>
-            <a:off x="6216805" y="0"/>
-            <a:ext cx="2927195" cy="5143500"/>
+            <a:off x="-1752600" y="-57150"/>
+            <a:ext cx="6959600" cy="5219700"/>
           </a:xfrm>
           <a:prstGeom prst="rect">
             <a:avLst/>
@@ -4926,8 +4716,8 @@
         </p:nvSpPr>
         <p:spPr>
           <a:xfrm>
-            <a:off x="1143000" y="2143125"/>
-            <a:ext cx="3886200" cy="857250"/>
+            <a:off x="5486400" y="1562100"/>
+            <a:ext cx="3429000" cy="1619250"/>
           </a:xfrm>
         </p:spPr>
         <p:txBody>
@@ -4938,22 +4728,21 @@
           <a:p>
             <a:r>
               <a:rPr lang="en-US" dirty="0" smtClean="0"/>
-              <a:t>User Skeletons</a:t>
+              <a:t>Cursor</a:t>
             </a:r>
             <a:br>
               <a:rPr lang="en-US" dirty="0" smtClean="0"/>
             </a:br>
             <a:r>
               <a:rPr lang="en-US" dirty="0" smtClean="0"/>
-              <a:t>(</a:t>
-            </a:r>
-            <a:r>
-              <a:rPr lang="en-US" dirty="0" err="1" smtClean="0"/>
-              <a:t>OpenNI</a:t>
-            </a:r>
-            <a:r>
+              <a:t>Smoothing</a:t>
+            </a:r>
+            <a:br>
               <a:rPr lang="en-US" dirty="0" smtClean="0"/>
-              <a:t>)</a:t>
+            </a:br>
+            <a:r>
+              <a:rPr lang="en-US" dirty="0" smtClean="0"/>
+              <a:t>(and scaling)</a:t>
             </a:r>
             <a:endParaRPr lang="en-US" dirty="0"/>
           </a:p>
@@ -4962,7 +4751,168 @@
     </p:spTree>
     <p:extLst>
       <p:ext uri="{BB962C8B-B14F-4D97-AF65-F5344CB8AC3E}">
-        <p14:creationId xmlns:p14="http://schemas.microsoft.com/office/powerpoint/2010/main" val="3307906043"/>
+        <p14:creationId xmlns:p14="http://schemas.microsoft.com/office/powerpoint/2010/main" val="567761821"/>
+      </p:ext>
+    </p:extLst>
+  </p:cSld>
+  <p:clrMapOvr>
+    <a:masterClrMapping/>
+  </p:clrMapOvr>
+  <p:timing>
+    <p:tnLst>
+      <p:par>
+        <p:cTn id="1" dur="indefinite" restart="never" nodeType="tmRoot"/>
+      </p:par>
+    </p:tnLst>
+  </p:timing>
+</p:sld>
+</file>
+
+<file path=ppt/slides/slide2.xml><?xml version="1.0" encoding="utf-8"?>
+<p:sld xmlns:a="http://schemas.openxmlformats.org/drawingml/2006/main" xmlns:r="http://schemas.openxmlformats.org/officeDocument/2006/relationships" xmlns:p="http://schemas.openxmlformats.org/presentationml/2006/main">
+  <p:cSld>
+    <p:spTree>
+      <p:nvGrpSpPr>
+        <p:cNvPr id="1" name=""/>
+        <p:cNvGrpSpPr/>
+        <p:nvPr/>
+      </p:nvGrpSpPr>
+      <p:grpSpPr>
+        <a:xfrm>
+          <a:off x="0" y="0"/>
+          <a:ext cx="0" cy="0"/>
+          <a:chOff x="0" y="0"/>
+          <a:chExt cx="0" cy="0"/>
+        </a:xfrm>
+      </p:grpSpPr>
+      <p:sp>
+        <p:nvSpPr>
+          <p:cNvPr id="4" name="Title 3"/>
+          <p:cNvSpPr>
+            <a:spLocks noGrp="1"/>
+          </p:cNvSpPr>
+          <p:nvPr>
+            <p:ph type="title"/>
+          </p:nvPr>
+        </p:nvSpPr>
+        <p:spPr/>
+        <p:txBody>
+          <a:bodyPr/>
+          <a:lstStyle/>
+          <a:p>
+            <a:r>
+              <a:rPr lang="en-US" dirty="0" smtClean="0">
+                <a:latin typeface="+mn-lt"/>
+              </a:rPr>
+              <a:t>About the presenter</a:t>
+            </a:r>
+            <a:endParaRPr lang="en-US" dirty="0">
+              <a:latin typeface="+mn-lt"/>
+            </a:endParaRPr>
+          </a:p>
+        </p:txBody>
+      </p:sp>
+    </p:spTree>
+    <p:extLst>
+      <p:ext uri="{BB962C8B-B14F-4D97-AF65-F5344CB8AC3E}">
+        <p14:creationId xmlns:p14="http://schemas.microsoft.com/office/powerpoint/2010/main" val="1131898473"/>
+      </p:ext>
+    </p:extLst>
+  </p:cSld>
+  <p:clrMapOvr>
+    <a:masterClrMapping/>
+  </p:clrMapOvr>
+</p:sld>
+</file>
+
+<file path=ppt/slides/slide20.xml><?xml version="1.0" encoding="utf-8"?>
+<p:sld xmlns:a="http://schemas.openxmlformats.org/drawingml/2006/main" xmlns:r="http://schemas.openxmlformats.org/officeDocument/2006/relationships" xmlns:p="http://schemas.openxmlformats.org/presentationml/2006/main">
+  <p:cSld>
+    <p:spTree>
+      <p:nvGrpSpPr>
+        <p:cNvPr id="1" name=""/>
+        <p:cNvGrpSpPr/>
+        <p:nvPr/>
+      </p:nvGrpSpPr>
+      <p:grpSpPr>
+        <a:xfrm>
+          <a:off x="0" y="0"/>
+          <a:ext cx="0" cy="0"/>
+          <a:chOff x="0" y="0"/>
+          <a:chExt cx="0" cy="0"/>
+        </a:xfrm>
+      </p:grpSpPr>
+      <p:sp>
+        <p:nvSpPr>
+          <p:cNvPr id="2" name="Title 1"/>
+          <p:cNvSpPr>
+            <a:spLocks noGrp="1"/>
+          </p:cNvSpPr>
+          <p:nvPr>
+            <p:ph type="title"/>
+          </p:nvPr>
+        </p:nvSpPr>
+        <p:spPr>
+          <a:xfrm>
+            <a:off x="4800600" y="1943100"/>
+            <a:ext cx="3886200" cy="857250"/>
+          </a:xfrm>
+        </p:spPr>
+        <p:txBody>
+          <a:bodyPr>
+            <a:normAutofit fontScale="90000"/>
+          </a:bodyPr>
+          <a:lstStyle/>
+          <a:p>
+            <a:r>
+              <a:rPr lang="en-US" dirty="0" smtClean="0"/>
+              <a:t>Swiping</a:t>
+            </a:r>
+            <a:br>
+              <a:rPr lang="en-US" dirty="0" smtClean="0"/>
+            </a:br>
+            <a:r>
+              <a:rPr lang="en-US" dirty="0" smtClean="0"/>
+              <a:t>(NITE)</a:t>
+            </a:r>
+            <a:endParaRPr lang="en-US" dirty="0"/>
+          </a:p>
+        </p:txBody>
+      </p:sp>
+      <p:pic>
+        <p:nvPicPr>
+          <p:cNvPr id="5" name="Picture 4"/>
+          <p:cNvPicPr>
+            <a:picLocks noChangeAspect="1"/>
+          </p:cNvPicPr>
+          <p:nvPr/>
+        </p:nvPicPr>
+        <p:blipFill>
+          <a:blip r:embed="rId2">
+            <a:extLst>
+              <a:ext uri="{28A0092B-C50C-407E-A947-70E740481C1C}">
+                <a14:useLocalDpi xmlns:a14="http://schemas.microsoft.com/office/drawing/2010/main" val="0"/>
+              </a:ext>
+            </a:extLst>
+          </a:blip>
+          <a:stretch>
+            <a:fillRect/>
+          </a:stretch>
+        </p:blipFill>
+        <p:spPr>
+          <a:xfrm>
+            <a:off x="-1" y="0"/>
+            <a:ext cx="4498041" cy="5143500"/>
+          </a:xfrm>
+          <a:prstGeom prst="rect">
+            <a:avLst/>
+          </a:prstGeom>
+        </p:spPr>
+      </p:pic>
+    </p:spTree>
+    <p:extLst>
+      <p:ext uri="{BB962C8B-B14F-4D97-AF65-F5344CB8AC3E}">
+        <p14:creationId xmlns:p14="http://schemas.microsoft.com/office/powerpoint/2010/main" val="3445804590"/>
       </p:ext>
     </p:extLst>
   </p:cSld>
@@ -4996,9 +4946,39 @@
           <a:chExt cx="0" cy="0"/>
         </a:xfrm>
       </p:grpSpPr>
-      <p:sp>
-        <p:nvSpPr>
-          <p:cNvPr id="2" name="Title 1"/>
+      <p:pic>
+        <p:nvPicPr>
+          <p:cNvPr id="3" name="Picture 2"/>
+          <p:cNvPicPr>
+            <a:picLocks noChangeAspect="1"/>
+          </p:cNvPicPr>
+          <p:nvPr/>
+        </p:nvPicPr>
+        <p:blipFill>
+          <a:blip r:embed="rId2">
+            <a:extLst>
+              <a:ext uri="{28A0092B-C50C-407E-A947-70E740481C1C}">
+                <a14:useLocalDpi xmlns:a14="http://schemas.microsoft.com/office/drawing/2010/main" val="0"/>
+              </a:ext>
+            </a:extLst>
+          </a:blip>
+          <a:stretch>
+            <a:fillRect/>
+          </a:stretch>
+        </p:blipFill>
+        <p:spPr>
+          <a:xfrm>
+            <a:off x="6216805" y="0"/>
+            <a:ext cx="2927195" cy="5143500"/>
+          </a:xfrm>
+          <a:prstGeom prst="rect">
+            <a:avLst/>
+          </a:prstGeom>
+        </p:spPr>
+      </p:pic>
+      <p:sp>
+        <p:nvSpPr>
+          <p:cNvPr id="4" name="Title 1"/>
           <p:cNvSpPr>
             <a:spLocks noGrp="1"/>
           </p:cNvSpPr>
@@ -5006,25 +4986,58 @@
             <p:ph type="title"/>
           </p:nvPr>
         </p:nvSpPr>
-        <p:spPr/>
-        <p:txBody>
-          <a:bodyPr/>
-          <a:lstStyle/>
-          <a:p>
-            <a:endParaRPr lang="en-US"/>
+        <p:spPr>
+          <a:xfrm>
+            <a:off x="1143000" y="2143125"/>
+            <a:ext cx="3886200" cy="857250"/>
+          </a:xfrm>
+        </p:spPr>
+        <p:txBody>
+          <a:bodyPr>
+            <a:normAutofit fontScale="90000"/>
+          </a:bodyPr>
+          <a:lstStyle/>
+          <a:p>
+            <a:r>
+              <a:rPr lang="en-US" dirty="0" smtClean="0"/>
+              <a:t>User Skeletons</a:t>
+            </a:r>
+            <a:br>
+              <a:rPr lang="en-US" dirty="0" smtClean="0"/>
+            </a:br>
+            <a:r>
+              <a:rPr lang="en-US" dirty="0" smtClean="0"/>
+              <a:t>(</a:t>
+            </a:r>
+            <a:r>
+              <a:rPr lang="en-US" dirty="0" err="1" smtClean="0"/>
+              <a:t>OpenNI</a:t>
+            </a:r>
+            <a:r>
+              <a:rPr lang="en-US" dirty="0" smtClean="0"/>
+              <a:t>)</a:t>
+            </a:r>
+            <a:endParaRPr lang="en-US" dirty="0"/>
           </a:p>
         </p:txBody>
       </p:sp>
     </p:spTree>
     <p:extLst>
       <p:ext uri="{BB962C8B-B14F-4D97-AF65-F5344CB8AC3E}">
-        <p14:creationId xmlns:p14="http://schemas.microsoft.com/office/powerpoint/2010/main" val="2802289633"/>
+        <p14:creationId xmlns:p14="http://schemas.microsoft.com/office/powerpoint/2010/main" val="3307906043"/>
       </p:ext>
     </p:extLst>
   </p:cSld>
   <p:clrMapOvr>
     <a:masterClrMapping/>
   </p:clrMapOvr>
+  <p:timing>
+    <p:tnLst>
+      <p:par>
+        <p:cTn id="1" dur="indefinite" restart="never" nodeType="tmRoot"/>
+      </p:par>
+    </p:tnLst>
+  </p:timing>
 </p:sld>
 </file>
 
@@ -5057,6 +5070,55 @@
         </p:nvSpPr>
         <p:spPr/>
         <p:txBody>
+          <a:bodyPr/>
+          <a:lstStyle/>
+          <a:p>
+            <a:endParaRPr lang="en-US"/>
+          </a:p>
+        </p:txBody>
+      </p:sp>
+    </p:spTree>
+    <p:extLst>
+      <p:ext uri="{BB962C8B-B14F-4D97-AF65-F5344CB8AC3E}">
+        <p14:creationId xmlns:p14="http://schemas.microsoft.com/office/powerpoint/2010/main" val="2802289633"/>
+      </p:ext>
+    </p:extLst>
+  </p:cSld>
+  <p:clrMapOvr>
+    <a:masterClrMapping/>
+  </p:clrMapOvr>
+</p:sld>
+</file>
+
+<file path=ppt/slides/slide23.xml><?xml version="1.0" encoding="utf-8"?>
+<p:sld xmlns:a="http://schemas.openxmlformats.org/drawingml/2006/main" xmlns:r="http://schemas.openxmlformats.org/officeDocument/2006/relationships" xmlns:p="http://schemas.openxmlformats.org/presentationml/2006/main">
+  <p:cSld>
+    <p:spTree>
+      <p:nvGrpSpPr>
+        <p:cNvPr id="1" name=""/>
+        <p:cNvGrpSpPr/>
+        <p:nvPr/>
+      </p:nvGrpSpPr>
+      <p:grpSpPr>
+        <a:xfrm>
+          <a:off x="0" y="0"/>
+          <a:ext cx="0" cy="0"/>
+          <a:chOff x="0" y="0"/>
+          <a:chExt cx="0" cy="0"/>
+        </a:xfrm>
+      </p:grpSpPr>
+      <p:sp>
+        <p:nvSpPr>
+          <p:cNvPr id="2" name="Title 1"/>
+          <p:cNvSpPr>
+            <a:spLocks noGrp="1"/>
+          </p:cNvSpPr>
+          <p:nvPr>
+            <p:ph type="title"/>
+          </p:nvPr>
+        </p:nvSpPr>
+        <p:spPr/>
+        <p:txBody>
           <a:bodyPr>
             <a:normAutofit fontScale="90000"/>
           </a:bodyPr>
@@ -5097,7 +5159,7 @@
 </p:sld>
 </file>
 
-<file path=ppt/slides/slide23.xml><?xml version="1.0" encoding="utf-8"?>
+<file path=ppt/slides/slide24.xml><?xml version="1.0" encoding="utf-8"?>
 <p:sld xmlns:a="http://schemas.openxmlformats.org/drawingml/2006/main" xmlns:r="http://schemas.openxmlformats.org/officeDocument/2006/relationships" xmlns:p="http://schemas.openxmlformats.org/presentationml/2006/main">
   <p:cSld>
     <p:spTree>
@@ -5192,7 +5254,7 @@
 </p:sld>
 </file>
 
-<file path=ppt/slides/slide24.xml><?xml version="1.0" encoding="utf-8"?>
+<file path=ppt/slides/slide25.xml><?xml version="1.0" encoding="utf-8"?>
 <p:sld xmlns:a="http://schemas.openxmlformats.org/drawingml/2006/main" xmlns:r="http://schemas.openxmlformats.org/officeDocument/2006/relationships" xmlns:p="http://schemas.openxmlformats.org/presentationml/2006/main">
   <p:cSld>
     <p:bg>
@@ -5354,7 +5416,7 @@
 </p:sld>
 </file>
 
-<file path=ppt/slides/slide25.xml><?xml version="1.0" encoding="utf-8"?>
+<file path=ppt/slides/slide26.xml><?xml version="1.0" encoding="utf-8"?>
 <p:sld xmlns:a="http://schemas.openxmlformats.org/drawingml/2006/main" xmlns:r="http://schemas.openxmlformats.org/officeDocument/2006/relationships" xmlns:p="http://schemas.openxmlformats.org/presentationml/2006/main">
   <p:cSld>
     <p:spTree>
@@ -5444,7 +5506,7 @@
 </p:sld>
 </file>
 
-<file path=ppt/slides/slide26.xml><?xml version="1.0" encoding="utf-8"?>
+<file path=ppt/slides/slide27.xml><?xml version="1.0" encoding="utf-8"?>
 <p:sld xmlns:a="http://schemas.openxmlformats.org/drawingml/2006/main" xmlns:r="http://schemas.openxmlformats.org/officeDocument/2006/relationships" xmlns:p="http://schemas.openxmlformats.org/presentationml/2006/main">
   <p:cSld>
     <p:spTree>

--- a/slides/KinectDev.pptx
+++ b/slides/KinectDev.pptx
@@ -19,19 +19,20 @@
     <p:sldId id="282" r:id="rId13"/>
     <p:sldId id="267" r:id="rId14"/>
     <p:sldId id="283" r:id="rId15"/>
-    <p:sldId id="268" r:id="rId16"/>
-    <p:sldId id="277" r:id="rId17"/>
-    <p:sldId id="272" r:id="rId18"/>
-    <p:sldId id="270" r:id="rId19"/>
-    <p:sldId id="275" r:id="rId20"/>
-    <p:sldId id="269" r:id="rId21"/>
-    <p:sldId id="280" r:id="rId22"/>
-    <p:sldId id="281" r:id="rId23"/>
-    <p:sldId id="271" r:id="rId24"/>
-    <p:sldId id="276" r:id="rId25"/>
-    <p:sldId id="273" r:id="rId26"/>
-    <p:sldId id="278" r:id="rId27"/>
-    <p:sldId id="265" r:id="rId28"/>
+    <p:sldId id="284" r:id="rId16"/>
+    <p:sldId id="268" r:id="rId17"/>
+    <p:sldId id="277" r:id="rId18"/>
+    <p:sldId id="272" r:id="rId19"/>
+    <p:sldId id="270" r:id="rId20"/>
+    <p:sldId id="275" r:id="rId21"/>
+    <p:sldId id="269" r:id="rId22"/>
+    <p:sldId id="280" r:id="rId23"/>
+    <p:sldId id="281" r:id="rId24"/>
+    <p:sldId id="271" r:id="rId25"/>
+    <p:sldId id="276" r:id="rId26"/>
+    <p:sldId id="273" r:id="rId27"/>
+    <p:sldId id="278" r:id="rId28"/>
+    <p:sldId id="265" r:id="rId29"/>
   </p:sldIdLst>
   <p:sldSz cx="9144000" cy="5143500" type="screen16x9"/>
   <p:notesSz cx="6858000" cy="9144000"/>
@@ -4240,6 +4241,61 @@
             <p:ph type="title"/>
           </p:nvPr>
         </p:nvSpPr>
+        <p:spPr/>
+        <p:txBody>
+          <a:bodyPr>
+            <a:normAutofit fontScale="90000"/>
+          </a:bodyPr>
+          <a:lstStyle/>
+          <a:p>
+            <a:r>
+              <a:rPr lang="en-US" dirty="0" smtClean="0"/>
+              <a:t>Depth, Image, and Hand Generators</a:t>
+            </a:r>
+            <a:endParaRPr lang="en-US" dirty="0"/>
+          </a:p>
+        </p:txBody>
+      </p:sp>
+    </p:spTree>
+    <p:extLst>
+      <p:ext uri="{BB962C8B-B14F-4D97-AF65-F5344CB8AC3E}">
+        <p14:creationId xmlns:p14="http://schemas.microsoft.com/office/powerpoint/2010/main" val="1798223604"/>
+      </p:ext>
+    </p:extLst>
+  </p:cSld>
+  <p:clrMapOvr>
+    <a:masterClrMapping/>
+  </p:clrMapOvr>
+</p:sld>
+</file>
+
+<file path=ppt/slides/slide16.xml><?xml version="1.0" encoding="utf-8"?>
+<p:sld xmlns:a="http://schemas.openxmlformats.org/drawingml/2006/main" xmlns:r="http://schemas.openxmlformats.org/officeDocument/2006/relationships" xmlns:p="http://schemas.openxmlformats.org/presentationml/2006/main">
+  <p:cSld>
+    <p:spTree>
+      <p:nvGrpSpPr>
+        <p:cNvPr id="1" name=""/>
+        <p:cNvGrpSpPr/>
+        <p:nvPr/>
+      </p:nvGrpSpPr>
+      <p:grpSpPr>
+        <a:xfrm>
+          <a:off x="0" y="0"/>
+          <a:ext cx="0" cy="0"/>
+          <a:chOff x="0" y="0"/>
+          <a:chExt cx="0" cy="0"/>
+        </a:xfrm>
+      </p:grpSpPr>
+      <p:sp>
+        <p:nvSpPr>
+          <p:cNvPr id="2" name="Title 1"/>
+          <p:cNvSpPr>
+            <a:spLocks noGrp="1"/>
+          </p:cNvSpPr>
+          <p:nvPr>
+            <p:ph type="title"/>
+          </p:nvPr>
+        </p:nvSpPr>
         <p:spPr>
           <a:xfrm>
             <a:off x="4038600" y="1809750"/>
@@ -4317,7 +4373,7 @@
 </p:sld>
 </file>
 
-<file path=ppt/slides/slide16.xml><?xml version="1.0" encoding="utf-8"?>
+<file path=ppt/slides/slide17.xml><?xml version="1.0" encoding="utf-8"?>
 <p:sld xmlns:a="http://schemas.openxmlformats.org/drawingml/2006/main" xmlns:r="http://schemas.openxmlformats.org/officeDocument/2006/relationships" xmlns:p="http://schemas.openxmlformats.org/presentationml/2006/main">
   <p:cSld>
     <p:spTree>
@@ -4414,7 +4470,7 @@
 </p:sld>
 </file>
 
-<file path=ppt/slides/slide17.xml><?xml version="1.0" encoding="utf-8"?>
+<file path=ppt/slides/slide18.xml><?xml version="1.0" encoding="utf-8"?>
 <p:sld xmlns:a="http://schemas.openxmlformats.org/drawingml/2006/main" xmlns:r="http://schemas.openxmlformats.org/officeDocument/2006/relationships" xmlns:p="http://schemas.openxmlformats.org/presentationml/2006/main">
   <p:cSld>
     <p:spTree>
@@ -4530,117 +4586,6 @@
     <p:extLst>
       <p:ext uri="{BB962C8B-B14F-4D97-AF65-F5344CB8AC3E}">
         <p14:creationId xmlns:p14="http://schemas.microsoft.com/office/powerpoint/2010/main" val="2889536298"/>
-      </p:ext>
-    </p:extLst>
-  </p:cSld>
-  <p:clrMapOvr>
-    <a:masterClrMapping/>
-  </p:clrMapOvr>
-  <p:timing>
-    <p:tnLst>
-      <p:par>
-        <p:cTn id="1" dur="indefinite" restart="never" nodeType="tmRoot"/>
-      </p:par>
-    </p:tnLst>
-  </p:timing>
-</p:sld>
-</file>
-
-<file path=ppt/slides/slide18.xml><?xml version="1.0" encoding="utf-8"?>
-<p:sld xmlns:a="http://schemas.openxmlformats.org/drawingml/2006/main" xmlns:r="http://schemas.openxmlformats.org/officeDocument/2006/relationships" xmlns:p="http://schemas.openxmlformats.org/presentationml/2006/main">
-  <p:cSld>
-    <p:spTree>
-      <p:nvGrpSpPr>
-        <p:cNvPr id="1" name=""/>
-        <p:cNvGrpSpPr/>
-        <p:nvPr/>
-      </p:nvGrpSpPr>
-      <p:grpSpPr>
-        <a:xfrm>
-          <a:off x="0" y="0"/>
-          <a:ext cx="0" cy="0"/>
-          <a:chOff x="0" y="0"/>
-          <a:chExt cx="0" cy="0"/>
-        </a:xfrm>
-      </p:grpSpPr>
-      <p:pic>
-        <p:nvPicPr>
-          <p:cNvPr id="3" name="Picture 2"/>
-          <p:cNvPicPr>
-            <a:picLocks noChangeAspect="1"/>
-          </p:cNvPicPr>
-          <p:nvPr/>
-        </p:nvPicPr>
-        <p:blipFill>
-          <a:blip r:embed="rId2">
-            <a:extLst>
-              <a:ext uri="{28A0092B-C50C-407E-A947-70E740481C1C}">
-                <a14:useLocalDpi xmlns:a14="http://schemas.microsoft.com/office/drawing/2010/main" val="0"/>
-              </a:ext>
-            </a:extLst>
-          </a:blip>
-          <a:stretch>
-            <a:fillRect/>
-          </a:stretch>
-        </p:blipFill>
-        <p:spPr>
-          <a:xfrm>
-            <a:off x="0" y="0"/>
-            <a:ext cx="6858000" cy="5143500"/>
-          </a:xfrm>
-          <a:prstGeom prst="rect">
-            <a:avLst/>
-          </a:prstGeom>
-        </p:spPr>
-      </p:pic>
-      <p:sp>
-        <p:nvSpPr>
-          <p:cNvPr id="4" name="Title 3"/>
-          <p:cNvSpPr>
-            <a:spLocks noGrp="1"/>
-          </p:cNvSpPr>
-          <p:nvPr>
-            <p:ph type="title"/>
-          </p:nvPr>
-        </p:nvSpPr>
-        <p:spPr>
-          <a:xfrm>
-            <a:off x="7086600" y="1352550"/>
-            <a:ext cx="1828800" cy="1752600"/>
-          </a:xfrm>
-        </p:spPr>
-        <p:txBody>
-          <a:bodyPr>
-            <a:normAutofit fontScale="90000"/>
-          </a:bodyPr>
-          <a:lstStyle/>
-          <a:p>
-            <a:r>
-              <a:rPr lang="en-US" dirty="0" smtClean="0"/>
-              <a:t>Cursor control</a:t>
-            </a:r>
-            <a:br>
-              <a:rPr lang="en-US" dirty="0" smtClean="0"/>
-            </a:br>
-            <a:r>
-              <a:rPr lang="en-US" dirty="0" smtClean="0"/>
-              <a:t>with</a:t>
-            </a:r>
-            <a:br>
-              <a:rPr lang="en-US" dirty="0" smtClean="0"/>
-            </a:br>
-            <a:r>
-              <a:rPr lang="en-US" dirty="0" smtClean="0"/>
-              <a:t>NITE</a:t>
-            </a:r>
-            <a:endParaRPr lang="en-US" dirty="0"/>
-          </a:p>
-        </p:txBody>
-      </p:sp>
-    </p:spTree>
-    <p:extLst>
-      <p:ext uri="{BB962C8B-B14F-4D97-AF65-F5344CB8AC3E}">
-        <p14:creationId xmlns:p14="http://schemas.microsoft.com/office/powerpoint/2010/main" val="2908293680"/>
       </p:ext>
     </p:extLst>
   </p:cSld>
@@ -4696,8 +4641,8 @@
         </p:blipFill>
         <p:spPr>
           <a:xfrm>
-            <a:off x="-1752600" y="-57150"/>
-            <a:ext cx="6959600" cy="5219700"/>
+            <a:off x="0" y="0"/>
+            <a:ext cx="6858000" cy="5143500"/>
           </a:xfrm>
           <a:prstGeom prst="rect">
             <a:avLst/>
@@ -4706,7 +4651,7 @@
       </p:pic>
       <p:sp>
         <p:nvSpPr>
-          <p:cNvPr id="4" name="Title 1"/>
+          <p:cNvPr id="4" name="Title 3"/>
           <p:cNvSpPr>
             <a:spLocks noGrp="1"/>
           </p:cNvSpPr>
@@ -4716,8 +4661,8 @@
         </p:nvSpPr>
         <p:spPr>
           <a:xfrm>
-            <a:off x="5486400" y="1562100"/>
-            <a:ext cx="3429000" cy="1619250"/>
+            <a:off x="7086600" y="1352550"/>
+            <a:ext cx="1828800" cy="1752600"/>
           </a:xfrm>
         </p:spPr>
         <p:txBody>
@@ -4728,21 +4673,21 @@
           <a:p>
             <a:r>
               <a:rPr lang="en-US" dirty="0" smtClean="0"/>
-              <a:t>Cursor</a:t>
+              <a:t>Cursor control</a:t>
             </a:r>
             <a:br>
               <a:rPr lang="en-US" dirty="0" smtClean="0"/>
             </a:br>
             <a:r>
               <a:rPr lang="en-US" dirty="0" smtClean="0"/>
-              <a:t>Smoothing</a:t>
+              <a:t>with</a:t>
             </a:r>
             <a:br>
               <a:rPr lang="en-US" dirty="0" smtClean="0"/>
             </a:br>
             <a:r>
               <a:rPr lang="en-US" dirty="0" smtClean="0"/>
-              <a:t>(and scaling)</a:t>
+              <a:t>NITE</a:t>
             </a:r>
             <a:endParaRPr lang="en-US" dirty="0"/>
           </a:p>
@@ -4751,7 +4696,7 @@
     </p:spTree>
     <p:extLst>
       <p:ext uri="{BB962C8B-B14F-4D97-AF65-F5344CB8AC3E}">
-        <p14:creationId xmlns:p14="http://schemas.microsoft.com/office/powerpoint/2010/main" val="567761821"/>
+        <p14:creationId xmlns:p14="http://schemas.microsoft.com/office/powerpoint/2010/main" val="2908293680"/>
       </p:ext>
     </p:extLst>
   </p:cSld>
@@ -4826,110 +4771,6 @@
 </file>
 
 <file path=ppt/slides/slide20.xml><?xml version="1.0" encoding="utf-8"?>
-<p:sld xmlns:a="http://schemas.openxmlformats.org/drawingml/2006/main" xmlns:r="http://schemas.openxmlformats.org/officeDocument/2006/relationships" xmlns:p="http://schemas.openxmlformats.org/presentationml/2006/main">
-  <p:cSld>
-    <p:spTree>
-      <p:nvGrpSpPr>
-        <p:cNvPr id="1" name=""/>
-        <p:cNvGrpSpPr/>
-        <p:nvPr/>
-      </p:nvGrpSpPr>
-      <p:grpSpPr>
-        <a:xfrm>
-          <a:off x="0" y="0"/>
-          <a:ext cx="0" cy="0"/>
-          <a:chOff x="0" y="0"/>
-          <a:chExt cx="0" cy="0"/>
-        </a:xfrm>
-      </p:grpSpPr>
-      <p:sp>
-        <p:nvSpPr>
-          <p:cNvPr id="2" name="Title 1"/>
-          <p:cNvSpPr>
-            <a:spLocks noGrp="1"/>
-          </p:cNvSpPr>
-          <p:nvPr>
-            <p:ph type="title"/>
-          </p:nvPr>
-        </p:nvSpPr>
-        <p:spPr>
-          <a:xfrm>
-            <a:off x="4800600" y="1943100"/>
-            <a:ext cx="3886200" cy="857250"/>
-          </a:xfrm>
-        </p:spPr>
-        <p:txBody>
-          <a:bodyPr>
-            <a:normAutofit fontScale="90000"/>
-          </a:bodyPr>
-          <a:lstStyle/>
-          <a:p>
-            <a:r>
-              <a:rPr lang="en-US" dirty="0" smtClean="0"/>
-              <a:t>Swiping</a:t>
-            </a:r>
-            <a:br>
-              <a:rPr lang="en-US" dirty="0" smtClean="0"/>
-            </a:br>
-            <a:r>
-              <a:rPr lang="en-US" dirty="0" smtClean="0"/>
-              <a:t>(NITE)</a:t>
-            </a:r>
-            <a:endParaRPr lang="en-US" dirty="0"/>
-          </a:p>
-        </p:txBody>
-      </p:sp>
-      <p:pic>
-        <p:nvPicPr>
-          <p:cNvPr id="5" name="Picture 4"/>
-          <p:cNvPicPr>
-            <a:picLocks noChangeAspect="1"/>
-          </p:cNvPicPr>
-          <p:nvPr/>
-        </p:nvPicPr>
-        <p:blipFill>
-          <a:blip r:embed="rId2">
-            <a:extLst>
-              <a:ext uri="{28A0092B-C50C-407E-A947-70E740481C1C}">
-                <a14:useLocalDpi xmlns:a14="http://schemas.microsoft.com/office/drawing/2010/main" val="0"/>
-              </a:ext>
-            </a:extLst>
-          </a:blip>
-          <a:stretch>
-            <a:fillRect/>
-          </a:stretch>
-        </p:blipFill>
-        <p:spPr>
-          <a:xfrm>
-            <a:off x="-1" y="0"/>
-            <a:ext cx="4498041" cy="5143500"/>
-          </a:xfrm>
-          <a:prstGeom prst="rect">
-            <a:avLst/>
-          </a:prstGeom>
-        </p:spPr>
-      </p:pic>
-    </p:spTree>
-    <p:extLst>
-      <p:ext uri="{BB962C8B-B14F-4D97-AF65-F5344CB8AC3E}">
-        <p14:creationId xmlns:p14="http://schemas.microsoft.com/office/powerpoint/2010/main" val="3445804590"/>
-      </p:ext>
-    </p:extLst>
-  </p:cSld>
-  <p:clrMapOvr>
-    <a:masterClrMapping/>
-  </p:clrMapOvr>
-  <p:timing>
-    <p:tnLst>
-      <p:par>
-        <p:cTn id="1" dur="indefinite" restart="never" nodeType="tmRoot"/>
-      </p:par>
-    </p:tnLst>
-  </p:timing>
-</p:sld>
-</file>
-
-<file path=ppt/slides/slide21.xml><?xml version="1.0" encoding="utf-8"?>
 <p:sld xmlns:a="http://schemas.openxmlformats.org/drawingml/2006/main" xmlns:r="http://schemas.openxmlformats.org/officeDocument/2006/relationships" xmlns:p="http://schemas.openxmlformats.org/presentationml/2006/main">
   <p:cSld>
     <p:spTree>
@@ -4968,8 +4809,8 @@
         </p:blipFill>
         <p:spPr>
           <a:xfrm>
-            <a:off x="6216805" y="0"/>
-            <a:ext cx="2927195" cy="5143500"/>
+            <a:off x="-1752600" y="-57150"/>
+            <a:ext cx="6959600" cy="5219700"/>
           </a:xfrm>
           <a:prstGeom prst="rect">
             <a:avLst/>
@@ -4988,8 +4829,8 @@
         </p:nvSpPr>
         <p:spPr>
           <a:xfrm>
-            <a:off x="1143000" y="2143125"/>
-            <a:ext cx="3886200" cy="857250"/>
+            <a:off x="5486400" y="1562100"/>
+            <a:ext cx="3429000" cy="1619250"/>
           </a:xfrm>
         </p:spPr>
         <p:txBody>
@@ -5000,22 +4841,21 @@
           <a:p>
             <a:r>
               <a:rPr lang="en-US" dirty="0" smtClean="0"/>
-              <a:t>User Skeletons</a:t>
+              <a:t>Cursor</a:t>
             </a:r>
             <a:br>
               <a:rPr lang="en-US" dirty="0" smtClean="0"/>
             </a:br>
             <a:r>
               <a:rPr lang="en-US" dirty="0" smtClean="0"/>
-              <a:t>(</a:t>
-            </a:r>
-            <a:r>
-              <a:rPr lang="en-US" dirty="0" err="1" smtClean="0"/>
-              <a:t>OpenNI</a:t>
-            </a:r>
-            <a:r>
+              <a:t>Smoothing</a:t>
+            </a:r>
+            <a:br>
               <a:rPr lang="en-US" dirty="0" smtClean="0"/>
-              <a:t>)</a:t>
+            </a:br>
+            <a:r>
+              <a:rPr lang="en-US" dirty="0" smtClean="0"/>
+              <a:t>(and scaling)</a:t>
             </a:r>
             <a:endParaRPr lang="en-US" dirty="0"/>
           </a:p>
@@ -5024,7 +4864,111 @@
     </p:spTree>
     <p:extLst>
       <p:ext uri="{BB962C8B-B14F-4D97-AF65-F5344CB8AC3E}">
-        <p14:creationId xmlns:p14="http://schemas.microsoft.com/office/powerpoint/2010/main" val="3307906043"/>
+        <p14:creationId xmlns:p14="http://schemas.microsoft.com/office/powerpoint/2010/main" val="567761821"/>
+      </p:ext>
+    </p:extLst>
+  </p:cSld>
+  <p:clrMapOvr>
+    <a:masterClrMapping/>
+  </p:clrMapOvr>
+  <p:timing>
+    <p:tnLst>
+      <p:par>
+        <p:cTn id="1" dur="indefinite" restart="never" nodeType="tmRoot"/>
+      </p:par>
+    </p:tnLst>
+  </p:timing>
+</p:sld>
+</file>
+
+<file path=ppt/slides/slide21.xml><?xml version="1.0" encoding="utf-8"?>
+<p:sld xmlns:a="http://schemas.openxmlformats.org/drawingml/2006/main" xmlns:r="http://schemas.openxmlformats.org/officeDocument/2006/relationships" xmlns:p="http://schemas.openxmlformats.org/presentationml/2006/main">
+  <p:cSld>
+    <p:spTree>
+      <p:nvGrpSpPr>
+        <p:cNvPr id="1" name=""/>
+        <p:cNvGrpSpPr/>
+        <p:nvPr/>
+      </p:nvGrpSpPr>
+      <p:grpSpPr>
+        <a:xfrm>
+          <a:off x="0" y="0"/>
+          <a:ext cx="0" cy="0"/>
+          <a:chOff x="0" y="0"/>
+          <a:chExt cx="0" cy="0"/>
+        </a:xfrm>
+      </p:grpSpPr>
+      <p:sp>
+        <p:nvSpPr>
+          <p:cNvPr id="2" name="Title 1"/>
+          <p:cNvSpPr>
+            <a:spLocks noGrp="1"/>
+          </p:cNvSpPr>
+          <p:nvPr>
+            <p:ph type="title"/>
+          </p:nvPr>
+        </p:nvSpPr>
+        <p:spPr>
+          <a:xfrm>
+            <a:off x="4800600" y="1943100"/>
+            <a:ext cx="3886200" cy="857250"/>
+          </a:xfrm>
+        </p:spPr>
+        <p:txBody>
+          <a:bodyPr>
+            <a:normAutofit fontScale="90000"/>
+          </a:bodyPr>
+          <a:lstStyle/>
+          <a:p>
+            <a:r>
+              <a:rPr lang="en-US" dirty="0" smtClean="0"/>
+              <a:t>Swiping</a:t>
+            </a:r>
+            <a:br>
+              <a:rPr lang="en-US" dirty="0" smtClean="0"/>
+            </a:br>
+            <a:r>
+              <a:rPr lang="en-US" dirty="0" smtClean="0"/>
+              <a:t>(NITE)</a:t>
+            </a:r>
+            <a:endParaRPr lang="en-US" dirty="0"/>
+          </a:p>
+        </p:txBody>
+      </p:sp>
+      <p:pic>
+        <p:nvPicPr>
+          <p:cNvPr id="5" name="Picture 4"/>
+          <p:cNvPicPr>
+            <a:picLocks noChangeAspect="1"/>
+          </p:cNvPicPr>
+          <p:nvPr/>
+        </p:nvPicPr>
+        <p:blipFill>
+          <a:blip r:embed="rId2">
+            <a:extLst>
+              <a:ext uri="{28A0092B-C50C-407E-A947-70E740481C1C}">
+                <a14:useLocalDpi xmlns:a14="http://schemas.microsoft.com/office/drawing/2010/main" val="0"/>
+              </a:ext>
+            </a:extLst>
+          </a:blip>
+          <a:stretch>
+            <a:fillRect/>
+          </a:stretch>
+        </p:blipFill>
+        <p:spPr>
+          <a:xfrm>
+            <a:off x="-1" y="0"/>
+            <a:ext cx="4498041" cy="5143500"/>
+          </a:xfrm>
+          <a:prstGeom prst="rect">
+            <a:avLst/>
+          </a:prstGeom>
+        </p:spPr>
+      </p:pic>
+    </p:spTree>
+    <p:extLst>
+      <p:ext uri="{BB962C8B-B14F-4D97-AF65-F5344CB8AC3E}">
+        <p14:creationId xmlns:p14="http://schemas.microsoft.com/office/powerpoint/2010/main" val="3445804590"/>
       </p:ext>
     </p:extLst>
   </p:cSld>
@@ -5058,9 +5002,39 @@
           <a:chExt cx="0" cy="0"/>
         </a:xfrm>
       </p:grpSpPr>
-      <p:sp>
-        <p:nvSpPr>
-          <p:cNvPr id="2" name="Title 1"/>
+      <p:pic>
+        <p:nvPicPr>
+          <p:cNvPr id="3" name="Picture 2"/>
+          <p:cNvPicPr>
+            <a:picLocks noChangeAspect="1"/>
+          </p:cNvPicPr>
+          <p:nvPr/>
+        </p:nvPicPr>
+        <p:blipFill>
+          <a:blip r:embed="rId2">
+            <a:extLst>
+              <a:ext uri="{28A0092B-C50C-407E-A947-70E740481C1C}">
+                <a14:useLocalDpi xmlns:a14="http://schemas.microsoft.com/office/drawing/2010/main" val="0"/>
+              </a:ext>
+            </a:extLst>
+          </a:blip>
+          <a:stretch>
+            <a:fillRect/>
+          </a:stretch>
+        </p:blipFill>
+        <p:spPr>
+          <a:xfrm>
+            <a:off x="6216805" y="0"/>
+            <a:ext cx="2927195" cy="5143500"/>
+          </a:xfrm>
+          <a:prstGeom prst="rect">
+            <a:avLst/>
+          </a:prstGeom>
+        </p:spPr>
+      </p:pic>
+      <p:sp>
+        <p:nvSpPr>
+          <p:cNvPr id="4" name="Title 1"/>
           <p:cNvSpPr>
             <a:spLocks noGrp="1"/>
           </p:cNvSpPr>
@@ -5068,25 +5042,58 @@
             <p:ph type="title"/>
           </p:nvPr>
         </p:nvSpPr>
-        <p:spPr/>
-        <p:txBody>
-          <a:bodyPr/>
-          <a:lstStyle/>
-          <a:p>
-            <a:endParaRPr lang="en-US"/>
+        <p:spPr>
+          <a:xfrm>
+            <a:off x="1143000" y="2143125"/>
+            <a:ext cx="3886200" cy="857250"/>
+          </a:xfrm>
+        </p:spPr>
+        <p:txBody>
+          <a:bodyPr>
+            <a:normAutofit fontScale="90000"/>
+          </a:bodyPr>
+          <a:lstStyle/>
+          <a:p>
+            <a:r>
+              <a:rPr lang="en-US" dirty="0" smtClean="0"/>
+              <a:t>User Skeletons</a:t>
+            </a:r>
+            <a:br>
+              <a:rPr lang="en-US" dirty="0" smtClean="0"/>
+            </a:br>
+            <a:r>
+              <a:rPr lang="en-US" dirty="0" smtClean="0"/>
+              <a:t>(</a:t>
+            </a:r>
+            <a:r>
+              <a:rPr lang="en-US" dirty="0" err="1" smtClean="0"/>
+              <a:t>OpenNI</a:t>
+            </a:r>
+            <a:r>
+              <a:rPr lang="en-US" dirty="0" smtClean="0"/>
+              <a:t>)</a:t>
+            </a:r>
+            <a:endParaRPr lang="en-US" dirty="0"/>
           </a:p>
         </p:txBody>
       </p:sp>
     </p:spTree>
     <p:extLst>
       <p:ext uri="{BB962C8B-B14F-4D97-AF65-F5344CB8AC3E}">
-        <p14:creationId xmlns:p14="http://schemas.microsoft.com/office/powerpoint/2010/main" val="2802289633"/>
+        <p14:creationId xmlns:p14="http://schemas.microsoft.com/office/powerpoint/2010/main" val="3307906043"/>
       </p:ext>
     </p:extLst>
   </p:cSld>
   <p:clrMapOvr>
     <a:masterClrMapping/>
   </p:clrMapOvr>
+  <p:timing>
+    <p:tnLst>
+      <p:par>
+        <p:cTn id="1" dur="indefinite" restart="never" nodeType="tmRoot"/>
+      </p:par>
+    </p:tnLst>
+  </p:timing>
 </p:sld>
 </file>
 
@@ -5119,6 +5126,55 @@
         </p:nvSpPr>
         <p:spPr/>
         <p:txBody>
+          <a:bodyPr/>
+          <a:lstStyle/>
+          <a:p>
+            <a:endParaRPr lang="en-US"/>
+          </a:p>
+        </p:txBody>
+      </p:sp>
+    </p:spTree>
+    <p:extLst>
+      <p:ext uri="{BB962C8B-B14F-4D97-AF65-F5344CB8AC3E}">
+        <p14:creationId xmlns:p14="http://schemas.microsoft.com/office/powerpoint/2010/main" val="2802289633"/>
+      </p:ext>
+    </p:extLst>
+  </p:cSld>
+  <p:clrMapOvr>
+    <a:masterClrMapping/>
+  </p:clrMapOvr>
+</p:sld>
+</file>
+
+<file path=ppt/slides/slide24.xml><?xml version="1.0" encoding="utf-8"?>
+<p:sld xmlns:a="http://schemas.openxmlformats.org/drawingml/2006/main" xmlns:r="http://schemas.openxmlformats.org/officeDocument/2006/relationships" xmlns:p="http://schemas.openxmlformats.org/presentationml/2006/main">
+  <p:cSld>
+    <p:spTree>
+      <p:nvGrpSpPr>
+        <p:cNvPr id="1" name=""/>
+        <p:cNvGrpSpPr/>
+        <p:nvPr/>
+      </p:nvGrpSpPr>
+      <p:grpSpPr>
+        <a:xfrm>
+          <a:off x="0" y="0"/>
+          <a:ext cx="0" cy="0"/>
+          <a:chOff x="0" y="0"/>
+          <a:chExt cx="0" cy="0"/>
+        </a:xfrm>
+      </p:grpSpPr>
+      <p:sp>
+        <p:nvSpPr>
+          <p:cNvPr id="2" name="Title 1"/>
+          <p:cNvSpPr>
+            <a:spLocks noGrp="1"/>
+          </p:cNvSpPr>
+          <p:nvPr>
+            <p:ph type="title"/>
+          </p:nvPr>
+        </p:nvSpPr>
+        <p:spPr/>
+        <p:txBody>
           <a:bodyPr>
             <a:normAutofit fontScale="90000"/>
           </a:bodyPr>
@@ -5159,7 +5215,7 @@
 </p:sld>
 </file>
 
-<file path=ppt/slides/slide24.xml><?xml version="1.0" encoding="utf-8"?>
+<file path=ppt/slides/slide25.xml><?xml version="1.0" encoding="utf-8"?>
 <p:sld xmlns:a="http://schemas.openxmlformats.org/drawingml/2006/main" xmlns:r="http://schemas.openxmlformats.org/officeDocument/2006/relationships" xmlns:p="http://schemas.openxmlformats.org/presentationml/2006/main">
   <p:cSld>
     <p:spTree>
@@ -5254,7 +5310,7 @@
 </p:sld>
 </file>
 
-<file path=ppt/slides/slide25.xml><?xml version="1.0" encoding="utf-8"?>
+<file path=ppt/slides/slide26.xml><?xml version="1.0" encoding="utf-8"?>
 <p:sld xmlns:a="http://schemas.openxmlformats.org/drawingml/2006/main" xmlns:r="http://schemas.openxmlformats.org/officeDocument/2006/relationships" xmlns:p="http://schemas.openxmlformats.org/presentationml/2006/main">
   <p:cSld>
     <p:bg>
@@ -5416,7 +5472,7 @@
 </p:sld>
 </file>
 
-<file path=ppt/slides/slide26.xml><?xml version="1.0" encoding="utf-8"?>
+<file path=ppt/slides/slide27.xml><?xml version="1.0" encoding="utf-8"?>
 <p:sld xmlns:a="http://schemas.openxmlformats.org/drawingml/2006/main" xmlns:r="http://schemas.openxmlformats.org/officeDocument/2006/relationships" xmlns:p="http://schemas.openxmlformats.org/presentationml/2006/main">
   <p:cSld>
     <p:spTree>
@@ -5506,7 +5562,7 @@
 </p:sld>
 </file>
 
-<file path=ppt/slides/slide27.xml><?xml version="1.0" encoding="utf-8"?>
+<file path=ppt/slides/slide28.xml><?xml version="1.0" encoding="utf-8"?>
 <p:sld xmlns:a="http://schemas.openxmlformats.org/drawingml/2006/main" xmlns:r="http://schemas.openxmlformats.org/officeDocument/2006/relationships" xmlns:p="http://schemas.openxmlformats.org/presentationml/2006/main">
   <p:cSld>
     <p:spTree>

--- a/slides/KinectDev.pptx
+++ b/slides/KinectDev.pptx
@@ -18,19 +18,21 @@
     <p:sldId id="279" r:id="rId12"/>
     <p:sldId id="282" r:id="rId13"/>
     <p:sldId id="267" r:id="rId14"/>
-    <p:sldId id="268" r:id="rId15"/>
-    <p:sldId id="277" r:id="rId16"/>
-    <p:sldId id="272" r:id="rId17"/>
-    <p:sldId id="270" r:id="rId18"/>
-    <p:sldId id="275" r:id="rId19"/>
-    <p:sldId id="269" r:id="rId20"/>
-    <p:sldId id="280" r:id="rId21"/>
-    <p:sldId id="281" r:id="rId22"/>
-    <p:sldId id="271" r:id="rId23"/>
-    <p:sldId id="276" r:id="rId24"/>
-    <p:sldId id="273" r:id="rId25"/>
-    <p:sldId id="278" r:id="rId26"/>
-    <p:sldId id="265" r:id="rId27"/>
+    <p:sldId id="283" r:id="rId15"/>
+    <p:sldId id="284" r:id="rId16"/>
+    <p:sldId id="268" r:id="rId17"/>
+    <p:sldId id="277" r:id="rId18"/>
+    <p:sldId id="272" r:id="rId19"/>
+    <p:sldId id="270" r:id="rId20"/>
+    <p:sldId id="275" r:id="rId21"/>
+    <p:sldId id="269" r:id="rId22"/>
+    <p:sldId id="280" r:id="rId23"/>
+    <p:sldId id="281" r:id="rId24"/>
+    <p:sldId id="271" r:id="rId25"/>
+    <p:sldId id="276" r:id="rId26"/>
+    <p:sldId id="273" r:id="rId27"/>
+    <p:sldId id="278" r:id="rId28"/>
+    <p:sldId id="265" r:id="rId29"/>
   </p:sldIdLst>
   <p:sldSz cx="9144000" cy="5143500" type="screen16x9"/>
   <p:notesSz cx="6858000" cy="9144000"/>
@@ -4178,6 +4180,122 @@
             <p:ph type="title"/>
           </p:nvPr>
         </p:nvSpPr>
+        <p:spPr/>
+        <p:txBody>
+          <a:bodyPr/>
+          <a:lstStyle/>
+          <a:p>
+            <a:r>
+              <a:rPr lang="en-US" dirty="0" smtClean="0"/>
+              <a:t>Anatomy of a .NET </a:t>
+            </a:r>
+            <a:r>
+              <a:rPr lang="en-US" dirty="0" err="1" smtClean="0"/>
+              <a:t>Kinect</a:t>
+            </a:r>
+            <a:r>
+              <a:rPr lang="en-US" dirty="0" smtClean="0"/>
+              <a:t> Project</a:t>
+            </a:r>
+            <a:endParaRPr lang="en-US" dirty="0"/>
+          </a:p>
+        </p:txBody>
+      </p:sp>
+    </p:spTree>
+    <p:extLst>
+      <p:ext uri="{BB962C8B-B14F-4D97-AF65-F5344CB8AC3E}">
+        <p14:creationId xmlns:p14="http://schemas.microsoft.com/office/powerpoint/2010/main" val="3468459623"/>
+      </p:ext>
+    </p:extLst>
+  </p:cSld>
+  <p:clrMapOvr>
+    <a:masterClrMapping/>
+  </p:clrMapOvr>
+</p:sld>
+</file>
+
+<file path=ppt/slides/slide15.xml><?xml version="1.0" encoding="utf-8"?>
+<p:sld xmlns:a="http://schemas.openxmlformats.org/drawingml/2006/main" xmlns:r="http://schemas.openxmlformats.org/officeDocument/2006/relationships" xmlns:p="http://schemas.openxmlformats.org/presentationml/2006/main">
+  <p:cSld>
+    <p:spTree>
+      <p:nvGrpSpPr>
+        <p:cNvPr id="1" name=""/>
+        <p:cNvGrpSpPr/>
+        <p:nvPr/>
+      </p:nvGrpSpPr>
+      <p:grpSpPr>
+        <a:xfrm>
+          <a:off x="0" y="0"/>
+          <a:ext cx="0" cy="0"/>
+          <a:chOff x="0" y="0"/>
+          <a:chExt cx="0" cy="0"/>
+        </a:xfrm>
+      </p:grpSpPr>
+      <p:sp>
+        <p:nvSpPr>
+          <p:cNvPr id="2" name="Title 1"/>
+          <p:cNvSpPr>
+            <a:spLocks noGrp="1"/>
+          </p:cNvSpPr>
+          <p:nvPr>
+            <p:ph type="title"/>
+          </p:nvPr>
+        </p:nvSpPr>
+        <p:spPr/>
+        <p:txBody>
+          <a:bodyPr>
+            <a:normAutofit fontScale="90000"/>
+          </a:bodyPr>
+          <a:lstStyle/>
+          <a:p>
+            <a:r>
+              <a:rPr lang="en-US" dirty="0" smtClean="0"/>
+              <a:t>Depth, Image, and Hand Generators</a:t>
+            </a:r>
+            <a:endParaRPr lang="en-US" dirty="0"/>
+          </a:p>
+        </p:txBody>
+      </p:sp>
+    </p:spTree>
+    <p:extLst>
+      <p:ext uri="{BB962C8B-B14F-4D97-AF65-F5344CB8AC3E}">
+        <p14:creationId xmlns:p14="http://schemas.microsoft.com/office/powerpoint/2010/main" val="1798223604"/>
+      </p:ext>
+    </p:extLst>
+  </p:cSld>
+  <p:clrMapOvr>
+    <a:masterClrMapping/>
+  </p:clrMapOvr>
+</p:sld>
+</file>
+
+<file path=ppt/slides/slide16.xml><?xml version="1.0" encoding="utf-8"?>
+<p:sld xmlns:a="http://schemas.openxmlformats.org/drawingml/2006/main" xmlns:r="http://schemas.openxmlformats.org/officeDocument/2006/relationships" xmlns:p="http://schemas.openxmlformats.org/presentationml/2006/main">
+  <p:cSld>
+    <p:spTree>
+      <p:nvGrpSpPr>
+        <p:cNvPr id="1" name=""/>
+        <p:cNvGrpSpPr/>
+        <p:nvPr/>
+      </p:nvGrpSpPr>
+      <p:grpSpPr>
+        <a:xfrm>
+          <a:off x="0" y="0"/>
+          <a:ext cx="0" cy="0"/>
+          <a:chOff x="0" y="0"/>
+          <a:chExt cx="0" cy="0"/>
+        </a:xfrm>
+      </p:grpSpPr>
+      <p:sp>
+        <p:nvSpPr>
+          <p:cNvPr id="2" name="Title 1"/>
+          <p:cNvSpPr>
+            <a:spLocks noGrp="1"/>
+          </p:cNvSpPr>
+          <p:nvPr>
+            <p:ph type="title"/>
+          </p:nvPr>
+        </p:nvSpPr>
         <p:spPr>
           <a:xfrm>
             <a:off x="4038600" y="1809750"/>
@@ -4239,235 +4357,6 @@
     <p:extLst>
       <p:ext uri="{BB962C8B-B14F-4D97-AF65-F5344CB8AC3E}">
         <p14:creationId xmlns:p14="http://schemas.microsoft.com/office/powerpoint/2010/main" val="3486414651"/>
-      </p:ext>
-    </p:extLst>
-  </p:cSld>
-  <p:clrMapOvr>
-    <a:masterClrMapping/>
-  </p:clrMapOvr>
-  <p:timing>
-    <p:tnLst>
-      <p:par>
-        <p:cTn id="1" dur="indefinite" restart="never" nodeType="tmRoot"/>
-      </p:par>
-    </p:tnLst>
-  </p:timing>
-</p:sld>
-</file>
-
-<file path=ppt/slides/slide15.xml><?xml version="1.0" encoding="utf-8"?>
-<p:sld xmlns:a="http://schemas.openxmlformats.org/drawingml/2006/main" xmlns:r="http://schemas.openxmlformats.org/officeDocument/2006/relationships" xmlns:p="http://schemas.openxmlformats.org/presentationml/2006/main">
-  <p:cSld>
-    <p:spTree>
-      <p:nvGrpSpPr>
-        <p:cNvPr id="1" name=""/>
-        <p:cNvGrpSpPr/>
-        <p:nvPr/>
-      </p:nvGrpSpPr>
-      <p:grpSpPr>
-        <a:xfrm>
-          <a:off x="0" y="0"/>
-          <a:ext cx="0" cy="0"/>
-          <a:chOff x="0" y="0"/>
-          <a:chExt cx="0" cy="0"/>
-        </a:xfrm>
-      </p:grpSpPr>
-      <p:pic>
-        <p:nvPicPr>
-          <p:cNvPr id="3" name="Picture 2"/>
-          <p:cNvPicPr>
-            <a:picLocks noChangeAspect="1"/>
-          </p:cNvPicPr>
-          <p:nvPr/>
-        </p:nvPicPr>
-        <p:blipFill>
-          <a:blip r:embed="rId2">
-            <a:extLst>
-              <a:ext uri="{28A0092B-C50C-407E-A947-70E740481C1C}">
-                <a14:useLocalDpi xmlns:a14="http://schemas.microsoft.com/office/drawing/2010/main" val="0"/>
-              </a:ext>
-            </a:extLst>
-          </a:blip>
-          <a:stretch>
-            <a:fillRect/>
-          </a:stretch>
-        </p:blipFill>
-        <p:spPr>
-          <a:xfrm>
-            <a:off x="2438400" y="0"/>
-            <a:ext cx="6858000" cy="5143500"/>
-          </a:xfrm>
-          <a:prstGeom prst="rect">
-            <a:avLst/>
-          </a:prstGeom>
-        </p:spPr>
-      </p:pic>
-      <p:sp>
-        <p:nvSpPr>
-          <p:cNvPr id="4" name="Title 1"/>
-          <p:cNvSpPr>
-            <a:spLocks noGrp="1"/>
-          </p:cNvSpPr>
-          <p:nvPr>
-            <p:ph type="title"/>
-          </p:nvPr>
-        </p:nvSpPr>
-        <p:spPr>
-          <a:xfrm>
-            <a:off x="76200" y="1943100"/>
-            <a:ext cx="2286000" cy="857250"/>
-          </a:xfrm>
-        </p:spPr>
-        <p:txBody>
-          <a:bodyPr>
-            <a:normAutofit fontScale="90000"/>
-          </a:bodyPr>
-          <a:lstStyle/>
-          <a:p>
-            <a:r>
-              <a:rPr lang="en-US" dirty="0" smtClean="0"/>
-              <a:t>NITE Filters</a:t>
-            </a:r>
-            <a:endParaRPr lang="en-US" dirty="0"/>
-          </a:p>
-        </p:txBody>
-      </p:sp>
-    </p:spTree>
-    <p:extLst>
-      <p:ext uri="{BB962C8B-B14F-4D97-AF65-F5344CB8AC3E}">
-        <p14:creationId xmlns:p14="http://schemas.microsoft.com/office/powerpoint/2010/main" val="3204015138"/>
-      </p:ext>
-    </p:extLst>
-  </p:cSld>
-  <p:clrMapOvr>
-    <a:masterClrMapping/>
-  </p:clrMapOvr>
-  <p:timing>
-    <p:tnLst>
-      <p:par>
-        <p:cTn id="1" dur="indefinite" restart="never" nodeType="tmRoot"/>
-      </p:par>
-    </p:tnLst>
-  </p:timing>
-</p:sld>
-</file>
-
-<file path=ppt/slides/slide16.xml><?xml version="1.0" encoding="utf-8"?>
-<p:sld xmlns:a="http://schemas.openxmlformats.org/drawingml/2006/main" xmlns:r="http://schemas.openxmlformats.org/officeDocument/2006/relationships" xmlns:p="http://schemas.openxmlformats.org/presentationml/2006/main">
-  <p:cSld>
-    <p:spTree>
-      <p:nvGrpSpPr>
-        <p:cNvPr id="1" name=""/>
-        <p:cNvGrpSpPr/>
-        <p:nvPr/>
-      </p:nvGrpSpPr>
-      <p:grpSpPr>
-        <a:xfrm>
-          <a:off x="0" y="0"/>
-          <a:ext cx="0" cy="0"/>
-          <a:chOff x="0" y="0"/>
-          <a:chExt cx="0" cy="0"/>
-        </a:xfrm>
-      </p:grpSpPr>
-      <p:sp>
-        <p:nvSpPr>
-          <p:cNvPr id="5" name="Title 4"/>
-          <p:cNvSpPr>
-            <a:spLocks noGrp="1"/>
-          </p:cNvSpPr>
-          <p:nvPr>
-            <p:ph type="title"/>
-          </p:nvPr>
-        </p:nvSpPr>
-        <p:spPr/>
-        <p:txBody>
-          <a:bodyPr/>
-          <a:lstStyle/>
-          <a:p>
-            <a:endParaRPr lang="en-US"/>
-          </a:p>
-        </p:txBody>
-      </p:sp>
-      <p:pic>
-        <p:nvPicPr>
-          <p:cNvPr id="7" name="Picture 6"/>
-          <p:cNvPicPr>
-            <a:picLocks noChangeAspect="1"/>
-          </p:cNvPicPr>
-          <p:nvPr/>
-        </p:nvPicPr>
-        <p:blipFill>
-          <a:blip r:embed="rId2">
-            <a:extLst>
-              <a:ext uri="{28A0092B-C50C-407E-A947-70E740481C1C}">
-                <a14:useLocalDpi xmlns:a14="http://schemas.microsoft.com/office/drawing/2010/main" val="0"/>
-              </a:ext>
-            </a:extLst>
-          </a:blip>
-          <a:stretch>
-            <a:fillRect/>
-          </a:stretch>
-        </p:blipFill>
-        <p:spPr>
-          <a:xfrm>
-            <a:off x="-76200" y="-2762250"/>
-            <a:ext cx="9258613" cy="5467350"/>
-          </a:xfrm>
-          <a:prstGeom prst="rect">
-            <a:avLst/>
-          </a:prstGeom>
-        </p:spPr>
-      </p:pic>
-      <p:sp>
-        <p:nvSpPr>
-          <p:cNvPr id="8" name="Title 1"/>
-          <p:cNvSpPr txBox="1">
-            <a:spLocks/>
-          </p:cNvSpPr>
-          <p:nvPr/>
-        </p:nvSpPr>
-        <p:spPr>
-          <a:xfrm>
-            <a:off x="0" y="3333750"/>
-            <a:ext cx="9144000" cy="857250"/>
-          </a:xfrm>
-          <a:prstGeom prst="rect">
-            <a:avLst/>
-          </a:prstGeom>
-        </p:spPr>
-        <p:txBody>
-          <a:bodyPr vert="horz" lIns="91440" tIns="45720" rIns="91440" bIns="45720" rtlCol="0" anchor="ctr">
-            <a:normAutofit/>
-          </a:bodyPr>
-          <a:lstStyle>
-            <a:lvl1pPr algn="ctr" defTabSz="914400" rtl="0" eaLnBrk="1" latinLnBrk="0" hangingPunct="1">
-              <a:spcBef>
-                <a:spcPct val="0"/>
-              </a:spcBef>
-              <a:buNone/>
-              <a:defRPr sz="4400" kern="1200">
-                <a:solidFill>
-                  <a:schemeClr val="tx1"/>
-                </a:solidFill>
-                <a:latin typeface="+mj-lt"/>
-                <a:ea typeface="+mj-ea"/>
-                <a:cs typeface="+mj-cs"/>
-              </a:defRPr>
-            </a:lvl1pPr>
-          </a:lstStyle>
-          <a:p>
-            <a:r>
-              <a:rPr lang="en-US" dirty="0" smtClean="0"/>
-              <a:t>Multiple hands (NITE)</a:t>
-            </a:r>
-            <a:endParaRPr lang="en-US" dirty="0"/>
-          </a:p>
-        </p:txBody>
-      </p:sp>
-    </p:spTree>
-    <p:extLst>
-      <p:ext uri="{BB962C8B-B14F-4D97-AF65-F5344CB8AC3E}">
-        <p14:creationId xmlns:p14="http://schemas.microsoft.com/office/powerpoint/2010/main" val="2889536298"/>
       </p:ext>
     </p:extLst>
   </p:cSld>
@@ -4523,7 +4412,7 @@
         </p:blipFill>
         <p:spPr>
           <a:xfrm>
-            <a:off x="0" y="0"/>
+            <a:off x="2438400" y="0"/>
             <a:ext cx="6858000" cy="5143500"/>
           </a:xfrm>
           <a:prstGeom prst="rect">
@@ -4533,7 +4422,7 @@
       </p:pic>
       <p:sp>
         <p:nvSpPr>
-          <p:cNvPr id="4" name="Title 3"/>
+          <p:cNvPr id="4" name="Title 1"/>
           <p:cNvSpPr>
             <a:spLocks noGrp="1"/>
           </p:cNvSpPr>
@@ -4543,8 +4432,8 @@
         </p:nvSpPr>
         <p:spPr>
           <a:xfrm>
-            <a:off x="7086600" y="1352550"/>
-            <a:ext cx="1828800" cy="1752600"/>
+            <a:off x="76200" y="1943100"/>
+            <a:ext cx="2286000" cy="857250"/>
           </a:xfrm>
         </p:spPr>
         <p:txBody>
@@ -4555,21 +4444,7 @@
           <a:p>
             <a:r>
               <a:rPr lang="en-US" dirty="0" smtClean="0"/>
-              <a:t>Cursor control</a:t>
-            </a:r>
-            <a:br>
-              <a:rPr lang="en-US" dirty="0" smtClean="0"/>
-            </a:br>
-            <a:r>
-              <a:rPr lang="en-US" dirty="0" smtClean="0"/>
-              <a:t>with</a:t>
-            </a:r>
-            <a:br>
-              <a:rPr lang="en-US" dirty="0" smtClean="0"/>
-            </a:br>
-            <a:r>
-              <a:rPr lang="en-US" dirty="0" smtClean="0"/>
-              <a:t>NITE</a:t>
+              <a:t>NITE Filters</a:t>
             </a:r>
             <a:endParaRPr lang="en-US" dirty="0"/>
           </a:p>
@@ -4578,7 +4453,7 @@
     </p:spTree>
     <p:extLst>
       <p:ext uri="{BB962C8B-B14F-4D97-AF65-F5344CB8AC3E}">
-        <p14:creationId xmlns:p14="http://schemas.microsoft.com/office/powerpoint/2010/main" val="2908293680"/>
+        <p14:creationId xmlns:p14="http://schemas.microsoft.com/office/powerpoint/2010/main" val="3204015138"/>
       </p:ext>
     </p:extLst>
   </p:cSld>
@@ -4596,6 +4471,138 @@
 </file>
 
 <file path=ppt/slides/slide18.xml><?xml version="1.0" encoding="utf-8"?>
+<p:sld xmlns:a="http://schemas.openxmlformats.org/drawingml/2006/main" xmlns:r="http://schemas.openxmlformats.org/officeDocument/2006/relationships" xmlns:p="http://schemas.openxmlformats.org/presentationml/2006/main">
+  <p:cSld>
+    <p:spTree>
+      <p:nvGrpSpPr>
+        <p:cNvPr id="1" name=""/>
+        <p:cNvGrpSpPr/>
+        <p:nvPr/>
+      </p:nvGrpSpPr>
+      <p:grpSpPr>
+        <a:xfrm>
+          <a:off x="0" y="0"/>
+          <a:ext cx="0" cy="0"/>
+          <a:chOff x="0" y="0"/>
+          <a:chExt cx="0" cy="0"/>
+        </a:xfrm>
+      </p:grpSpPr>
+      <p:sp>
+        <p:nvSpPr>
+          <p:cNvPr id="5" name="Title 4"/>
+          <p:cNvSpPr>
+            <a:spLocks noGrp="1"/>
+          </p:cNvSpPr>
+          <p:nvPr>
+            <p:ph type="title"/>
+          </p:nvPr>
+        </p:nvSpPr>
+        <p:spPr/>
+        <p:txBody>
+          <a:bodyPr/>
+          <a:lstStyle/>
+          <a:p>
+            <a:endParaRPr lang="en-US"/>
+          </a:p>
+        </p:txBody>
+      </p:sp>
+      <p:pic>
+        <p:nvPicPr>
+          <p:cNvPr id="7" name="Picture 6"/>
+          <p:cNvPicPr>
+            <a:picLocks noChangeAspect="1"/>
+          </p:cNvPicPr>
+          <p:nvPr/>
+        </p:nvPicPr>
+        <p:blipFill>
+          <a:blip r:embed="rId2">
+            <a:extLst>
+              <a:ext uri="{28A0092B-C50C-407E-A947-70E740481C1C}">
+                <a14:useLocalDpi xmlns:a14="http://schemas.microsoft.com/office/drawing/2010/main" val="0"/>
+              </a:ext>
+            </a:extLst>
+          </a:blip>
+          <a:stretch>
+            <a:fillRect/>
+          </a:stretch>
+        </p:blipFill>
+        <p:spPr>
+          <a:xfrm>
+            <a:off x="-76200" y="-2762250"/>
+            <a:ext cx="9258613" cy="5467350"/>
+          </a:xfrm>
+          <a:prstGeom prst="rect">
+            <a:avLst/>
+          </a:prstGeom>
+        </p:spPr>
+      </p:pic>
+      <p:sp>
+        <p:nvSpPr>
+          <p:cNvPr id="8" name="Title 1"/>
+          <p:cNvSpPr txBox="1">
+            <a:spLocks/>
+          </p:cNvSpPr>
+          <p:nvPr/>
+        </p:nvSpPr>
+        <p:spPr>
+          <a:xfrm>
+            <a:off x="0" y="3333750"/>
+            <a:ext cx="9144000" cy="857250"/>
+          </a:xfrm>
+          <a:prstGeom prst="rect">
+            <a:avLst/>
+          </a:prstGeom>
+        </p:spPr>
+        <p:txBody>
+          <a:bodyPr vert="horz" lIns="91440" tIns="45720" rIns="91440" bIns="45720" rtlCol="0" anchor="ctr">
+            <a:normAutofit/>
+          </a:bodyPr>
+          <a:lstStyle>
+            <a:lvl1pPr algn="ctr" defTabSz="914400" rtl="0" eaLnBrk="1" latinLnBrk="0" hangingPunct="1">
+              <a:spcBef>
+                <a:spcPct val="0"/>
+              </a:spcBef>
+              <a:buNone/>
+              <a:defRPr sz="4400" kern="1200">
+                <a:solidFill>
+                  <a:schemeClr val="tx1"/>
+                </a:solidFill>
+                <a:latin typeface="+mj-lt"/>
+                <a:ea typeface="+mj-ea"/>
+                <a:cs typeface="+mj-cs"/>
+              </a:defRPr>
+            </a:lvl1pPr>
+          </a:lstStyle>
+          <a:p>
+            <a:r>
+              <a:rPr lang="en-US" dirty="0" smtClean="0"/>
+              <a:t>Multiple hands (NITE)</a:t>
+            </a:r>
+            <a:endParaRPr lang="en-US" dirty="0"/>
+          </a:p>
+        </p:txBody>
+      </p:sp>
+    </p:spTree>
+    <p:extLst>
+      <p:ext uri="{BB962C8B-B14F-4D97-AF65-F5344CB8AC3E}">
+        <p14:creationId xmlns:p14="http://schemas.microsoft.com/office/powerpoint/2010/main" val="2889536298"/>
+      </p:ext>
+    </p:extLst>
+  </p:cSld>
+  <p:clrMapOvr>
+    <a:masterClrMapping/>
+  </p:clrMapOvr>
+  <p:timing>
+    <p:tnLst>
+      <p:par>
+        <p:cTn id="1" dur="indefinite" restart="never" nodeType="tmRoot"/>
+      </p:par>
+    </p:tnLst>
+  </p:timing>
+</p:sld>
+</file>
+
+<file path=ppt/slides/slide19.xml><?xml version="1.0" encoding="utf-8"?>
 <p:sld xmlns:a="http://schemas.openxmlformats.org/drawingml/2006/main" xmlns:r="http://schemas.openxmlformats.org/officeDocument/2006/relationships" xmlns:p="http://schemas.openxmlformats.org/presentationml/2006/main">
   <p:cSld>
     <p:spTree>
@@ -4634,8 +4641,8 @@
         </p:blipFill>
         <p:spPr>
           <a:xfrm>
-            <a:off x="-1752600" y="-57150"/>
-            <a:ext cx="6959600" cy="5219700"/>
+            <a:off x="0" y="0"/>
+            <a:ext cx="6858000" cy="5143500"/>
           </a:xfrm>
           <a:prstGeom prst="rect">
             <a:avLst/>
@@ -4644,7 +4651,7 @@
       </p:pic>
       <p:sp>
         <p:nvSpPr>
-          <p:cNvPr id="4" name="Title 1"/>
+          <p:cNvPr id="4" name="Title 3"/>
           <p:cNvSpPr>
             <a:spLocks noGrp="1"/>
           </p:cNvSpPr>
@@ -4654,8 +4661,8 @@
         </p:nvSpPr>
         <p:spPr>
           <a:xfrm>
-            <a:off x="5486400" y="1562100"/>
-            <a:ext cx="3429000" cy="1619250"/>
+            <a:off x="7086600" y="1352550"/>
+            <a:ext cx="1828800" cy="1752600"/>
           </a:xfrm>
         </p:spPr>
         <p:txBody>
@@ -4666,21 +4673,21 @@
           <a:p>
             <a:r>
               <a:rPr lang="en-US" dirty="0" smtClean="0"/>
-              <a:t>Cursor</a:t>
+              <a:t>Cursor control</a:t>
             </a:r>
             <a:br>
               <a:rPr lang="en-US" dirty="0" smtClean="0"/>
             </a:br>
             <a:r>
               <a:rPr lang="en-US" dirty="0" smtClean="0"/>
-              <a:t>Smoothing</a:t>
+              <a:t>with</a:t>
             </a:r>
             <a:br>
               <a:rPr lang="en-US" dirty="0" smtClean="0"/>
             </a:br>
             <a:r>
               <a:rPr lang="en-US" dirty="0" smtClean="0"/>
-              <a:t>(and scaling)</a:t>
+              <a:t>NITE</a:t>
             </a:r>
             <a:endParaRPr lang="en-US" dirty="0"/>
           </a:p>
@@ -4689,111 +4696,7 @@
     </p:spTree>
     <p:extLst>
       <p:ext uri="{BB962C8B-B14F-4D97-AF65-F5344CB8AC3E}">
-        <p14:creationId xmlns:p14="http://schemas.microsoft.com/office/powerpoint/2010/main" val="567761821"/>
-      </p:ext>
-    </p:extLst>
-  </p:cSld>
-  <p:clrMapOvr>
-    <a:masterClrMapping/>
-  </p:clrMapOvr>
-  <p:timing>
-    <p:tnLst>
-      <p:par>
-        <p:cTn id="1" dur="indefinite" restart="never" nodeType="tmRoot"/>
-      </p:par>
-    </p:tnLst>
-  </p:timing>
-</p:sld>
-</file>
-
-<file path=ppt/slides/slide19.xml><?xml version="1.0" encoding="utf-8"?>
-<p:sld xmlns:a="http://schemas.openxmlformats.org/drawingml/2006/main" xmlns:r="http://schemas.openxmlformats.org/officeDocument/2006/relationships" xmlns:p="http://schemas.openxmlformats.org/presentationml/2006/main">
-  <p:cSld>
-    <p:spTree>
-      <p:nvGrpSpPr>
-        <p:cNvPr id="1" name=""/>
-        <p:cNvGrpSpPr/>
-        <p:nvPr/>
-      </p:nvGrpSpPr>
-      <p:grpSpPr>
-        <a:xfrm>
-          <a:off x="0" y="0"/>
-          <a:ext cx="0" cy="0"/>
-          <a:chOff x="0" y="0"/>
-          <a:chExt cx="0" cy="0"/>
-        </a:xfrm>
-      </p:grpSpPr>
-      <p:sp>
-        <p:nvSpPr>
-          <p:cNvPr id="2" name="Title 1"/>
-          <p:cNvSpPr>
-            <a:spLocks noGrp="1"/>
-          </p:cNvSpPr>
-          <p:nvPr>
-            <p:ph type="title"/>
-          </p:nvPr>
-        </p:nvSpPr>
-        <p:spPr>
-          <a:xfrm>
-            <a:off x="4800600" y="1943100"/>
-            <a:ext cx="3886200" cy="857250"/>
-          </a:xfrm>
-        </p:spPr>
-        <p:txBody>
-          <a:bodyPr>
-            <a:normAutofit fontScale="90000"/>
-          </a:bodyPr>
-          <a:lstStyle/>
-          <a:p>
-            <a:r>
-              <a:rPr lang="en-US" dirty="0" smtClean="0"/>
-              <a:t>Swiping</a:t>
-            </a:r>
-            <a:br>
-              <a:rPr lang="en-US" dirty="0" smtClean="0"/>
-            </a:br>
-            <a:r>
-              <a:rPr lang="en-US" dirty="0" smtClean="0"/>
-              <a:t>(NITE)</a:t>
-            </a:r>
-            <a:endParaRPr lang="en-US" dirty="0"/>
-          </a:p>
-        </p:txBody>
-      </p:sp>
-      <p:pic>
-        <p:nvPicPr>
-          <p:cNvPr id="5" name="Picture 4"/>
-          <p:cNvPicPr>
-            <a:picLocks noChangeAspect="1"/>
-          </p:cNvPicPr>
-          <p:nvPr/>
-        </p:nvPicPr>
-        <p:blipFill>
-          <a:blip r:embed="rId2">
-            <a:extLst>
-              <a:ext uri="{28A0092B-C50C-407E-A947-70E740481C1C}">
-                <a14:useLocalDpi xmlns:a14="http://schemas.microsoft.com/office/drawing/2010/main" val="0"/>
-              </a:ext>
-            </a:extLst>
-          </a:blip>
-          <a:stretch>
-            <a:fillRect/>
-          </a:stretch>
-        </p:blipFill>
-        <p:spPr>
-          <a:xfrm>
-            <a:off x="-1" y="0"/>
-            <a:ext cx="4498041" cy="5143500"/>
-          </a:xfrm>
-          <a:prstGeom prst="rect">
-            <a:avLst/>
-          </a:prstGeom>
-        </p:spPr>
-      </p:pic>
-    </p:spTree>
-    <p:extLst>
-      <p:ext uri="{BB962C8B-B14F-4D97-AF65-F5344CB8AC3E}">
-        <p14:creationId xmlns:p14="http://schemas.microsoft.com/office/powerpoint/2010/main" val="3445804590"/>
+        <p14:creationId xmlns:p14="http://schemas.microsoft.com/office/powerpoint/2010/main" val="2908293680"/>
       </p:ext>
     </p:extLst>
   </p:cSld>
@@ -4906,8 +4809,8 @@
         </p:blipFill>
         <p:spPr>
           <a:xfrm>
-            <a:off x="6216805" y="0"/>
-            <a:ext cx="2927195" cy="5143500"/>
+            <a:off x="-1752600" y="-57150"/>
+            <a:ext cx="6959600" cy="5219700"/>
           </a:xfrm>
           <a:prstGeom prst="rect">
             <a:avLst/>
@@ -4926,8 +4829,8 @@
         </p:nvSpPr>
         <p:spPr>
           <a:xfrm>
-            <a:off x="1143000" y="2143125"/>
-            <a:ext cx="3886200" cy="857250"/>
+            <a:off x="5486400" y="1562100"/>
+            <a:ext cx="3429000" cy="1619250"/>
           </a:xfrm>
         </p:spPr>
         <p:txBody>
@@ -4938,22 +4841,21 @@
           <a:p>
             <a:r>
               <a:rPr lang="en-US" dirty="0" smtClean="0"/>
-              <a:t>User Skeletons</a:t>
+              <a:t>Cursor</a:t>
             </a:r>
             <a:br>
               <a:rPr lang="en-US" dirty="0" smtClean="0"/>
             </a:br>
             <a:r>
               <a:rPr lang="en-US" dirty="0" smtClean="0"/>
-              <a:t>(</a:t>
-            </a:r>
-            <a:r>
-              <a:rPr lang="en-US" dirty="0" err="1" smtClean="0"/>
-              <a:t>OpenNI</a:t>
-            </a:r>
-            <a:r>
+              <a:t>Smoothing</a:t>
+            </a:r>
+            <a:br>
               <a:rPr lang="en-US" dirty="0" smtClean="0"/>
-              <a:t>)</a:t>
+            </a:br>
+            <a:r>
+              <a:rPr lang="en-US" dirty="0" smtClean="0"/>
+              <a:t>(and scaling)</a:t>
             </a:r>
             <a:endParaRPr lang="en-US" dirty="0"/>
           </a:p>
@@ -4962,7 +4864,7 @@
     </p:spTree>
     <p:extLst>
       <p:ext uri="{BB962C8B-B14F-4D97-AF65-F5344CB8AC3E}">
-        <p14:creationId xmlns:p14="http://schemas.microsoft.com/office/powerpoint/2010/main" val="3307906043"/>
+        <p14:creationId xmlns:p14="http://schemas.microsoft.com/office/powerpoint/2010/main" val="567761821"/>
       </p:ext>
     </p:extLst>
   </p:cSld>
@@ -5006,25 +4908,80 @@
             <p:ph type="title"/>
           </p:nvPr>
         </p:nvSpPr>
-        <p:spPr/>
-        <p:txBody>
-          <a:bodyPr/>
-          <a:lstStyle/>
-          <a:p>
-            <a:endParaRPr lang="en-US"/>
-          </a:p>
-        </p:txBody>
-      </p:sp>
+        <p:spPr>
+          <a:xfrm>
+            <a:off x="4800600" y="1943100"/>
+            <a:ext cx="3886200" cy="857250"/>
+          </a:xfrm>
+        </p:spPr>
+        <p:txBody>
+          <a:bodyPr>
+            <a:normAutofit fontScale="90000"/>
+          </a:bodyPr>
+          <a:lstStyle/>
+          <a:p>
+            <a:r>
+              <a:rPr lang="en-US" dirty="0" smtClean="0"/>
+              <a:t>Swiping</a:t>
+            </a:r>
+            <a:br>
+              <a:rPr lang="en-US" dirty="0" smtClean="0"/>
+            </a:br>
+            <a:r>
+              <a:rPr lang="en-US" dirty="0" smtClean="0"/>
+              <a:t>(NITE)</a:t>
+            </a:r>
+            <a:endParaRPr lang="en-US" dirty="0"/>
+          </a:p>
+        </p:txBody>
+      </p:sp>
+      <p:pic>
+        <p:nvPicPr>
+          <p:cNvPr id="5" name="Picture 4"/>
+          <p:cNvPicPr>
+            <a:picLocks noChangeAspect="1"/>
+          </p:cNvPicPr>
+          <p:nvPr/>
+        </p:nvPicPr>
+        <p:blipFill>
+          <a:blip r:embed="rId2">
+            <a:extLst>
+              <a:ext uri="{28A0092B-C50C-407E-A947-70E740481C1C}">
+                <a14:useLocalDpi xmlns:a14="http://schemas.microsoft.com/office/drawing/2010/main" val="0"/>
+              </a:ext>
+            </a:extLst>
+          </a:blip>
+          <a:stretch>
+            <a:fillRect/>
+          </a:stretch>
+        </p:blipFill>
+        <p:spPr>
+          <a:xfrm>
+            <a:off x="-1" y="0"/>
+            <a:ext cx="4498041" cy="5143500"/>
+          </a:xfrm>
+          <a:prstGeom prst="rect">
+            <a:avLst/>
+          </a:prstGeom>
+        </p:spPr>
+      </p:pic>
     </p:spTree>
     <p:extLst>
       <p:ext uri="{BB962C8B-B14F-4D97-AF65-F5344CB8AC3E}">
-        <p14:creationId xmlns:p14="http://schemas.microsoft.com/office/powerpoint/2010/main" val="2802289633"/>
+        <p14:creationId xmlns:p14="http://schemas.microsoft.com/office/powerpoint/2010/main" val="3445804590"/>
       </p:ext>
     </p:extLst>
   </p:cSld>
   <p:clrMapOvr>
     <a:masterClrMapping/>
   </p:clrMapOvr>
+  <p:timing>
+    <p:tnLst>
+      <p:par>
+        <p:cTn id="1" dur="indefinite" restart="never" nodeType="tmRoot"/>
+      </p:par>
+    </p:tnLst>
+  </p:timing>
 </p:sld>
 </file>
 
@@ -5045,6 +5002,167 @@
           <a:chExt cx="0" cy="0"/>
         </a:xfrm>
       </p:grpSpPr>
+      <p:pic>
+        <p:nvPicPr>
+          <p:cNvPr id="3" name="Picture 2"/>
+          <p:cNvPicPr>
+            <a:picLocks noChangeAspect="1"/>
+          </p:cNvPicPr>
+          <p:nvPr/>
+        </p:nvPicPr>
+        <p:blipFill>
+          <a:blip r:embed="rId2">
+            <a:extLst>
+              <a:ext uri="{28A0092B-C50C-407E-A947-70E740481C1C}">
+                <a14:useLocalDpi xmlns:a14="http://schemas.microsoft.com/office/drawing/2010/main" val="0"/>
+              </a:ext>
+            </a:extLst>
+          </a:blip>
+          <a:stretch>
+            <a:fillRect/>
+          </a:stretch>
+        </p:blipFill>
+        <p:spPr>
+          <a:xfrm>
+            <a:off x="6216805" y="0"/>
+            <a:ext cx="2927195" cy="5143500"/>
+          </a:xfrm>
+          <a:prstGeom prst="rect">
+            <a:avLst/>
+          </a:prstGeom>
+        </p:spPr>
+      </p:pic>
+      <p:sp>
+        <p:nvSpPr>
+          <p:cNvPr id="4" name="Title 1"/>
+          <p:cNvSpPr>
+            <a:spLocks noGrp="1"/>
+          </p:cNvSpPr>
+          <p:nvPr>
+            <p:ph type="title"/>
+          </p:nvPr>
+        </p:nvSpPr>
+        <p:spPr>
+          <a:xfrm>
+            <a:off x="1143000" y="2143125"/>
+            <a:ext cx="3886200" cy="857250"/>
+          </a:xfrm>
+        </p:spPr>
+        <p:txBody>
+          <a:bodyPr>
+            <a:normAutofit fontScale="90000"/>
+          </a:bodyPr>
+          <a:lstStyle/>
+          <a:p>
+            <a:r>
+              <a:rPr lang="en-US" dirty="0" smtClean="0"/>
+              <a:t>User Skeletons</a:t>
+            </a:r>
+            <a:br>
+              <a:rPr lang="en-US" dirty="0" smtClean="0"/>
+            </a:br>
+            <a:r>
+              <a:rPr lang="en-US" dirty="0" smtClean="0"/>
+              <a:t>(</a:t>
+            </a:r>
+            <a:r>
+              <a:rPr lang="en-US" dirty="0" err="1" smtClean="0"/>
+              <a:t>OpenNI</a:t>
+            </a:r>
+            <a:r>
+              <a:rPr lang="en-US" dirty="0" smtClean="0"/>
+              <a:t>)</a:t>
+            </a:r>
+            <a:endParaRPr lang="en-US" dirty="0"/>
+          </a:p>
+        </p:txBody>
+      </p:sp>
+    </p:spTree>
+    <p:extLst>
+      <p:ext uri="{BB962C8B-B14F-4D97-AF65-F5344CB8AC3E}">
+        <p14:creationId xmlns:p14="http://schemas.microsoft.com/office/powerpoint/2010/main" val="3307906043"/>
+      </p:ext>
+    </p:extLst>
+  </p:cSld>
+  <p:clrMapOvr>
+    <a:masterClrMapping/>
+  </p:clrMapOvr>
+  <p:timing>
+    <p:tnLst>
+      <p:par>
+        <p:cTn id="1" dur="indefinite" restart="never" nodeType="tmRoot"/>
+      </p:par>
+    </p:tnLst>
+  </p:timing>
+</p:sld>
+</file>
+
+<file path=ppt/slides/slide23.xml><?xml version="1.0" encoding="utf-8"?>
+<p:sld xmlns:a="http://schemas.openxmlformats.org/drawingml/2006/main" xmlns:r="http://schemas.openxmlformats.org/officeDocument/2006/relationships" xmlns:p="http://schemas.openxmlformats.org/presentationml/2006/main">
+  <p:cSld>
+    <p:spTree>
+      <p:nvGrpSpPr>
+        <p:cNvPr id="1" name=""/>
+        <p:cNvGrpSpPr/>
+        <p:nvPr/>
+      </p:nvGrpSpPr>
+      <p:grpSpPr>
+        <a:xfrm>
+          <a:off x="0" y="0"/>
+          <a:ext cx="0" cy="0"/>
+          <a:chOff x="0" y="0"/>
+          <a:chExt cx="0" cy="0"/>
+        </a:xfrm>
+      </p:grpSpPr>
+      <p:sp>
+        <p:nvSpPr>
+          <p:cNvPr id="2" name="Title 1"/>
+          <p:cNvSpPr>
+            <a:spLocks noGrp="1"/>
+          </p:cNvSpPr>
+          <p:nvPr>
+            <p:ph type="title"/>
+          </p:nvPr>
+        </p:nvSpPr>
+        <p:spPr/>
+        <p:txBody>
+          <a:bodyPr/>
+          <a:lstStyle/>
+          <a:p>
+            <a:endParaRPr lang="en-US"/>
+          </a:p>
+        </p:txBody>
+      </p:sp>
+    </p:spTree>
+    <p:extLst>
+      <p:ext uri="{BB962C8B-B14F-4D97-AF65-F5344CB8AC3E}">
+        <p14:creationId xmlns:p14="http://schemas.microsoft.com/office/powerpoint/2010/main" val="2802289633"/>
+      </p:ext>
+    </p:extLst>
+  </p:cSld>
+  <p:clrMapOvr>
+    <a:masterClrMapping/>
+  </p:clrMapOvr>
+</p:sld>
+</file>
+
+<file path=ppt/slides/slide24.xml><?xml version="1.0" encoding="utf-8"?>
+<p:sld xmlns:a="http://schemas.openxmlformats.org/drawingml/2006/main" xmlns:r="http://schemas.openxmlformats.org/officeDocument/2006/relationships" xmlns:p="http://schemas.openxmlformats.org/presentationml/2006/main">
+  <p:cSld>
+    <p:spTree>
+      <p:nvGrpSpPr>
+        <p:cNvPr id="1" name=""/>
+        <p:cNvGrpSpPr/>
+        <p:nvPr/>
+      </p:nvGrpSpPr>
+      <p:grpSpPr>
+        <a:xfrm>
+          <a:off x="0" y="0"/>
+          <a:ext cx="0" cy="0"/>
+          <a:chOff x="0" y="0"/>
+          <a:chExt cx="0" cy="0"/>
+        </a:xfrm>
+      </p:grpSpPr>
       <p:sp>
         <p:nvSpPr>
           <p:cNvPr id="2" name="Title 1"/>
@@ -5097,7 +5215,7 @@
 </p:sld>
 </file>
 
-<file path=ppt/slides/slide23.xml><?xml version="1.0" encoding="utf-8"?>
+<file path=ppt/slides/slide25.xml><?xml version="1.0" encoding="utf-8"?>
 <p:sld xmlns:a="http://schemas.openxmlformats.org/drawingml/2006/main" xmlns:r="http://schemas.openxmlformats.org/officeDocument/2006/relationships" xmlns:p="http://schemas.openxmlformats.org/presentationml/2006/main">
   <p:cSld>
     <p:spTree>
@@ -5192,7 +5310,7 @@
 </p:sld>
 </file>
 
-<file path=ppt/slides/slide24.xml><?xml version="1.0" encoding="utf-8"?>
+<file path=ppt/slides/slide26.xml><?xml version="1.0" encoding="utf-8"?>
 <p:sld xmlns:a="http://schemas.openxmlformats.org/drawingml/2006/main" xmlns:r="http://schemas.openxmlformats.org/officeDocument/2006/relationships" xmlns:p="http://schemas.openxmlformats.org/presentationml/2006/main">
   <p:cSld>
     <p:bg>
@@ -5354,7 +5472,7 @@
 </p:sld>
 </file>
 
-<file path=ppt/slides/slide25.xml><?xml version="1.0" encoding="utf-8"?>
+<file path=ppt/slides/slide27.xml><?xml version="1.0" encoding="utf-8"?>
 <p:sld xmlns:a="http://schemas.openxmlformats.org/drawingml/2006/main" xmlns:r="http://schemas.openxmlformats.org/officeDocument/2006/relationships" xmlns:p="http://schemas.openxmlformats.org/presentationml/2006/main">
   <p:cSld>
     <p:spTree>
@@ -5444,7 +5562,7 @@
 </p:sld>
 </file>
 
-<file path=ppt/slides/slide26.xml><?xml version="1.0" encoding="utf-8"?>
+<file path=ppt/slides/slide28.xml><?xml version="1.0" encoding="utf-8"?>
 <p:sld xmlns:a="http://schemas.openxmlformats.org/drawingml/2006/main" xmlns:r="http://schemas.openxmlformats.org/officeDocument/2006/relationships" xmlns:p="http://schemas.openxmlformats.org/presentationml/2006/main">
   <p:cSld>
     <p:spTree>

--- a/slides/KinectDev.pptx
+++ b/slides/KinectDev.pptx
@@ -19,20 +19,21 @@
     <p:sldId id="282" r:id="rId13"/>
     <p:sldId id="267" r:id="rId14"/>
     <p:sldId id="283" r:id="rId15"/>
-    <p:sldId id="284" r:id="rId16"/>
-    <p:sldId id="268" r:id="rId17"/>
+    <p:sldId id="285" r:id="rId16"/>
+    <p:sldId id="284" r:id="rId17"/>
     <p:sldId id="277" r:id="rId18"/>
-    <p:sldId id="272" r:id="rId19"/>
-    <p:sldId id="270" r:id="rId20"/>
-    <p:sldId id="275" r:id="rId21"/>
-    <p:sldId id="269" r:id="rId22"/>
-    <p:sldId id="280" r:id="rId23"/>
-    <p:sldId id="281" r:id="rId24"/>
-    <p:sldId id="271" r:id="rId25"/>
-    <p:sldId id="276" r:id="rId26"/>
-    <p:sldId id="273" r:id="rId27"/>
-    <p:sldId id="278" r:id="rId28"/>
-    <p:sldId id="265" r:id="rId29"/>
+    <p:sldId id="268" r:id="rId19"/>
+    <p:sldId id="272" r:id="rId20"/>
+    <p:sldId id="270" r:id="rId21"/>
+    <p:sldId id="271" r:id="rId22"/>
+    <p:sldId id="275" r:id="rId23"/>
+    <p:sldId id="269" r:id="rId24"/>
+    <p:sldId id="280" r:id="rId25"/>
+    <p:sldId id="281" r:id="rId26"/>
+    <p:sldId id="276" r:id="rId27"/>
+    <p:sldId id="273" r:id="rId28"/>
+    <p:sldId id="278" r:id="rId29"/>
+    <p:sldId id="265" r:id="rId30"/>
   </p:sldIdLst>
   <p:sldSz cx="9144000" cy="5143500" type="screen16x9"/>
   <p:notesSz cx="6858000" cy="9144000"/>
@@ -4081,17 +4082,18 @@
               <a:rPr lang="en-US" dirty="0" smtClean="0"/>
               <a:t>Your first </a:t>
             </a:r>
+            <a:r>
+              <a:rPr lang="en-US" dirty="0" smtClean="0"/>
+              <a:t> </a:t>
+            </a:r>
+            <a:r>
+              <a:rPr lang="en-US" dirty="0" smtClean="0"/>
+              <a:t/>
+            </a:r>
             <a:br>
               <a:rPr lang="en-US" dirty="0" smtClean="0"/>
             </a:br>
             <a:r>
-              <a:rPr lang="en-US" dirty="0" smtClean="0"/>
-              <a:t>multi-threaded </a:t>
-            </a:r>
-            <a:br>
-              <a:rPr lang="en-US" dirty="0" smtClean="0"/>
-            </a:br>
-            <a:r>
               <a:rPr lang="en-US" dirty="0" err="1" smtClean="0"/>
               <a:t>Kinect</a:t>
             </a:r>
@@ -4103,36 +4105,6 @@
           </a:p>
         </p:txBody>
       </p:sp>
-      <p:pic>
-        <p:nvPicPr>
-          <p:cNvPr id="3" name="Picture 2"/>
-          <p:cNvPicPr>
-            <a:picLocks noChangeAspect="1"/>
-          </p:cNvPicPr>
-          <p:nvPr/>
-        </p:nvPicPr>
-        <p:blipFill>
-          <a:blip r:embed="rId2">
-            <a:extLst>
-              <a:ext uri="{28A0092B-C50C-407E-A947-70E740481C1C}">
-                <a14:useLocalDpi xmlns:a14="http://schemas.microsoft.com/office/drawing/2010/main" val="0"/>
-              </a:ext>
-            </a:extLst>
-          </a:blip>
-          <a:stretch>
-            <a:fillRect/>
-          </a:stretch>
-        </p:blipFill>
-        <p:spPr>
-          <a:xfrm>
-            <a:off x="-3021106" y="0"/>
-            <a:ext cx="7745506" cy="5143500"/>
-          </a:xfrm>
-          <a:prstGeom prst="rect">
-            <a:avLst/>
-          </a:prstGeom>
-        </p:spPr>
-      </p:pic>
     </p:spTree>
     <p:extLst>
       <p:ext uri="{BB962C8B-B14F-4D97-AF65-F5344CB8AC3E}">
@@ -4250,7 +4222,14 @@
           <a:p>
             <a:r>
               <a:rPr lang="en-US" dirty="0" smtClean="0"/>
-              <a:t>Depth, Image, and Hand Generators</a:t>
+              <a:t>Gaining Focus for </a:t>
+            </a:r>
+            <a:br>
+              <a:rPr lang="en-US" dirty="0" smtClean="0"/>
+            </a:br>
+            <a:r>
+              <a:rPr lang="en-US" dirty="0" smtClean="0"/>
+              <a:t>Tracking and Gestures</a:t>
             </a:r>
             <a:endParaRPr lang="en-US" dirty="0"/>
           </a:p>
@@ -4259,7 +4238,7 @@
     </p:spTree>
     <p:extLst>
       <p:ext uri="{BB962C8B-B14F-4D97-AF65-F5344CB8AC3E}">
-        <p14:creationId xmlns:p14="http://schemas.microsoft.com/office/powerpoint/2010/main" val="1798223604"/>
+        <p14:creationId xmlns:p14="http://schemas.microsoft.com/office/powerpoint/2010/main" val="816407257"/>
       </p:ext>
     </p:extLst>
   </p:cSld>
@@ -4296,6 +4275,158 @@
             <p:ph type="title"/>
           </p:nvPr>
         </p:nvSpPr>
+        <p:spPr/>
+        <p:txBody>
+          <a:bodyPr>
+            <a:normAutofit fontScale="90000"/>
+          </a:bodyPr>
+          <a:lstStyle/>
+          <a:p>
+            <a:r>
+              <a:rPr lang="en-US" dirty="0" smtClean="0"/>
+              <a:t>Depth, Image, and Hand Generators</a:t>
+            </a:r>
+            <a:endParaRPr lang="en-US" dirty="0"/>
+          </a:p>
+        </p:txBody>
+      </p:sp>
+    </p:spTree>
+    <p:extLst>
+      <p:ext uri="{BB962C8B-B14F-4D97-AF65-F5344CB8AC3E}">
+        <p14:creationId xmlns:p14="http://schemas.microsoft.com/office/powerpoint/2010/main" val="1798223604"/>
+      </p:ext>
+    </p:extLst>
+  </p:cSld>
+  <p:clrMapOvr>
+    <a:masterClrMapping/>
+  </p:clrMapOvr>
+</p:sld>
+</file>
+
+<file path=ppt/slides/slide17.xml><?xml version="1.0" encoding="utf-8"?>
+<p:sld xmlns:a="http://schemas.openxmlformats.org/drawingml/2006/main" xmlns:r="http://schemas.openxmlformats.org/officeDocument/2006/relationships" xmlns:p="http://schemas.openxmlformats.org/presentationml/2006/main">
+  <p:cSld>
+    <p:spTree>
+      <p:nvGrpSpPr>
+        <p:cNvPr id="1" name=""/>
+        <p:cNvGrpSpPr/>
+        <p:nvPr/>
+      </p:nvGrpSpPr>
+      <p:grpSpPr>
+        <a:xfrm>
+          <a:off x="0" y="0"/>
+          <a:ext cx="0" cy="0"/>
+          <a:chOff x="0" y="0"/>
+          <a:chExt cx="0" cy="0"/>
+        </a:xfrm>
+      </p:grpSpPr>
+      <p:pic>
+        <p:nvPicPr>
+          <p:cNvPr id="3" name="Picture 2"/>
+          <p:cNvPicPr>
+            <a:picLocks noChangeAspect="1"/>
+          </p:cNvPicPr>
+          <p:nvPr/>
+        </p:nvPicPr>
+        <p:blipFill>
+          <a:blip r:embed="rId2">
+            <a:extLst>
+              <a:ext uri="{28A0092B-C50C-407E-A947-70E740481C1C}">
+                <a14:useLocalDpi xmlns:a14="http://schemas.microsoft.com/office/drawing/2010/main" val="0"/>
+              </a:ext>
+            </a:extLst>
+          </a:blip>
+          <a:stretch>
+            <a:fillRect/>
+          </a:stretch>
+        </p:blipFill>
+        <p:spPr>
+          <a:xfrm>
+            <a:off x="2438400" y="0"/>
+            <a:ext cx="6858000" cy="5143500"/>
+          </a:xfrm>
+          <a:prstGeom prst="rect">
+            <a:avLst/>
+          </a:prstGeom>
+        </p:spPr>
+      </p:pic>
+      <p:sp>
+        <p:nvSpPr>
+          <p:cNvPr id="4" name="Title 1"/>
+          <p:cNvSpPr>
+            <a:spLocks noGrp="1"/>
+          </p:cNvSpPr>
+          <p:nvPr>
+            <p:ph type="title"/>
+          </p:nvPr>
+        </p:nvSpPr>
+        <p:spPr>
+          <a:xfrm>
+            <a:off x="76200" y="1943100"/>
+            <a:ext cx="2286000" cy="857250"/>
+          </a:xfrm>
+        </p:spPr>
+        <p:txBody>
+          <a:bodyPr>
+            <a:normAutofit fontScale="90000"/>
+          </a:bodyPr>
+          <a:lstStyle/>
+          <a:p>
+            <a:r>
+              <a:rPr lang="en-US" dirty="0" smtClean="0"/>
+              <a:t>NITE Filters</a:t>
+            </a:r>
+            <a:endParaRPr lang="en-US" dirty="0"/>
+          </a:p>
+        </p:txBody>
+      </p:sp>
+    </p:spTree>
+    <p:extLst>
+      <p:ext uri="{BB962C8B-B14F-4D97-AF65-F5344CB8AC3E}">
+        <p14:creationId xmlns:p14="http://schemas.microsoft.com/office/powerpoint/2010/main" val="3204015138"/>
+      </p:ext>
+    </p:extLst>
+  </p:cSld>
+  <p:clrMapOvr>
+    <a:masterClrMapping/>
+  </p:clrMapOvr>
+  <p:timing>
+    <p:tnLst>
+      <p:par>
+        <p:cTn id="1" dur="indefinite" restart="never" nodeType="tmRoot"/>
+      </p:par>
+    </p:tnLst>
+  </p:timing>
+</p:sld>
+</file>
+
+<file path=ppt/slides/slide18.xml><?xml version="1.0" encoding="utf-8"?>
+<p:sld xmlns:a="http://schemas.openxmlformats.org/drawingml/2006/main" xmlns:r="http://schemas.openxmlformats.org/officeDocument/2006/relationships" xmlns:p="http://schemas.openxmlformats.org/presentationml/2006/main">
+  <p:cSld>
+    <p:spTree>
+      <p:nvGrpSpPr>
+        <p:cNvPr id="1" name=""/>
+        <p:cNvGrpSpPr/>
+        <p:nvPr/>
+      </p:nvGrpSpPr>
+      <p:grpSpPr>
+        <a:xfrm>
+          <a:off x="0" y="0"/>
+          <a:ext cx="0" cy="0"/>
+          <a:chOff x="0" y="0"/>
+          <a:chExt cx="0" cy="0"/>
+        </a:xfrm>
+      </p:grpSpPr>
+      <p:sp>
+        <p:nvSpPr>
+          <p:cNvPr id="2" name="Title 1"/>
+          <p:cNvSpPr>
+            <a:spLocks noGrp="1"/>
+          </p:cNvSpPr>
+          <p:nvPr>
+            <p:ph type="title"/>
+          </p:nvPr>
+        </p:nvSpPr>
         <p:spPr>
           <a:xfrm>
             <a:off x="4038600" y="1809750"/>
@@ -4304,20 +4435,17 @@
         </p:spPr>
         <p:txBody>
           <a:bodyPr>
-            <a:normAutofit fontScale="90000"/>
+            <a:normAutofit/>
           </a:bodyPr>
           <a:lstStyle/>
           <a:p>
             <a:r>
               <a:rPr lang="en-US" dirty="0" smtClean="0"/>
-              <a:t>Hand tracking</a:t>
-            </a:r>
-            <a:br>
+              <a:t>Hand </a:t>
+            </a:r>
+            <a:r>
               <a:rPr lang="en-US" dirty="0" smtClean="0"/>
-            </a:br>
-            <a:r>
-              <a:rPr lang="en-US" dirty="0" smtClean="0"/>
-              <a:t>(NITE)</a:t>
+              <a:t>tracking</a:t>
             </a:r>
             <a:endParaRPr lang="en-US" dirty="0"/>
           </a:p>
@@ -4373,104 +4501,7 @@
 </p:sld>
 </file>
 
-<file path=ppt/slides/slide17.xml><?xml version="1.0" encoding="utf-8"?>
-<p:sld xmlns:a="http://schemas.openxmlformats.org/drawingml/2006/main" xmlns:r="http://schemas.openxmlformats.org/officeDocument/2006/relationships" xmlns:p="http://schemas.openxmlformats.org/presentationml/2006/main">
-  <p:cSld>
-    <p:spTree>
-      <p:nvGrpSpPr>
-        <p:cNvPr id="1" name=""/>
-        <p:cNvGrpSpPr/>
-        <p:nvPr/>
-      </p:nvGrpSpPr>
-      <p:grpSpPr>
-        <a:xfrm>
-          <a:off x="0" y="0"/>
-          <a:ext cx="0" cy="0"/>
-          <a:chOff x="0" y="0"/>
-          <a:chExt cx="0" cy="0"/>
-        </a:xfrm>
-      </p:grpSpPr>
-      <p:pic>
-        <p:nvPicPr>
-          <p:cNvPr id="3" name="Picture 2"/>
-          <p:cNvPicPr>
-            <a:picLocks noChangeAspect="1"/>
-          </p:cNvPicPr>
-          <p:nvPr/>
-        </p:nvPicPr>
-        <p:blipFill>
-          <a:blip r:embed="rId2">
-            <a:extLst>
-              <a:ext uri="{28A0092B-C50C-407E-A947-70E740481C1C}">
-                <a14:useLocalDpi xmlns:a14="http://schemas.microsoft.com/office/drawing/2010/main" val="0"/>
-              </a:ext>
-            </a:extLst>
-          </a:blip>
-          <a:stretch>
-            <a:fillRect/>
-          </a:stretch>
-        </p:blipFill>
-        <p:spPr>
-          <a:xfrm>
-            <a:off x="2438400" y="0"/>
-            <a:ext cx="6858000" cy="5143500"/>
-          </a:xfrm>
-          <a:prstGeom prst="rect">
-            <a:avLst/>
-          </a:prstGeom>
-        </p:spPr>
-      </p:pic>
-      <p:sp>
-        <p:nvSpPr>
-          <p:cNvPr id="4" name="Title 1"/>
-          <p:cNvSpPr>
-            <a:spLocks noGrp="1"/>
-          </p:cNvSpPr>
-          <p:nvPr>
-            <p:ph type="title"/>
-          </p:nvPr>
-        </p:nvSpPr>
-        <p:spPr>
-          <a:xfrm>
-            <a:off x="76200" y="1943100"/>
-            <a:ext cx="2286000" cy="857250"/>
-          </a:xfrm>
-        </p:spPr>
-        <p:txBody>
-          <a:bodyPr>
-            <a:normAutofit fontScale="90000"/>
-          </a:bodyPr>
-          <a:lstStyle/>
-          <a:p>
-            <a:r>
-              <a:rPr lang="en-US" dirty="0" smtClean="0"/>
-              <a:t>NITE Filters</a:t>
-            </a:r>
-            <a:endParaRPr lang="en-US" dirty="0"/>
-          </a:p>
-        </p:txBody>
-      </p:sp>
-    </p:spTree>
-    <p:extLst>
-      <p:ext uri="{BB962C8B-B14F-4D97-AF65-F5344CB8AC3E}">
-        <p14:creationId xmlns:p14="http://schemas.microsoft.com/office/powerpoint/2010/main" val="3204015138"/>
-      </p:ext>
-    </p:extLst>
-  </p:cSld>
-  <p:clrMapOvr>
-    <a:masterClrMapping/>
-  </p:clrMapOvr>
-  <p:timing>
-    <p:tnLst>
-      <p:par>
-        <p:cTn id="1" dur="indefinite" restart="never" nodeType="tmRoot"/>
-      </p:par>
-    </p:tnLst>
-  </p:timing>
-</p:sld>
-</file>
-
-<file path=ppt/slides/slide18.xml><?xml version="1.0" encoding="utf-8"?>
+<file path=ppt/slides/slide19.xml><?xml version="1.0" encoding="utf-8"?>
 <p:sld xmlns:a="http://schemas.openxmlformats.org/drawingml/2006/main" xmlns:r="http://schemas.openxmlformats.org/officeDocument/2006/relationships" xmlns:p="http://schemas.openxmlformats.org/presentationml/2006/main">
   <p:cSld>
     <p:spTree>
@@ -4576,7 +4607,11 @@
           <a:p>
             <a:r>
               <a:rPr lang="en-US" dirty="0" smtClean="0"/>
-              <a:t>Multiple hands (NITE)</a:t>
+              <a:t>Multiple </a:t>
+            </a:r>
+            <a:r>
+              <a:rPr lang="en-US" dirty="0" smtClean="0"/>
+              <a:t>hands</a:t>
             </a:r>
             <a:endParaRPr lang="en-US" dirty="0"/>
           </a:p>
@@ -4602,7 +4637,71 @@
 </p:sld>
 </file>
 
-<file path=ppt/slides/slide19.xml><?xml version="1.0" encoding="utf-8"?>
+<file path=ppt/slides/slide2.xml><?xml version="1.0" encoding="utf-8"?>
+<p:sld xmlns:a="http://schemas.openxmlformats.org/drawingml/2006/main" xmlns:r="http://schemas.openxmlformats.org/officeDocument/2006/relationships" xmlns:p="http://schemas.openxmlformats.org/presentationml/2006/main">
+  <p:cSld>
+    <p:spTree>
+      <p:nvGrpSpPr>
+        <p:cNvPr id="1" name=""/>
+        <p:cNvGrpSpPr/>
+        <p:nvPr/>
+      </p:nvGrpSpPr>
+      <p:grpSpPr>
+        <a:xfrm>
+          <a:off x="0" y="0"/>
+          <a:ext cx="0" cy="0"/>
+          <a:chOff x="0" y="0"/>
+          <a:chExt cx="0" cy="0"/>
+        </a:xfrm>
+      </p:grpSpPr>
+      <p:sp>
+        <p:nvSpPr>
+          <p:cNvPr id="4" name="Title 3"/>
+          <p:cNvSpPr>
+            <a:spLocks noGrp="1"/>
+          </p:cNvSpPr>
+          <p:nvPr>
+            <p:ph type="title"/>
+          </p:nvPr>
+        </p:nvSpPr>
+        <p:spPr/>
+        <p:txBody>
+          <a:bodyPr/>
+          <a:lstStyle/>
+          <a:p>
+            <a:r>
+              <a:rPr lang="en-US" dirty="0" smtClean="0">
+                <a:latin typeface="+mn-lt"/>
+              </a:rPr>
+              <a:t>About the presenter</a:t>
+            </a:r>
+            <a:endParaRPr lang="en-US" dirty="0">
+              <a:latin typeface="+mn-lt"/>
+            </a:endParaRPr>
+          </a:p>
+        </p:txBody>
+      </p:sp>
+    </p:spTree>
+    <p:extLst>
+      <p:ext uri="{BB962C8B-B14F-4D97-AF65-F5344CB8AC3E}">
+        <p14:creationId xmlns:p14="http://schemas.microsoft.com/office/powerpoint/2010/main" val="1131898473"/>
+      </p:ext>
+    </p:extLst>
+  </p:cSld>
+  <p:clrMapOvr>
+    <a:masterClrMapping/>
+  </p:clrMapOvr>
+  <p:timing>
+    <p:tnLst>
+      <p:par>
+        <p:cTn id="1" dur="indefinite" restart="never" nodeType="tmRoot"/>
+      </p:par>
+    </p:tnLst>
+  </p:timing>
+</p:sld>
+</file>
+
+<file path=ppt/slides/slide20.xml><?xml version="1.0" encoding="utf-8"?>
 <p:sld xmlns:a="http://schemas.openxmlformats.org/drawingml/2006/main" xmlns:r="http://schemas.openxmlformats.org/officeDocument/2006/relationships" xmlns:p="http://schemas.openxmlformats.org/presentationml/2006/main">
   <p:cSld>
     <p:spTree>
@@ -4667,27 +4766,17 @@
         </p:spPr>
         <p:txBody>
           <a:bodyPr>
-            <a:normAutofit fontScale="90000"/>
+            <a:normAutofit/>
           </a:bodyPr>
           <a:lstStyle/>
           <a:p>
             <a:r>
               <a:rPr lang="en-US" dirty="0" smtClean="0"/>
-              <a:t>Cursor control</a:t>
-            </a:r>
-            <a:br>
+              <a:t>Cursor </a:t>
+            </a:r>
+            <a:r>
               <a:rPr lang="en-US" dirty="0" smtClean="0"/>
-            </a:br>
-            <a:r>
-              <a:rPr lang="en-US" dirty="0" smtClean="0"/>
-              <a:t>with</a:t>
-            </a:r>
-            <a:br>
-              <a:rPr lang="en-US" dirty="0" smtClean="0"/>
-            </a:br>
-            <a:r>
-              <a:rPr lang="en-US" dirty="0" smtClean="0"/>
-              <a:t>NITE</a:t>
+              <a:t>control</a:t>
             </a:r>
             <a:endParaRPr lang="en-US" dirty="0"/>
           </a:p>
@@ -4697,174 +4786,6 @@
     <p:extLst>
       <p:ext uri="{BB962C8B-B14F-4D97-AF65-F5344CB8AC3E}">
         <p14:creationId xmlns:p14="http://schemas.microsoft.com/office/powerpoint/2010/main" val="2908293680"/>
-      </p:ext>
-    </p:extLst>
-  </p:cSld>
-  <p:clrMapOvr>
-    <a:masterClrMapping/>
-  </p:clrMapOvr>
-  <p:timing>
-    <p:tnLst>
-      <p:par>
-        <p:cTn id="1" dur="indefinite" restart="never" nodeType="tmRoot"/>
-      </p:par>
-    </p:tnLst>
-  </p:timing>
-</p:sld>
-</file>
-
-<file path=ppt/slides/slide2.xml><?xml version="1.0" encoding="utf-8"?>
-<p:sld xmlns:a="http://schemas.openxmlformats.org/drawingml/2006/main" xmlns:r="http://schemas.openxmlformats.org/officeDocument/2006/relationships" xmlns:p="http://schemas.openxmlformats.org/presentationml/2006/main">
-  <p:cSld>
-    <p:spTree>
-      <p:nvGrpSpPr>
-        <p:cNvPr id="1" name=""/>
-        <p:cNvGrpSpPr/>
-        <p:nvPr/>
-      </p:nvGrpSpPr>
-      <p:grpSpPr>
-        <a:xfrm>
-          <a:off x="0" y="0"/>
-          <a:ext cx="0" cy="0"/>
-          <a:chOff x="0" y="0"/>
-          <a:chExt cx="0" cy="0"/>
-        </a:xfrm>
-      </p:grpSpPr>
-      <p:sp>
-        <p:nvSpPr>
-          <p:cNvPr id="4" name="Title 3"/>
-          <p:cNvSpPr>
-            <a:spLocks noGrp="1"/>
-          </p:cNvSpPr>
-          <p:nvPr>
-            <p:ph type="title"/>
-          </p:nvPr>
-        </p:nvSpPr>
-        <p:spPr/>
-        <p:txBody>
-          <a:bodyPr/>
-          <a:lstStyle/>
-          <a:p>
-            <a:r>
-              <a:rPr lang="en-US" dirty="0" smtClean="0">
-                <a:latin typeface="+mn-lt"/>
-              </a:rPr>
-              <a:t>About the presenter</a:t>
-            </a:r>
-            <a:endParaRPr lang="en-US" dirty="0">
-              <a:latin typeface="+mn-lt"/>
-            </a:endParaRPr>
-          </a:p>
-        </p:txBody>
-      </p:sp>
-    </p:spTree>
-    <p:extLst>
-      <p:ext uri="{BB962C8B-B14F-4D97-AF65-F5344CB8AC3E}">
-        <p14:creationId xmlns:p14="http://schemas.microsoft.com/office/powerpoint/2010/main" val="1131898473"/>
-      </p:ext>
-    </p:extLst>
-  </p:cSld>
-  <p:clrMapOvr>
-    <a:masterClrMapping/>
-  </p:clrMapOvr>
-</p:sld>
-</file>
-
-<file path=ppt/slides/slide20.xml><?xml version="1.0" encoding="utf-8"?>
-<p:sld xmlns:a="http://schemas.openxmlformats.org/drawingml/2006/main" xmlns:r="http://schemas.openxmlformats.org/officeDocument/2006/relationships" xmlns:p="http://schemas.openxmlformats.org/presentationml/2006/main">
-  <p:cSld>
-    <p:spTree>
-      <p:nvGrpSpPr>
-        <p:cNvPr id="1" name=""/>
-        <p:cNvGrpSpPr/>
-        <p:nvPr/>
-      </p:nvGrpSpPr>
-      <p:grpSpPr>
-        <a:xfrm>
-          <a:off x="0" y="0"/>
-          <a:ext cx="0" cy="0"/>
-          <a:chOff x="0" y="0"/>
-          <a:chExt cx="0" cy="0"/>
-        </a:xfrm>
-      </p:grpSpPr>
-      <p:pic>
-        <p:nvPicPr>
-          <p:cNvPr id="3" name="Picture 2"/>
-          <p:cNvPicPr>
-            <a:picLocks noChangeAspect="1"/>
-          </p:cNvPicPr>
-          <p:nvPr/>
-        </p:nvPicPr>
-        <p:blipFill>
-          <a:blip r:embed="rId2">
-            <a:extLst>
-              <a:ext uri="{28A0092B-C50C-407E-A947-70E740481C1C}">
-                <a14:useLocalDpi xmlns:a14="http://schemas.microsoft.com/office/drawing/2010/main" val="0"/>
-              </a:ext>
-            </a:extLst>
-          </a:blip>
-          <a:stretch>
-            <a:fillRect/>
-          </a:stretch>
-        </p:blipFill>
-        <p:spPr>
-          <a:xfrm>
-            <a:off x="-1752600" y="-57150"/>
-            <a:ext cx="6959600" cy="5219700"/>
-          </a:xfrm>
-          <a:prstGeom prst="rect">
-            <a:avLst/>
-          </a:prstGeom>
-        </p:spPr>
-      </p:pic>
-      <p:sp>
-        <p:nvSpPr>
-          <p:cNvPr id="4" name="Title 1"/>
-          <p:cNvSpPr>
-            <a:spLocks noGrp="1"/>
-          </p:cNvSpPr>
-          <p:nvPr>
-            <p:ph type="title"/>
-          </p:nvPr>
-        </p:nvSpPr>
-        <p:spPr>
-          <a:xfrm>
-            <a:off x="5486400" y="1562100"/>
-            <a:ext cx="3429000" cy="1619250"/>
-          </a:xfrm>
-        </p:spPr>
-        <p:txBody>
-          <a:bodyPr>
-            <a:normAutofit fontScale="90000"/>
-          </a:bodyPr>
-          <a:lstStyle/>
-          <a:p>
-            <a:r>
-              <a:rPr lang="en-US" dirty="0" smtClean="0"/>
-              <a:t>Cursor</a:t>
-            </a:r>
-            <a:br>
-              <a:rPr lang="en-US" dirty="0" smtClean="0"/>
-            </a:br>
-            <a:r>
-              <a:rPr lang="en-US" dirty="0" smtClean="0"/>
-              <a:t>Smoothing</a:t>
-            </a:r>
-            <a:br>
-              <a:rPr lang="en-US" dirty="0" smtClean="0"/>
-            </a:br>
-            <a:r>
-              <a:rPr lang="en-US" dirty="0" smtClean="0"/>
-              <a:t>(and scaling)</a:t>
-            </a:r>
-            <a:endParaRPr lang="en-US" dirty="0"/>
-          </a:p>
-        </p:txBody>
-      </p:sp>
-    </p:spTree>
-    <p:extLst>
-      <p:ext uri="{BB962C8B-B14F-4D97-AF65-F5344CB8AC3E}">
-        <p14:creationId xmlns:p14="http://schemas.microsoft.com/office/powerpoint/2010/main" val="567761821"/>
       </p:ext>
     </p:extLst>
   </p:cSld>
@@ -4908,12 +4829,7 @@
             <p:ph type="title"/>
           </p:nvPr>
         </p:nvSpPr>
-        <p:spPr>
-          <a:xfrm>
-            <a:off x="4800600" y="1943100"/>
-            <a:ext cx="3886200" cy="857250"/>
-          </a:xfrm>
-        </p:spPr>
+        <p:spPr/>
         <p:txBody>
           <a:bodyPr>
             <a:normAutofit fontScale="90000"/>
@@ -4922,53 +4838,23 @@
           <a:p>
             <a:r>
               <a:rPr lang="en-US" dirty="0" smtClean="0"/>
-              <a:t>Swiping</a:t>
+              <a:t>Two options for “clicking”:</a:t>
             </a:r>
             <a:br>
               <a:rPr lang="en-US" dirty="0" smtClean="0"/>
             </a:br>
             <a:r>
               <a:rPr lang="en-US" dirty="0" smtClean="0"/>
-              <a:t>(NITE)</a:t>
+              <a:t>Push and a WPF Behavior</a:t>
             </a:r>
             <a:endParaRPr lang="en-US" dirty="0"/>
           </a:p>
         </p:txBody>
       </p:sp>
-      <p:pic>
-        <p:nvPicPr>
-          <p:cNvPr id="5" name="Picture 4"/>
-          <p:cNvPicPr>
-            <a:picLocks noChangeAspect="1"/>
-          </p:cNvPicPr>
-          <p:nvPr/>
-        </p:nvPicPr>
-        <p:blipFill>
-          <a:blip r:embed="rId2">
-            <a:extLst>
-              <a:ext uri="{28A0092B-C50C-407E-A947-70E740481C1C}">
-                <a14:useLocalDpi xmlns:a14="http://schemas.microsoft.com/office/drawing/2010/main" val="0"/>
-              </a:ext>
-            </a:extLst>
-          </a:blip>
-          <a:stretch>
-            <a:fillRect/>
-          </a:stretch>
-        </p:blipFill>
-        <p:spPr>
-          <a:xfrm>
-            <a:off x="-1" y="0"/>
-            <a:ext cx="4498041" cy="5143500"/>
-          </a:xfrm>
-          <a:prstGeom prst="rect">
-            <a:avLst/>
-          </a:prstGeom>
-        </p:spPr>
-      </p:pic>
     </p:spTree>
     <p:extLst>
       <p:ext uri="{BB962C8B-B14F-4D97-AF65-F5344CB8AC3E}">
-        <p14:creationId xmlns:p14="http://schemas.microsoft.com/office/powerpoint/2010/main" val="3445804590"/>
+        <p14:creationId xmlns:p14="http://schemas.microsoft.com/office/powerpoint/2010/main" val="4144750114"/>
       </p:ext>
     </p:extLst>
   </p:cSld>
@@ -5024,8 +4910,8 @@
         </p:blipFill>
         <p:spPr>
           <a:xfrm>
-            <a:off x="6216805" y="0"/>
-            <a:ext cx="2927195" cy="5143500"/>
+            <a:off x="-1752600" y="-57150"/>
+            <a:ext cx="6959600" cy="5219700"/>
           </a:xfrm>
           <a:prstGeom prst="rect">
             <a:avLst/>
@@ -5044,34 +4930,26 @@
         </p:nvSpPr>
         <p:spPr>
           <a:xfrm>
-            <a:off x="1143000" y="2143125"/>
-            <a:ext cx="3886200" cy="857250"/>
+            <a:off x="5486400" y="1562100"/>
+            <a:ext cx="3429000" cy="1619250"/>
           </a:xfrm>
         </p:spPr>
         <p:txBody>
           <a:bodyPr>
-            <a:normAutofit fontScale="90000"/>
+            <a:normAutofit/>
           </a:bodyPr>
           <a:lstStyle/>
           <a:p>
             <a:r>
               <a:rPr lang="en-US" dirty="0" smtClean="0"/>
-              <a:t>User Skeletons</a:t>
+              <a:t>Cursor</a:t>
             </a:r>
             <a:br>
               <a:rPr lang="en-US" dirty="0" smtClean="0"/>
             </a:br>
             <a:r>
               <a:rPr lang="en-US" dirty="0" smtClean="0"/>
-              <a:t>(</a:t>
-            </a:r>
-            <a:r>
-              <a:rPr lang="en-US" dirty="0" err="1" smtClean="0"/>
-              <a:t>OpenNI</a:t>
-            </a:r>
-            <a:r>
-              <a:rPr lang="en-US" dirty="0" smtClean="0"/>
-              <a:t>)</a:t>
+              <a:t>Smoothing</a:t>
             </a:r>
             <a:endParaRPr lang="en-US" dirty="0"/>
           </a:p>
@@ -5080,7 +4958,7 @@
     </p:spTree>
     <p:extLst>
       <p:ext uri="{BB962C8B-B14F-4D97-AF65-F5344CB8AC3E}">
-        <p14:creationId xmlns:p14="http://schemas.microsoft.com/office/powerpoint/2010/main" val="3307906043"/>
+        <p14:creationId xmlns:p14="http://schemas.microsoft.com/office/powerpoint/2010/main" val="567761821"/>
       </p:ext>
     </p:extLst>
   </p:cSld>
@@ -5124,25 +5002,73 @@
             <p:ph type="title"/>
           </p:nvPr>
         </p:nvSpPr>
-        <p:spPr/>
-        <p:txBody>
-          <a:bodyPr/>
-          <a:lstStyle/>
-          <a:p>
-            <a:endParaRPr lang="en-US"/>
-          </a:p>
-        </p:txBody>
-      </p:sp>
+        <p:spPr>
+          <a:xfrm>
+            <a:off x="4800600" y="1943100"/>
+            <a:ext cx="3886200" cy="857250"/>
+          </a:xfrm>
+        </p:spPr>
+        <p:txBody>
+          <a:bodyPr>
+            <a:normAutofit/>
+          </a:bodyPr>
+          <a:lstStyle/>
+          <a:p>
+            <a:r>
+              <a:rPr lang="en-US" dirty="0" smtClean="0"/>
+              <a:t>Swiping</a:t>
+            </a:r>
+            <a:endParaRPr lang="en-US" dirty="0"/>
+          </a:p>
+        </p:txBody>
+      </p:sp>
+      <p:pic>
+        <p:nvPicPr>
+          <p:cNvPr id="5" name="Picture 4"/>
+          <p:cNvPicPr>
+            <a:picLocks noChangeAspect="1"/>
+          </p:cNvPicPr>
+          <p:nvPr/>
+        </p:nvPicPr>
+        <p:blipFill>
+          <a:blip r:embed="rId2">
+            <a:extLst>
+              <a:ext uri="{28A0092B-C50C-407E-A947-70E740481C1C}">
+                <a14:useLocalDpi xmlns:a14="http://schemas.microsoft.com/office/drawing/2010/main" val="0"/>
+              </a:ext>
+            </a:extLst>
+          </a:blip>
+          <a:stretch>
+            <a:fillRect/>
+          </a:stretch>
+        </p:blipFill>
+        <p:spPr>
+          <a:xfrm>
+            <a:off x="-1" y="0"/>
+            <a:ext cx="4498041" cy="5143500"/>
+          </a:xfrm>
+          <a:prstGeom prst="rect">
+            <a:avLst/>
+          </a:prstGeom>
+        </p:spPr>
+      </p:pic>
     </p:spTree>
     <p:extLst>
       <p:ext uri="{BB962C8B-B14F-4D97-AF65-F5344CB8AC3E}">
-        <p14:creationId xmlns:p14="http://schemas.microsoft.com/office/powerpoint/2010/main" val="2802289633"/>
+        <p14:creationId xmlns:p14="http://schemas.microsoft.com/office/powerpoint/2010/main" val="3445804590"/>
       </p:ext>
     </p:extLst>
   </p:cSld>
   <p:clrMapOvr>
     <a:masterClrMapping/>
   </p:clrMapOvr>
+  <p:timing>
+    <p:tnLst>
+      <p:par>
+        <p:cTn id="1" dur="indefinite" restart="never" nodeType="tmRoot"/>
+      </p:par>
+    </p:tnLst>
+  </p:timing>
 </p:sld>
 </file>
 
@@ -5163,9 +5089,39 @@
           <a:chExt cx="0" cy="0"/>
         </a:xfrm>
       </p:grpSpPr>
-      <p:sp>
-        <p:nvSpPr>
-          <p:cNvPr id="2" name="Title 1"/>
+      <p:pic>
+        <p:nvPicPr>
+          <p:cNvPr id="3" name="Picture 2"/>
+          <p:cNvPicPr>
+            <a:picLocks noChangeAspect="1"/>
+          </p:cNvPicPr>
+          <p:nvPr/>
+        </p:nvPicPr>
+        <p:blipFill>
+          <a:blip r:embed="rId2">
+            <a:extLst>
+              <a:ext uri="{28A0092B-C50C-407E-A947-70E740481C1C}">
+                <a14:useLocalDpi xmlns:a14="http://schemas.microsoft.com/office/drawing/2010/main" val="0"/>
+              </a:ext>
+            </a:extLst>
+          </a:blip>
+          <a:stretch>
+            <a:fillRect/>
+          </a:stretch>
+        </p:blipFill>
+        <p:spPr>
+          <a:xfrm>
+            <a:off x="6216805" y="0"/>
+            <a:ext cx="2927195" cy="5143500"/>
+          </a:xfrm>
+          <a:prstGeom prst="rect">
+            <a:avLst/>
+          </a:prstGeom>
+        </p:spPr>
+      </p:pic>
+      <p:sp>
+        <p:nvSpPr>
+          <p:cNvPr id="4" name="Title 1"/>
           <p:cNvSpPr>
             <a:spLocks noGrp="1"/>
           </p:cNvSpPr>
@@ -5173,23 +5129,25 @@
             <p:ph type="title"/>
           </p:nvPr>
         </p:nvSpPr>
-        <p:spPr/>
+        <p:spPr>
+          <a:xfrm>
+            <a:off x="1143000" y="2143125"/>
+            <a:ext cx="3886200" cy="857250"/>
+          </a:xfrm>
+        </p:spPr>
         <p:txBody>
           <a:bodyPr>
-            <a:normAutofit fontScale="90000"/>
+            <a:normAutofit/>
           </a:bodyPr>
           <a:lstStyle/>
           <a:p>
             <a:r>
               <a:rPr lang="en-US" dirty="0" smtClean="0"/>
-              <a:t>Two options for “clicking”:</a:t>
-            </a:r>
-            <a:br>
+              <a:t>User </a:t>
+            </a:r>
+            <a:r>
               <a:rPr lang="en-US" dirty="0" smtClean="0"/>
-            </a:br>
-            <a:r>
-              <a:rPr lang="en-US" dirty="0" smtClean="0"/>
-              <a:t>Push and a WPF Behavior</a:t>
+              <a:t>Skeletons</a:t>
             </a:r>
             <a:endParaRPr lang="en-US" dirty="0"/>
           </a:p>
@@ -5198,7 +5156,7 @@
     </p:spTree>
     <p:extLst>
       <p:ext uri="{BB962C8B-B14F-4D97-AF65-F5344CB8AC3E}">
-        <p14:creationId xmlns:p14="http://schemas.microsoft.com/office/powerpoint/2010/main" val="4144750114"/>
+        <p14:creationId xmlns:p14="http://schemas.microsoft.com/office/powerpoint/2010/main" val="3307906043"/>
       </p:ext>
     </p:extLst>
   </p:cSld>
@@ -5216,6 +5174,55 @@
 </file>
 
 <file path=ppt/slides/slide25.xml><?xml version="1.0" encoding="utf-8"?>
+<p:sld xmlns:a="http://schemas.openxmlformats.org/drawingml/2006/main" xmlns:r="http://schemas.openxmlformats.org/officeDocument/2006/relationships" xmlns:p="http://schemas.openxmlformats.org/presentationml/2006/main">
+  <p:cSld>
+    <p:spTree>
+      <p:nvGrpSpPr>
+        <p:cNvPr id="1" name=""/>
+        <p:cNvGrpSpPr/>
+        <p:nvPr/>
+      </p:nvGrpSpPr>
+      <p:grpSpPr>
+        <a:xfrm>
+          <a:off x="0" y="0"/>
+          <a:ext cx="0" cy="0"/>
+          <a:chOff x="0" y="0"/>
+          <a:chExt cx="0" cy="0"/>
+        </a:xfrm>
+      </p:grpSpPr>
+      <p:sp>
+        <p:nvSpPr>
+          <p:cNvPr id="2" name="Title 1"/>
+          <p:cNvSpPr>
+            <a:spLocks noGrp="1"/>
+          </p:cNvSpPr>
+          <p:nvPr>
+            <p:ph type="title"/>
+          </p:nvPr>
+        </p:nvSpPr>
+        <p:spPr/>
+        <p:txBody>
+          <a:bodyPr/>
+          <a:lstStyle/>
+          <a:p>
+            <a:endParaRPr lang="en-US"/>
+          </a:p>
+        </p:txBody>
+      </p:sp>
+    </p:spTree>
+    <p:extLst>
+      <p:ext uri="{BB962C8B-B14F-4D97-AF65-F5344CB8AC3E}">
+        <p14:creationId xmlns:p14="http://schemas.microsoft.com/office/powerpoint/2010/main" val="2802289633"/>
+      </p:ext>
+    </p:extLst>
+  </p:cSld>
+  <p:clrMapOvr>
+    <a:masterClrMapping/>
+  </p:clrMapOvr>
+</p:sld>
+</file>
+
+<file path=ppt/slides/slide26.xml><?xml version="1.0" encoding="utf-8"?>
 <p:sld xmlns:a="http://schemas.openxmlformats.org/drawingml/2006/main" xmlns:r="http://schemas.openxmlformats.org/officeDocument/2006/relationships" xmlns:p="http://schemas.openxmlformats.org/presentationml/2006/main">
   <p:cSld>
     <p:spTree>
@@ -5310,7 +5317,7 @@
 </p:sld>
 </file>
 
-<file path=ppt/slides/slide26.xml><?xml version="1.0" encoding="utf-8"?>
+<file path=ppt/slides/slide27.xml><?xml version="1.0" encoding="utf-8"?>
 <p:sld xmlns:a="http://schemas.openxmlformats.org/drawingml/2006/main" xmlns:r="http://schemas.openxmlformats.org/officeDocument/2006/relationships" xmlns:p="http://schemas.openxmlformats.org/presentationml/2006/main">
   <p:cSld>
     <p:bg>
@@ -5472,7 +5479,7 @@
 </p:sld>
 </file>
 
-<file path=ppt/slides/slide27.xml><?xml version="1.0" encoding="utf-8"?>
+<file path=ppt/slides/slide28.xml><?xml version="1.0" encoding="utf-8"?>
 <p:sld xmlns:a="http://schemas.openxmlformats.org/drawingml/2006/main" xmlns:r="http://schemas.openxmlformats.org/officeDocument/2006/relationships" xmlns:p="http://schemas.openxmlformats.org/presentationml/2006/main">
   <p:cSld>
     <p:spTree>
@@ -5562,7 +5569,7 @@
 </p:sld>
 </file>
 
-<file path=ppt/slides/slide28.xml><?xml version="1.0" encoding="utf-8"?>
+<file path=ppt/slides/slide29.xml><?xml version="1.0" encoding="utf-8"?>
 <p:sld xmlns:a="http://schemas.openxmlformats.org/drawingml/2006/main" xmlns:r="http://schemas.openxmlformats.org/officeDocument/2006/relationships" xmlns:p="http://schemas.openxmlformats.org/presentationml/2006/main">
   <p:cSld>
     <p:spTree>

--- a/slides/KinectDev.pptx
+++ b/slides/KinectDev.pptx
@@ -10,30 +10,31 @@
     <p:sldId id="258" r:id="rId4"/>
     <p:sldId id="259" r:id="rId5"/>
     <p:sldId id="260" r:id="rId6"/>
-    <p:sldId id="262" r:id="rId7"/>
-    <p:sldId id="261" r:id="rId8"/>
-    <p:sldId id="264" r:id="rId9"/>
-    <p:sldId id="266" r:id="rId10"/>
-    <p:sldId id="263" r:id="rId11"/>
-    <p:sldId id="279" r:id="rId12"/>
+    <p:sldId id="287" r:id="rId7"/>
+    <p:sldId id="262" r:id="rId8"/>
+    <p:sldId id="261" r:id="rId9"/>
+    <p:sldId id="264" r:id="rId10"/>
+    <p:sldId id="266" r:id="rId11"/>
+    <p:sldId id="263" r:id="rId12"/>
     <p:sldId id="282" r:id="rId13"/>
-    <p:sldId id="267" r:id="rId14"/>
-    <p:sldId id="283" r:id="rId15"/>
-    <p:sldId id="285" r:id="rId16"/>
-    <p:sldId id="284" r:id="rId17"/>
-    <p:sldId id="277" r:id="rId18"/>
-    <p:sldId id="268" r:id="rId19"/>
-    <p:sldId id="272" r:id="rId20"/>
-    <p:sldId id="270" r:id="rId21"/>
-    <p:sldId id="271" r:id="rId22"/>
-    <p:sldId id="275" r:id="rId23"/>
-    <p:sldId id="269" r:id="rId24"/>
-    <p:sldId id="280" r:id="rId25"/>
-    <p:sldId id="281" r:id="rId26"/>
-    <p:sldId id="276" r:id="rId27"/>
-    <p:sldId id="273" r:id="rId28"/>
-    <p:sldId id="278" r:id="rId29"/>
-    <p:sldId id="265" r:id="rId30"/>
+    <p:sldId id="286" r:id="rId14"/>
+    <p:sldId id="267" r:id="rId15"/>
+    <p:sldId id="283" r:id="rId16"/>
+    <p:sldId id="285" r:id="rId17"/>
+    <p:sldId id="284" r:id="rId18"/>
+    <p:sldId id="277" r:id="rId19"/>
+    <p:sldId id="268" r:id="rId20"/>
+    <p:sldId id="272" r:id="rId21"/>
+    <p:sldId id="270" r:id="rId22"/>
+    <p:sldId id="271" r:id="rId23"/>
+    <p:sldId id="275" r:id="rId24"/>
+    <p:sldId id="269" r:id="rId25"/>
+    <p:sldId id="280" r:id="rId26"/>
+    <p:sldId id="281" r:id="rId27"/>
+    <p:sldId id="276" r:id="rId28"/>
+    <p:sldId id="273" r:id="rId29"/>
+    <p:sldId id="278" r:id="rId30"/>
+    <p:sldId id="265" r:id="rId31"/>
   </p:sldIdLst>
   <p:sldSz cx="9144000" cy="5143500" type="screen16x9"/>
   <p:notesSz cx="6858000" cy="9144000"/>
@@ -316,7 +317,7 @@
           <a:p>
             <a:fld id="{FC297B9E-3E3D-4EBC-B0B3-35943A059388}" type="datetimeFigureOut">
               <a:rPr lang="en-US" smtClean="0"/>
-              <a:t>3/16/2011</a:t>
+              <a:t>3/24/2011</a:t>
             </a:fld>
             <a:endParaRPr lang="en-US"/>
           </a:p>
@@ -486,7 +487,7 @@
           <a:p>
             <a:fld id="{FC297B9E-3E3D-4EBC-B0B3-35943A059388}" type="datetimeFigureOut">
               <a:rPr lang="en-US" smtClean="0"/>
-              <a:t>3/16/2011</a:t>
+              <a:t>3/24/2011</a:t>
             </a:fld>
             <a:endParaRPr lang="en-US"/>
           </a:p>
@@ -666,7 +667,7 @@
           <a:p>
             <a:fld id="{FC297B9E-3E3D-4EBC-B0B3-35943A059388}" type="datetimeFigureOut">
               <a:rPr lang="en-US" smtClean="0"/>
-              <a:t>3/16/2011</a:t>
+              <a:t>3/24/2011</a:t>
             </a:fld>
             <a:endParaRPr lang="en-US"/>
           </a:p>
@@ -836,7 +837,7 @@
           <a:p>
             <a:fld id="{FC297B9E-3E3D-4EBC-B0B3-35943A059388}" type="datetimeFigureOut">
               <a:rPr lang="en-US" smtClean="0"/>
-              <a:t>3/16/2011</a:t>
+              <a:t>3/24/2011</a:t>
             </a:fld>
             <a:endParaRPr lang="en-US"/>
           </a:p>
@@ -1082,7 +1083,7 @@
           <a:p>
             <a:fld id="{FC297B9E-3E3D-4EBC-B0B3-35943A059388}" type="datetimeFigureOut">
               <a:rPr lang="en-US" smtClean="0"/>
-              <a:t>3/16/2011</a:t>
+              <a:t>3/24/2011</a:t>
             </a:fld>
             <a:endParaRPr lang="en-US"/>
           </a:p>
@@ -1370,7 +1371,7 @@
           <a:p>
             <a:fld id="{FC297B9E-3E3D-4EBC-B0B3-35943A059388}" type="datetimeFigureOut">
               <a:rPr lang="en-US" smtClean="0"/>
-              <a:t>3/16/2011</a:t>
+              <a:t>3/24/2011</a:t>
             </a:fld>
             <a:endParaRPr lang="en-US"/>
           </a:p>
@@ -1792,7 +1793,7 @@
           <a:p>
             <a:fld id="{FC297B9E-3E3D-4EBC-B0B3-35943A059388}" type="datetimeFigureOut">
               <a:rPr lang="en-US" smtClean="0"/>
-              <a:t>3/16/2011</a:t>
+              <a:t>3/24/2011</a:t>
             </a:fld>
             <a:endParaRPr lang="en-US"/>
           </a:p>
@@ -1915,7 +1916,7 @@
           <a:p>
             <a:fld id="{FC297B9E-3E3D-4EBC-B0B3-35943A059388}" type="datetimeFigureOut">
               <a:rPr lang="en-US" smtClean="0"/>
-              <a:t>3/16/2011</a:t>
+              <a:t>3/24/2011</a:t>
             </a:fld>
             <a:endParaRPr lang="en-US"/>
           </a:p>
@@ -2010,7 +2011,7 @@
           <a:p>
             <a:fld id="{FC297B9E-3E3D-4EBC-B0B3-35943A059388}" type="datetimeFigureOut">
               <a:rPr lang="en-US" smtClean="0"/>
-              <a:t>3/16/2011</a:t>
+              <a:t>3/24/2011</a:t>
             </a:fld>
             <a:endParaRPr lang="en-US"/>
           </a:p>
@@ -2287,7 +2288,7 @@
           <a:p>
             <a:fld id="{FC297B9E-3E3D-4EBC-B0B3-35943A059388}" type="datetimeFigureOut">
               <a:rPr lang="en-US" smtClean="0"/>
-              <a:t>3/16/2011</a:t>
+              <a:t>3/24/2011</a:t>
             </a:fld>
             <a:endParaRPr lang="en-US"/>
           </a:p>
@@ -2540,7 +2541,7 @@
           <a:p>
             <a:fld id="{FC297B9E-3E3D-4EBC-B0B3-35943A059388}" type="datetimeFigureOut">
               <a:rPr lang="en-US" smtClean="0"/>
-              <a:t>3/16/2011</a:t>
+              <a:t>3/24/2011</a:t>
             </a:fld>
             <a:endParaRPr lang="en-US"/>
           </a:p>
@@ -2772,7 +2773,7 @@
           <a:p>
             <a:fld id="{FC297B9E-3E3D-4EBC-B0B3-35943A059388}" type="datetimeFigureOut">
               <a:rPr lang="en-US" smtClean="0"/>
-              <a:t>3/16/2011</a:t>
+              <a:t>3/24/2011</a:t>
             </a:fld>
             <a:endParaRPr lang="en-US"/>
           </a:p>
@@ -3303,46 +3304,120 @@
           <a:chExt cx="0" cy="0"/>
         </a:xfrm>
       </p:grpSpPr>
-      <p:sp>
-        <p:nvSpPr>
-          <p:cNvPr id="2" name="Title 1"/>
-          <p:cNvSpPr>
-            <a:spLocks noGrp="1"/>
-          </p:cNvSpPr>
-          <p:nvPr>
-            <p:ph type="title"/>
-          </p:nvPr>
-        </p:nvSpPr>
-        <p:spPr>
-          <a:xfrm>
-            <a:off x="457200" y="1943100"/>
-            <a:ext cx="8229600" cy="857250"/>
-          </a:xfrm>
-        </p:spPr>
-        <p:txBody>
-          <a:bodyPr>
-            <a:normAutofit fontScale="90000"/>
+      <p:pic>
+        <p:nvPicPr>
+          <p:cNvPr id="2" name="Picture 1"/>
+          <p:cNvPicPr>
+            <a:picLocks noChangeAspect="1"/>
+          </p:cNvPicPr>
+          <p:nvPr/>
+        </p:nvPicPr>
+        <p:blipFill>
+          <a:blip r:embed="rId2" cstate="print">
+            <a:extLst>
+              <a:ext uri="{28A0092B-C50C-407E-A947-70E740481C1C}">
+                <a14:useLocalDpi xmlns:a14="http://schemas.microsoft.com/office/drawing/2010/main" val="0"/>
+              </a:ext>
+            </a:extLst>
+          </a:blip>
+          <a:stretch>
+            <a:fillRect/>
+          </a:stretch>
+        </p:blipFill>
+        <p:spPr>
+          <a:xfrm>
+            <a:off x="0" y="-1"/>
+            <a:ext cx="3962400" cy="5164839"/>
+          </a:xfrm>
+          <a:prstGeom prst="rect">
+            <a:avLst/>
+          </a:prstGeom>
+        </p:spPr>
+      </p:pic>
+      <p:sp>
+        <p:nvSpPr>
+          <p:cNvPr id="3" name="Title 1"/>
+          <p:cNvSpPr txBox="1">
+            <a:spLocks/>
+          </p:cNvSpPr>
+          <p:nvPr/>
+        </p:nvSpPr>
+        <p:spPr>
+          <a:xfrm>
+            <a:off x="4191000" y="1733550"/>
+            <a:ext cx="4724400" cy="990600"/>
+          </a:xfrm>
+          <a:prstGeom prst="rect">
+            <a:avLst/>
+          </a:prstGeom>
+        </p:spPr>
+        <p:txBody>
+          <a:bodyPr/>
+          <a:lstStyle>
+            <a:lvl1pPr algn="ctr" defTabSz="914400" rtl="0" eaLnBrk="1" latinLnBrk="0" hangingPunct="1">
+              <a:spcBef>
+                <a:spcPct val="0"/>
+              </a:spcBef>
+              <a:buNone/>
+              <a:defRPr sz="4400" kern="1200">
+                <a:solidFill>
+                  <a:schemeClr val="tx1"/>
+                </a:solidFill>
+                <a:latin typeface="+mj-lt"/>
+                <a:ea typeface="+mj-ea"/>
+                <a:cs typeface="+mj-cs"/>
+              </a:defRPr>
+            </a:lvl1pPr>
+          </a:lstStyle>
+          <a:p>
+            <a:r>
+              <a:rPr lang="en-US" dirty="0" smtClean="0"/>
+              <a:t>Support</a:t>
+            </a:r>
+            <a:endParaRPr lang="en-US" dirty="0"/>
+          </a:p>
+        </p:txBody>
+      </p:sp>
+      <p:sp>
+        <p:nvSpPr>
+          <p:cNvPr id="4" name="TextBox 3"/>
+          <p:cNvSpPr txBox="1"/>
+          <p:nvPr/>
+        </p:nvSpPr>
+        <p:spPr>
+          <a:xfrm>
+            <a:off x="4658194" y="3028950"/>
+            <a:ext cx="3783600" cy="646331"/>
+          </a:xfrm>
+          <a:prstGeom prst="rect">
+            <a:avLst/>
+          </a:prstGeom>
+          <a:noFill/>
+        </p:spPr>
+        <p:txBody>
+          <a:bodyPr wrap="none" rtlCol="0">
+            <a:spAutoFit/>
           </a:bodyPr>
           <a:lstStyle/>
           <a:p>
             <a:r>
               <a:rPr lang="en-US" dirty="0" smtClean="0"/>
-              <a:t>Installing </a:t>
+              <a:t>groups.google.com/group/</a:t>
             </a:r>
             <a:r>
               <a:rPr lang="en-US" dirty="0" err="1" smtClean="0"/>
-              <a:t>OpenNI</a:t>
-            </a:r>
-            <a:r>
-              <a:rPr lang="en-US" dirty="0" smtClean="0"/>
-              <a:t> and NITE </a:t>
-            </a:r>
-            <a:br>
-              <a:rPr lang="en-US" dirty="0" smtClean="0"/>
-            </a:br>
-            <a:r>
-              <a:rPr lang="en-US" dirty="0" smtClean="0"/>
-              <a:t>on Windows 7</a:t>
+              <a:t>openni-dev</a:t>
+            </a:r>
+            <a:endParaRPr lang="en-US" dirty="0"/>
+          </a:p>
+          <a:p>
+            <a:r>
+              <a:rPr lang="en-US" dirty="0"/>
+              <a:t>groups.google.com/group/</a:t>
+            </a:r>
+            <a:r>
+              <a:rPr lang="en-US" dirty="0" err="1"/>
+              <a:t>openkinect</a:t>
             </a:r>
             <a:endParaRPr lang="en-US" dirty="0"/>
           </a:p>
@@ -3351,7 +3426,7 @@
     </p:spTree>
     <p:extLst>
       <p:ext uri="{BB962C8B-B14F-4D97-AF65-F5344CB8AC3E}">
-        <p14:creationId xmlns:p14="http://schemas.microsoft.com/office/powerpoint/2010/main" val="273336255"/>
+        <p14:creationId xmlns:p14="http://schemas.microsoft.com/office/powerpoint/2010/main" val="2923332028"/>
       </p:ext>
     </p:extLst>
   </p:cSld>
@@ -3395,7 +3470,12 @@
             <p:ph type="title"/>
           </p:nvPr>
         </p:nvSpPr>
-        <p:spPr/>
+        <p:spPr>
+          <a:xfrm>
+            <a:off x="457200" y="1943100"/>
+            <a:ext cx="8229600" cy="857250"/>
+          </a:xfrm>
+        </p:spPr>
         <p:txBody>
           <a:bodyPr>
             <a:normAutofit fontScale="90000"/>
@@ -3404,15 +3484,7 @@
           <a:p>
             <a:r>
               <a:rPr lang="en-US" dirty="0" smtClean="0"/>
-              <a:t>Difference between </a:t>
-            </a:r>
-            <a:r>
-              <a:rPr lang="en-US" dirty="0" err="1" smtClean="0"/>
-              <a:t>PrimeSense</a:t>
-            </a:r>
-            <a:r>
-              <a:rPr lang="en-US" dirty="0" smtClean="0"/>
-              <a:t> driver, </a:t>
+              <a:t>Installing </a:t>
             </a:r>
             <a:r>
               <a:rPr lang="en-US" dirty="0" err="1" smtClean="0"/>
@@ -3420,7 +3492,14 @@
             </a:r>
             <a:r>
               <a:rPr lang="en-US" dirty="0" smtClean="0"/>
-              <a:t>, and NITE</a:t>
+              <a:t> and NITE </a:t>
+            </a:r>
+            <a:br>
+              <a:rPr lang="en-US" dirty="0" smtClean="0"/>
+            </a:br>
+            <a:r>
+              <a:rPr lang="en-US" dirty="0" smtClean="0"/>
+              <a:t>on Windows 7</a:t>
             </a:r>
             <a:endParaRPr lang="en-US" dirty="0"/>
           </a:p>
@@ -3429,7 +3508,7 @@
     </p:spTree>
     <p:extLst>
       <p:ext uri="{BB962C8B-B14F-4D97-AF65-F5344CB8AC3E}">
-        <p14:creationId xmlns:p14="http://schemas.microsoft.com/office/powerpoint/2010/main" val="2907552205"/>
+        <p14:creationId xmlns:p14="http://schemas.microsoft.com/office/powerpoint/2010/main" val="273336255"/>
       </p:ext>
     </p:extLst>
   </p:cSld>
@@ -4056,6 +4135,160 @@
           <a:chExt cx="0" cy="0"/>
         </a:xfrm>
       </p:grpSpPr>
+      <p:pic>
+        <p:nvPicPr>
+          <p:cNvPr id="2" name="Picture 1"/>
+          <p:cNvPicPr>
+            <a:picLocks noChangeAspect="1"/>
+          </p:cNvPicPr>
+          <p:nvPr/>
+        </p:nvPicPr>
+        <p:blipFill>
+          <a:blip r:embed="rId2" cstate="print">
+            <a:extLst>
+              <a:ext uri="{28A0092B-C50C-407E-A947-70E740481C1C}">
+                <a14:useLocalDpi xmlns:a14="http://schemas.microsoft.com/office/drawing/2010/main" val="0"/>
+              </a:ext>
+            </a:extLst>
+          </a:blip>
+          <a:stretch>
+            <a:fillRect/>
+          </a:stretch>
+        </p:blipFill>
+        <p:spPr>
+          <a:xfrm>
+            <a:off x="0" y="-1"/>
+            <a:ext cx="3962400" cy="5164839"/>
+          </a:xfrm>
+          <a:prstGeom prst="rect">
+            <a:avLst/>
+          </a:prstGeom>
+        </p:spPr>
+      </p:pic>
+      <p:sp>
+        <p:nvSpPr>
+          <p:cNvPr id="3" name="Title 1"/>
+          <p:cNvSpPr txBox="1">
+            <a:spLocks/>
+          </p:cNvSpPr>
+          <p:nvPr/>
+        </p:nvSpPr>
+        <p:spPr>
+          <a:xfrm>
+            <a:off x="3962400" y="0"/>
+            <a:ext cx="5181600" cy="5143500"/>
+          </a:xfrm>
+          <a:prstGeom prst="rect">
+            <a:avLst/>
+          </a:prstGeom>
+        </p:spPr>
+        <p:txBody>
+          <a:bodyPr anchor="ctr" anchorCtr="0">
+            <a:normAutofit fontScale="92500" lnSpcReduction="20000"/>
+          </a:bodyPr>
+          <a:lstStyle>
+            <a:lvl1pPr algn="ctr" defTabSz="914400" rtl="0" eaLnBrk="1" latinLnBrk="0" hangingPunct="1">
+              <a:spcBef>
+                <a:spcPct val="0"/>
+              </a:spcBef>
+              <a:buNone/>
+              <a:defRPr sz="4400" kern="1200">
+                <a:solidFill>
+                  <a:schemeClr val="tx1"/>
+                </a:solidFill>
+                <a:latin typeface="+mj-lt"/>
+                <a:ea typeface="+mj-ea"/>
+                <a:cs typeface="+mj-cs"/>
+              </a:defRPr>
+            </a:lvl1pPr>
+          </a:lstStyle>
+          <a:p>
+            <a:r>
+              <a:rPr lang="en-US" dirty="0" smtClean="0"/>
+              <a:t>Managed NITE DLL’s:</a:t>
+            </a:r>
+            <a:br>
+              <a:rPr lang="en-US" dirty="0" smtClean="0"/>
+            </a:br>
+            <a:r>
+              <a:rPr lang="en-US" dirty="0" smtClean="0"/>
+              <a:t/>
+            </a:r>
+            <a:br>
+              <a:rPr lang="en-US" dirty="0" smtClean="0"/>
+            </a:br>
+            <a:r>
+              <a:rPr lang="en-US" dirty="0" smtClean="0"/>
+              <a:t>OpenNI.net.dll</a:t>
+            </a:r>
+            <a:br>
+              <a:rPr lang="en-US" dirty="0" smtClean="0"/>
+            </a:br>
+            <a:r>
+              <a:rPr lang="en-US" dirty="0" smtClean="0"/>
+              <a:t>XnVNITE.net.dll</a:t>
+            </a:r>
+            <a:br>
+              <a:rPr lang="en-US" dirty="0" smtClean="0"/>
+            </a:br>
+            <a:r>
+              <a:rPr lang="en-US" dirty="0" smtClean="0"/>
+              <a:t/>
+            </a:r>
+            <a:br>
+              <a:rPr lang="en-US" dirty="0" smtClean="0"/>
+            </a:br>
+            <a:r>
+              <a:rPr lang="en-US" dirty="0" smtClean="0"/>
+              <a:t>versus</a:t>
+            </a:r>
+            <a:br>
+              <a:rPr lang="en-US" dirty="0" smtClean="0"/>
+            </a:br>
+            <a:endParaRPr lang="en-US" dirty="0" smtClean="0"/>
+          </a:p>
+          <a:p>
+            <a:r>
+              <a:rPr lang="en-US" dirty="0" smtClean="0"/>
+              <a:t>ManagedNite.dll</a:t>
+            </a:r>
+            <a:br>
+              <a:rPr lang="en-US" dirty="0" smtClean="0"/>
+            </a:br>
+            <a:endParaRPr lang="en-US" dirty="0"/>
+          </a:p>
+        </p:txBody>
+      </p:sp>
+    </p:spTree>
+    <p:extLst>
+      <p:ext uri="{BB962C8B-B14F-4D97-AF65-F5344CB8AC3E}">
+        <p14:creationId xmlns:p14="http://schemas.microsoft.com/office/powerpoint/2010/main" val="3579980456"/>
+      </p:ext>
+    </p:extLst>
+  </p:cSld>
+  <p:clrMapOvr>
+    <a:masterClrMapping/>
+  </p:clrMapOvr>
+</p:sld>
+</file>
+
+<file path=ppt/slides/slide14.xml><?xml version="1.0" encoding="utf-8"?>
+<p:sld xmlns:a="http://schemas.openxmlformats.org/drawingml/2006/main" xmlns:r="http://schemas.openxmlformats.org/officeDocument/2006/relationships" xmlns:p="http://schemas.openxmlformats.org/presentationml/2006/main">
+  <p:cSld>
+    <p:spTree>
+      <p:nvGrpSpPr>
+        <p:cNvPr id="1" name=""/>
+        <p:cNvGrpSpPr/>
+        <p:nvPr/>
+      </p:nvGrpSpPr>
+      <p:grpSpPr>
+        <a:xfrm>
+          <a:off x="0" y="0"/>
+          <a:ext cx="0" cy="0"/>
+          <a:chOff x="0" y="0"/>
+          <a:chExt cx="0" cy="0"/>
+        </a:xfrm>
+      </p:grpSpPr>
       <p:sp>
         <p:nvSpPr>
           <p:cNvPr id="2" name="Title 1"/>
@@ -4080,15 +4313,7 @@
           <a:p>
             <a:r>
               <a:rPr lang="en-US" dirty="0" smtClean="0"/>
-              <a:t>Your first </a:t>
-            </a:r>
-            <a:r>
-              <a:rPr lang="en-US" dirty="0" smtClean="0"/>
-              <a:t> </a:t>
-            </a:r>
-            <a:r>
-              <a:rPr lang="en-US" dirty="0" smtClean="0"/>
-              <a:t/>
+              <a:t>Your first  </a:t>
             </a:r>
             <a:br>
               <a:rPr lang="en-US" dirty="0" smtClean="0"/>
@@ -4125,67 +4350,6 @@
 </p:sld>
 </file>
 
-<file path=ppt/slides/slide14.xml><?xml version="1.0" encoding="utf-8"?>
-<p:sld xmlns:a="http://schemas.openxmlformats.org/drawingml/2006/main" xmlns:r="http://schemas.openxmlformats.org/officeDocument/2006/relationships" xmlns:p="http://schemas.openxmlformats.org/presentationml/2006/main">
-  <p:cSld>
-    <p:spTree>
-      <p:nvGrpSpPr>
-        <p:cNvPr id="1" name=""/>
-        <p:cNvGrpSpPr/>
-        <p:nvPr/>
-      </p:nvGrpSpPr>
-      <p:grpSpPr>
-        <a:xfrm>
-          <a:off x="0" y="0"/>
-          <a:ext cx="0" cy="0"/>
-          <a:chOff x="0" y="0"/>
-          <a:chExt cx="0" cy="0"/>
-        </a:xfrm>
-      </p:grpSpPr>
-      <p:sp>
-        <p:nvSpPr>
-          <p:cNvPr id="2" name="Title 1"/>
-          <p:cNvSpPr>
-            <a:spLocks noGrp="1"/>
-          </p:cNvSpPr>
-          <p:nvPr>
-            <p:ph type="title"/>
-          </p:nvPr>
-        </p:nvSpPr>
-        <p:spPr/>
-        <p:txBody>
-          <a:bodyPr/>
-          <a:lstStyle/>
-          <a:p>
-            <a:r>
-              <a:rPr lang="en-US" dirty="0" smtClean="0"/>
-              <a:t>Anatomy of a .NET </a:t>
-            </a:r>
-            <a:r>
-              <a:rPr lang="en-US" dirty="0" err="1" smtClean="0"/>
-              <a:t>Kinect</a:t>
-            </a:r>
-            <a:r>
-              <a:rPr lang="en-US" dirty="0" smtClean="0"/>
-              <a:t> Project</a:t>
-            </a:r>
-            <a:endParaRPr lang="en-US" dirty="0"/>
-          </a:p>
-        </p:txBody>
-      </p:sp>
-    </p:spTree>
-    <p:extLst>
-      <p:ext uri="{BB962C8B-B14F-4D97-AF65-F5344CB8AC3E}">
-        <p14:creationId xmlns:p14="http://schemas.microsoft.com/office/powerpoint/2010/main" val="3468459623"/>
-      </p:ext>
-    </p:extLst>
-  </p:cSld>
-  <p:clrMapOvr>
-    <a:masterClrMapping/>
-  </p:clrMapOvr>
-</p:sld>
-</file>
-
 <file path=ppt/slides/slide15.xml><?xml version="1.0" encoding="utf-8"?>
 <p:sld xmlns:a="http://schemas.openxmlformats.org/drawingml/2006/main" xmlns:r="http://schemas.openxmlformats.org/officeDocument/2006/relationships" xmlns:p="http://schemas.openxmlformats.org/presentationml/2006/main">
   <p:cSld>
@@ -4215,21 +4379,20 @@
         </p:nvSpPr>
         <p:spPr/>
         <p:txBody>
-          <a:bodyPr>
-            <a:normAutofit fontScale="90000"/>
-          </a:bodyPr>
+          <a:bodyPr/>
           <a:lstStyle/>
           <a:p>
             <a:r>
               <a:rPr lang="en-US" dirty="0" smtClean="0"/>
-              <a:t>Gaining Focus for </a:t>
-            </a:r>
-            <a:br>
+              <a:t>Anatomy of a .NET </a:t>
+            </a:r>
+            <a:r>
+              <a:rPr lang="en-US" dirty="0" err="1" smtClean="0"/>
+              <a:t>Kinect</a:t>
+            </a:r>
+            <a:r>
               <a:rPr lang="en-US" dirty="0" smtClean="0"/>
-            </a:br>
-            <a:r>
-              <a:rPr lang="en-US" dirty="0" smtClean="0"/>
-              <a:t>Tracking and Gestures</a:t>
+              <a:t> Project</a:t>
             </a:r>
             <a:endParaRPr lang="en-US" dirty="0"/>
           </a:p>
@@ -4238,7 +4401,7 @@
     </p:spTree>
     <p:extLst>
       <p:ext uri="{BB962C8B-B14F-4D97-AF65-F5344CB8AC3E}">
-        <p14:creationId xmlns:p14="http://schemas.microsoft.com/office/powerpoint/2010/main" val="816407257"/>
+        <p14:creationId xmlns:p14="http://schemas.microsoft.com/office/powerpoint/2010/main" val="3468459623"/>
       </p:ext>
     </p:extLst>
   </p:cSld>
@@ -4284,6 +4447,68 @@
           <a:p>
             <a:r>
               <a:rPr lang="en-US" dirty="0" smtClean="0"/>
+              <a:t>Gaining Focus for </a:t>
+            </a:r>
+            <a:br>
+              <a:rPr lang="en-US" dirty="0" smtClean="0"/>
+            </a:br>
+            <a:r>
+              <a:rPr lang="en-US" dirty="0" smtClean="0"/>
+              <a:t>Tracking and Gestures</a:t>
+            </a:r>
+            <a:endParaRPr lang="en-US" dirty="0"/>
+          </a:p>
+        </p:txBody>
+      </p:sp>
+    </p:spTree>
+    <p:extLst>
+      <p:ext uri="{BB962C8B-B14F-4D97-AF65-F5344CB8AC3E}">
+        <p14:creationId xmlns:p14="http://schemas.microsoft.com/office/powerpoint/2010/main" val="816407257"/>
+      </p:ext>
+    </p:extLst>
+  </p:cSld>
+  <p:clrMapOvr>
+    <a:masterClrMapping/>
+  </p:clrMapOvr>
+</p:sld>
+</file>
+
+<file path=ppt/slides/slide17.xml><?xml version="1.0" encoding="utf-8"?>
+<p:sld xmlns:a="http://schemas.openxmlformats.org/drawingml/2006/main" xmlns:r="http://schemas.openxmlformats.org/officeDocument/2006/relationships" xmlns:p="http://schemas.openxmlformats.org/presentationml/2006/main">
+  <p:cSld>
+    <p:spTree>
+      <p:nvGrpSpPr>
+        <p:cNvPr id="1" name=""/>
+        <p:cNvGrpSpPr/>
+        <p:nvPr/>
+      </p:nvGrpSpPr>
+      <p:grpSpPr>
+        <a:xfrm>
+          <a:off x="0" y="0"/>
+          <a:ext cx="0" cy="0"/>
+          <a:chOff x="0" y="0"/>
+          <a:chExt cx="0" cy="0"/>
+        </a:xfrm>
+      </p:grpSpPr>
+      <p:sp>
+        <p:nvSpPr>
+          <p:cNvPr id="2" name="Title 1"/>
+          <p:cNvSpPr>
+            <a:spLocks noGrp="1"/>
+          </p:cNvSpPr>
+          <p:nvPr>
+            <p:ph type="title"/>
+          </p:nvPr>
+        </p:nvSpPr>
+        <p:spPr/>
+        <p:txBody>
+          <a:bodyPr>
+            <a:normAutofit fontScale="90000"/>
+          </a:bodyPr>
+          <a:lstStyle/>
+          <a:p>
+            <a:r>
+              <a:rPr lang="en-US" dirty="0" smtClean="0"/>
               <a:t>Depth, Image, and Hand Generators</a:t>
             </a:r>
             <a:endParaRPr lang="en-US" dirty="0"/>
@@ -4303,7 +4528,7 @@
 </p:sld>
 </file>
 
-<file path=ppt/slides/slide17.xml><?xml version="1.0" encoding="utf-8"?>
+<file path=ppt/slides/slide18.xml><?xml version="1.0" encoding="utf-8"?>
 <p:sld xmlns:a="http://schemas.openxmlformats.org/drawingml/2006/main" xmlns:r="http://schemas.openxmlformats.org/officeDocument/2006/relationships" xmlns:p="http://schemas.openxmlformats.org/presentationml/2006/main">
   <p:cSld>
     <p:spTree>
@@ -4400,7 +4625,7 @@
 </p:sld>
 </file>
 
-<file path=ppt/slides/slide18.xml><?xml version="1.0" encoding="utf-8"?>
+<file path=ppt/slides/slide19.xml><?xml version="1.0" encoding="utf-8"?>
 <p:sld xmlns:a="http://schemas.openxmlformats.org/drawingml/2006/main" xmlns:r="http://schemas.openxmlformats.org/officeDocument/2006/relationships" xmlns:p="http://schemas.openxmlformats.org/presentationml/2006/main">
   <p:cSld>
     <p:spTree>
@@ -4441,11 +4666,7 @@
           <a:p>
             <a:r>
               <a:rPr lang="en-US" dirty="0" smtClean="0"/>
-              <a:t>Hand </a:t>
-            </a:r>
-            <a:r>
-              <a:rPr lang="en-US" dirty="0" smtClean="0"/>
-              <a:t>tracking</a:t>
+              <a:t>Hand tracking</a:t>
             </a:r>
             <a:endParaRPr lang="en-US" dirty="0"/>
           </a:p>
@@ -4485,142 +4706,6 @@
     <p:extLst>
       <p:ext uri="{BB962C8B-B14F-4D97-AF65-F5344CB8AC3E}">
         <p14:creationId xmlns:p14="http://schemas.microsoft.com/office/powerpoint/2010/main" val="3486414651"/>
-      </p:ext>
-    </p:extLst>
-  </p:cSld>
-  <p:clrMapOvr>
-    <a:masterClrMapping/>
-  </p:clrMapOvr>
-  <p:timing>
-    <p:tnLst>
-      <p:par>
-        <p:cTn id="1" dur="indefinite" restart="never" nodeType="tmRoot"/>
-      </p:par>
-    </p:tnLst>
-  </p:timing>
-</p:sld>
-</file>
-
-<file path=ppt/slides/slide19.xml><?xml version="1.0" encoding="utf-8"?>
-<p:sld xmlns:a="http://schemas.openxmlformats.org/drawingml/2006/main" xmlns:r="http://schemas.openxmlformats.org/officeDocument/2006/relationships" xmlns:p="http://schemas.openxmlformats.org/presentationml/2006/main">
-  <p:cSld>
-    <p:spTree>
-      <p:nvGrpSpPr>
-        <p:cNvPr id="1" name=""/>
-        <p:cNvGrpSpPr/>
-        <p:nvPr/>
-      </p:nvGrpSpPr>
-      <p:grpSpPr>
-        <a:xfrm>
-          <a:off x="0" y="0"/>
-          <a:ext cx="0" cy="0"/>
-          <a:chOff x="0" y="0"/>
-          <a:chExt cx="0" cy="0"/>
-        </a:xfrm>
-      </p:grpSpPr>
-      <p:sp>
-        <p:nvSpPr>
-          <p:cNvPr id="5" name="Title 4"/>
-          <p:cNvSpPr>
-            <a:spLocks noGrp="1"/>
-          </p:cNvSpPr>
-          <p:nvPr>
-            <p:ph type="title"/>
-          </p:nvPr>
-        </p:nvSpPr>
-        <p:spPr/>
-        <p:txBody>
-          <a:bodyPr/>
-          <a:lstStyle/>
-          <a:p>
-            <a:endParaRPr lang="en-US"/>
-          </a:p>
-        </p:txBody>
-      </p:sp>
-      <p:pic>
-        <p:nvPicPr>
-          <p:cNvPr id="7" name="Picture 6"/>
-          <p:cNvPicPr>
-            <a:picLocks noChangeAspect="1"/>
-          </p:cNvPicPr>
-          <p:nvPr/>
-        </p:nvPicPr>
-        <p:blipFill>
-          <a:blip r:embed="rId2">
-            <a:extLst>
-              <a:ext uri="{28A0092B-C50C-407E-A947-70E740481C1C}">
-                <a14:useLocalDpi xmlns:a14="http://schemas.microsoft.com/office/drawing/2010/main" val="0"/>
-              </a:ext>
-            </a:extLst>
-          </a:blip>
-          <a:stretch>
-            <a:fillRect/>
-          </a:stretch>
-        </p:blipFill>
-        <p:spPr>
-          <a:xfrm>
-            <a:off x="-76200" y="-2762250"/>
-            <a:ext cx="9258613" cy="5467350"/>
-          </a:xfrm>
-          <a:prstGeom prst="rect">
-            <a:avLst/>
-          </a:prstGeom>
-        </p:spPr>
-      </p:pic>
-      <p:sp>
-        <p:nvSpPr>
-          <p:cNvPr id="8" name="Title 1"/>
-          <p:cNvSpPr txBox="1">
-            <a:spLocks/>
-          </p:cNvSpPr>
-          <p:nvPr/>
-        </p:nvSpPr>
-        <p:spPr>
-          <a:xfrm>
-            <a:off x="0" y="3333750"/>
-            <a:ext cx="9144000" cy="857250"/>
-          </a:xfrm>
-          <a:prstGeom prst="rect">
-            <a:avLst/>
-          </a:prstGeom>
-        </p:spPr>
-        <p:txBody>
-          <a:bodyPr vert="horz" lIns="91440" tIns="45720" rIns="91440" bIns="45720" rtlCol="0" anchor="ctr">
-            <a:normAutofit/>
-          </a:bodyPr>
-          <a:lstStyle>
-            <a:lvl1pPr algn="ctr" defTabSz="914400" rtl="0" eaLnBrk="1" latinLnBrk="0" hangingPunct="1">
-              <a:spcBef>
-                <a:spcPct val="0"/>
-              </a:spcBef>
-              <a:buNone/>
-              <a:defRPr sz="4400" kern="1200">
-                <a:solidFill>
-                  <a:schemeClr val="tx1"/>
-                </a:solidFill>
-                <a:latin typeface="+mj-lt"/>
-                <a:ea typeface="+mj-ea"/>
-                <a:cs typeface="+mj-cs"/>
-              </a:defRPr>
-            </a:lvl1pPr>
-          </a:lstStyle>
-          <a:p>
-            <a:r>
-              <a:rPr lang="en-US" dirty="0" smtClean="0"/>
-              <a:t>Multiple </a:t>
-            </a:r>
-            <a:r>
-              <a:rPr lang="en-US" dirty="0" smtClean="0"/>
-              <a:t>hands</a:t>
-            </a:r>
-            <a:endParaRPr lang="en-US" dirty="0"/>
-          </a:p>
-        </p:txBody>
-      </p:sp>
-    </p:spTree>
-    <p:extLst>
-      <p:ext uri="{BB962C8B-B14F-4D97-AF65-F5344CB8AC3E}">
-        <p14:creationId xmlns:p14="http://schemas.microsoft.com/office/powerpoint/2010/main" val="2889536298"/>
       </p:ext>
     </p:extLst>
   </p:cSld>
@@ -4718,9 +4803,28 @@
           <a:chExt cx="0" cy="0"/>
         </a:xfrm>
       </p:grpSpPr>
+      <p:sp>
+        <p:nvSpPr>
+          <p:cNvPr id="5" name="Title 4"/>
+          <p:cNvSpPr>
+            <a:spLocks noGrp="1"/>
+          </p:cNvSpPr>
+          <p:nvPr>
+            <p:ph type="title"/>
+          </p:nvPr>
+        </p:nvSpPr>
+        <p:spPr/>
+        <p:txBody>
+          <a:bodyPr/>
+          <a:lstStyle/>
+          <a:p>
+            <a:endParaRPr lang="en-US"/>
+          </a:p>
+        </p:txBody>
+      </p:sp>
       <p:pic>
         <p:nvPicPr>
-          <p:cNvPr id="3" name="Picture 2"/>
+          <p:cNvPr id="7" name="Picture 6"/>
           <p:cNvPicPr>
             <a:picLocks noChangeAspect="1"/>
           </p:cNvPicPr>
@@ -4740,8 +4844,8 @@
         </p:blipFill>
         <p:spPr>
           <a:xfrm>
-            <a:off x="0" y="0"/>
-            <a:ext cx="6858000" cy="5143500"/>
+            <a:off x="-76200" y="-2762250"/>
+            <a:ext cx="9258613" cy="5467350"/>
           </a:xfrm>
           <a:prstGeom prst="rect">
             <a:avLst/>
@@ -4750,33 +4854,45 @@
       </p:pic>
       <p:sp>
         <p:nvSpPr>
-          <p:cNvPr id="4" name="Title 3"/>
-          <p:cNvSpPr>
-            <a:spLocks noGrp="1"/>
-          </p:cNvSpPr>
-          <p:nvPr>
-            <p:ph type="title"/>
-          </p:nvPr>
-        </p:nvSpPr>
-        <p:spPr>
-          <a:xfrm>
-            <a:off x="7086600" y="1352550"/>
-            <a:ext cx="1828800" cy="1752600"/>
-          </a:xfrm>
-        </p:spPr>
-        <p:txBody>
-          <a:bodyPr>
+          <p:cNvPr id="8" name="Title 1"/>
+          <p:cNvSpPr txBox="1">
+            <a:spLocks/>
+          </p:cNvSpPr>
+          <p:nvPr/>
+        </p:nvSpPr>
+        <p:spPr>
+          <a:xfrm>
+            <a:off x="0" y="3333750"/>
+            <a:ext cx="9144000" cy="857250"/>
+          </a:xfrm>
+          <a:prstGeom prst="rect">
+            <a:avLst/>
+          </a:prstGeom>
+        </p:spPr>
+        <p:txBody>
+          <a:bodyPr vert="horz" lIns="91440" tIns="45720" rIns="91440" bIns="45720" rtlCol="0" anchor="ctr">
             <a:normAutofit/>
           </a:bodyPr>
-          <a:lstStyle/>
+          <a:lstStyle>
+            <a:lvl1pPr algn="ctr" defTabSz="914400" rtl="0" eaLnBrk="1" latinLnBrk="0" hangingPunct="1">
+              <a:spcBef>
+                <a:spcPct val="0"/>
+              </a:spcBef>
+              <a:buNone/>
+              <a:defRPr sz="4400" kern="1200">
+                <a:solidFill>
+                  <a:schemeClr val="tx1"/>
+                </a:solidFill>
+                <a:latin typeface="+mj-lt"/>
+                <a:ea typeface="+mj-ea"/>
+                <a:cs typeface="+mj-cs"/>
+              </a:defRPr>
+            </a:lvl1pPr>
+          </a:lstStyle>
           <a:p>
             <a:r>
               <a:rPr lang="en-US" dirty="0" smtClean="0"/>
-              <a:t>Cursor </a:t>
-            </a:r>
-            <a:r>
-              <a:rPr lang="en-US" dirty="0" smtClean="0"/>
-              <a:t>control</a:t>
+              <a:t>Multiple hands</a:t>
             </a:r>
             <a:endParaRPr lang="en-US" dirty="0"/>
           </a:p>
@@ -4785,7 +4901,7 @@
     </p:spTree>
     <p:extLst>
       <p:ext uri="{BB962C8B-B14F-4D97-AF65-F5344CB8AC3E}">
-        <p14:creationId xmlns:p14="http://schemas.microsoft.com/office/powerpoint/2010/main" val="2908293680"/>
+        <p14:creationId xmlns:p14="http://schemas.microsoft.com/office/powerpoint/2010/main" val="2889536298"/>
       </p:ext>
     </p:extLst>
   </p:cSld>
@@ -4803,75 +4919,6 @@
 </file>
 
 <file path=ppt/slides/slide21.xml><?xml version="1.0" encoding="utf-8"?>
-<p:sld xmlns:a="http://schemas.openxmlformats.org/drawingml/2006/main" xmlns:r="http://schemas.openxmlformats.org/officeDocument/2006/relationships" xmlns:p="http://schemas.openxmlformats.org/presentationml/2006/main">
-  <p:cSld>
-    <p:spTree>
-      <p:nvGrpSpPr>
-        <p:cNvPr id="1" name=""/>
-        <p:cNvGrpSpPr/>
-        <p:nvPr/>
-      </p:nvGrpSpPr>
-      <p:grpSpPr>
-        <a:xfrm>
-          <a:off x="0" y="0"/>
-          <a:ext cx="0" cy="0"/>
-          <a:chOff x="0" y="0"/>
-          <a:chExt cx="0" cy="0"/>
-        </a:xfrm>
-      </p:grpSpPr>
-      <p:sp>
-        <p:nvSpPr>
-          <p:cNvPr id="2" name="Title 1"/>
-          <p:cNvSpPr>
-            <a:spLocks noGrp="1"/>
-          </p:cNvSpPr>
-          <p:nvPr>
-            <p:ph type="title"/>
-          </p:nvPr>
-        </p:nvSpPr>
-        <p:spPr/>
-        <p:txBody>
-          <a:bodyPr>
-            <a:normAutofit fontScale="90000"/>
-          </a:bodyPr>
-          <a:lstStyle/>
-          <a:p>
-            <a:r>
-              <a:rPr lang="en-US" dirty="0" smtClean="0"/>
-              <a:t>Two options for “clicking”:</a:t>
-            </a:r>
-            <a:br>
-              <a:rPr lang="en-US" dirty="0" smtClean="0"/>
-            </a:br>
-            <a:r>
-              <a:rPr lang="en-US" dirty="0" smtClean="0"/>
-              <a:t>Push and a WPF Behavior</a:t>
-            </a:r>
-            <a:endParaRPr lang="en-US" dirty="0"/>
-          </a:p>
-        </p:txBody>
-      </p:sp>
-    </p:spTree>
-    <p:extLst>
-      <p:ext uri="{BB962C8B-B14F-4D97-AF65-F5344CB8AC3E}">
-        <p14:creationId xmlns:p14="http://schemas.microsoft.com/office/powerpoint/2010/main" val="4144750114"/>
-      </p:ext>
-    </p:extLst>
-  </p:cSld>
-  <p:clrMapOvr>
-    <a:masterClrMapping/>
-  </p:clrMapOvr>
-  <p:timing>
-    <p:tnLst>
-      <p:par>
-        <p:cTn id="1" dur="indefinite" restart="never" nodeType="tmRoot"/>
-      </p:par>
-    </p:tnLst>
-  </p:timing>
-</p:sld>
-</file>
-
-<file path=ppt/slides/slide22.xml><?xml version="1.0" encoding="utf-8"?>
 <p:sld xmlns:a="http://schemas.openxmlformats.org/drawingml/2006/main" xmlns:r="http://schemas.openxmlformats.org/officeDocument/2006/relationships" xmlns:p="http://schemas.openxmlformats.org/presentationml/2006/main">
   <p:cSld>
     <p:spTree>
@@ -4910,8 +4957,8 @@
         </p:blipFill>
         <p:spPr>
           <a:xfrm>
-            <a:off x="-1752600" y="-57150"/>
-            <a:ext cx="6959600" cy="5219700"/>
+            <a:off x="0" y="0"/>
+            <a:ext cx="6858000" cy="5143500"/>
           </a:xfrm>
           <a:prstGeom prst="rect">
             <a:avLst/>
@@ -4920,7 +4967,7 @@
       </p:pic>
       <p:sp>
         <p:nvSpPr>
-          <p:cNvPr id="4" name="Title 1"/>
+          <p:cNvPr id="4" name="Title 3"/>
           <p:cNvSpPr>
             <a:spLocks noGrp="1"/>
           </p:cNvSpPr>
@@ -4930,8 +4977,8 @@
         </p:nvSpPr>
         <p:spPr>
           <a:xfrm>
-            <a:off x="5486400" y="1562100"/>
-            <a:ext cx="3429000" cy="1619250"/>
+            <a:off x="7086600" y="1352550"/>
+            <a:ext cx="1828800" cy="1752600"/>
           </a:xfrm>
         </p:spPr>
         <p:txBody>
@@ -4942,14 +4989,76 @@
           <a:p>
             <a:r>
               <a:rPr lang="en-US" dirty="0" smtClean="0"/>
-              <a:t>Cursor</a:t>
+              <a:t>Cursor control</a:t>
+            </a:r>
+            <a:endParaRPr lang="en-US" dirty="0"/>
+          </a:p>
+        </p:txBody>
+      </p:sp>
+    </p:spTree>
+    <p:extLst>
+      <p:ext uri="{BB962C8B-B14F-4D97-AF65-F5344CB8AC3E}">
+        <p14:creationId xmlns:p14="http://schemas.microsoft.com/office/powerpoint/2010/main" val="2908293680"/>
+      </p:ext>
+    </p:extLst>
+  </p:cSld>
+  <p:clrMapOvr>
+    <a:masterClrMapping/>
+  </p:clrMapOvr>
+  <p:timing>
+    <p:tnLst>
+      <p:par>
+        <p:cTn id="1" dur="indefinite" restart="never" nodeType="tmRoot"/>
+      </p:par>
+    </p:tnLst>
+  </p:timing>
+</p:sld>
+</file>
+
+<file path=ppt/slides/slide22.xml><?xml version="1.0" encoding="utf-8"?>
+<p:sld xmlns:a="http://schemas.openxmlformats.org/drawingml/2006/main" xmlns:r="http://schemas.openxmlformats.org/officeDocument/2006/relationships" xmlns:p="http://schemas.openxmlformats.org/presentationml/2006/main">
+  <p:cSld>
+    <p:spTree>
+      <p:nvGrpSpPr>
+        <p:cNvPr id="1" name=""/>
+        <p:cNvGrpSpPr/>
+        <p:nvPr/>
+      </p:nvGrpSpPr>
+      <p:grpSpPr>
+        <a:xfrm>
+          <a:off x="0" y="0"/>
+          <a:ext cx="0" cy="0"/>
+          <a:chOff x="0" y="0"/>
+          <a:chExt cx="0" cy="0"/>
+        </a:xfrm>
+      </p:grpSpPr>
+      <p:sp>
+        <p:nvSpPr>
+          <p:cNvPr id="2" name="Title 1"/>
+          <p:cNvSpPr>
+            <a:spLocks noGrp="1"/>
+          </p:cNvSpPr>
+          <p:nvPr>
+            <p:ph type="title"/>
+          </p:nvPr>
+        </p:nvSpPr>
+        <p:spPr/>
+        <p:txBody>
+          <a:bodyPr>
+            <a:normAutofit fontScale="90000"/>
+          </a:bodyPr>
+          <a:lstStyle/>
+          <a:p>
+            <a:r>
+              <a:rPr lang="en-US" dirty="0" smtClean="0"/>
+              <a:t>Two options for “clicking”:</a:t>
             </a:r>
             <a:br>
               <a:rPr lang="en-US" dirty="0" smtClean="0"/>
             </a:br>
             <a:r>
               <a:rPr lang="en-US" dirty="0" smtClean="0"/>
-              <a:t>Smoothing</a:t>
+              <a:t>Push and a WPF Behavior</a:t>
             </a:r>
             <a:endParaRPr lang="en-US" dirty="0"/>
           </a:p>
@@ -4958,7 +5067,7 @@
     </p:spTree>
     <p:extLst>
       <p:ext uri="{BB962C8B-B14F-4D97-AF65-F5344CB8AC3E}">
-        <p14:creationId xmlns:p14="http://schemas.microsoft.com/office/powerpoint/2010/main" val="567761821"/>
+        <p14:creationId xmlns:p14="http://schemas.microsoft.com/office/powerpoint/2010/main" val="4144750114"/>
       </p:ext>
     </p:extLst>
   </p:cSld>
@@ -4976,103 +5085,6 @@
 </file>
 
 <file path=ppt/slides/slide23.xml><?xml version="1.0" encoding="utf-8"?>
-<p:sld xmlns:a="http://schemas.openxmlformats.org/drawingml/2006/main" xmlns:r="http://schemas.openxmlformats.org/officeDocument/2006/relationships" xmlns:p="http://schemas.openxmlformats.org/presentationml/2006/main">
-  <p:cSld>
-    <p:spTree>
-      <p:nvGrpSpPr>
-        <p:cNvPr id="1" name=""/>
-        <p:cNvGrpSpPr/>
-        <p:nvPr/>
-      </p:nvGrpSpPr>
-      <p:grpSpPr>
-        <a:xfrm>
-          <a:off x="0" y="0"/>
-          <a:ext cx="0" cy="0"/>
-          <a:chOff x="0" y="0"/>
-          <a:chExt cx="0" cy="0"/>
-        </a:xfrm>
-      </p:grpSpPr>
-      <p:sp>
-        <p:nvSpPr>
-          <p:cNvPr id="2" name="Title 1"/>
-          <p:cNvSpPr>
-            <a:spLocks noGrp="1"/>
-          </p:cNvSpPr>
-          <p:nvPr>
-            <p:ph type="title"/>
-          </p:nvPr>
-        </p:nvSpPr>
-        <p:spPr>
-          <a:xfrm>
-            <a:off x="4800600" y="1943100"/>
-            <a:ext cx="3886200" cy="857250"/>
-          </a:xfrm>
-        </p:spPr>
-        <p:txBody>
-          <a:bodyPr>
-            <a:normAutofit/>
-          </a:bodyPr>
-          <a:lstStyle/>
-          <a:p>
-            <a:r>
-              <a:rPr lang="en-US" dirty="0" smtClean="0"/>
-              <a:t>Swiping</a:t>
-            </a:r>
-            <a:endParaRPr lang="en-US" dirty="0"/>
-          </a:p>
-        </p:txBody>
-      </p:sp>
-      <p:pic>
-        <p:nvPicPr>
-          <p:cNvPr id="5" name="Picture 4"/>
-          <p:cNvPicPr>
-            <a:picLocks noChangeAspect="1"/>
-          </p:cNvPicPr>
-          <p:nvPr/>
-        </p:nvPicPr>
-        <p:blipFill>
-          <a:blip r:embed="rId2">
-            <a:extLst>
-              <a:ext uri="{28A0092B-C50C-407E-A947-70E740481C1C}">
-                <a14:useLocalDpi xmlns:a14="http://schemas.microsoft.com/office/drawing/2010/main" val="0"/>
-              </a:ext>
-            </a:extLst>
-          </a:blip>
-          <a:stretch>
-            <a:fillRect/>
-          </a:stretch>
-        </p:blipFill>
-        <p:spPr>
-          <a:xfrm>
-            <a:off x="-1" y="0"/>
-            <a:ext cx="4498041" cy="5143500"/>
-          </a:xfrm>
-          <a:prstGeom prst="rect">
-            <a:avLst/>
-          </a:prstGeom>
-        </p:spPr>
-      </p:pic>
-    </p:spTree>
-    <p:extLst>
-      <p:ext uri="{BB962C8B-B14F-4D97-AF65-F5344CB8AC3E}">
-        <p14:creationId xmlns:p14="http://schemas.microsoft.com/office/powerpoint/2010/main" val="3445804590"/>
-      </p:ext>
-    </p:extLst>
-  </p:cSld>
-  <p:clrMapOvr>
-    <a:masterClrMapping/>
-  </p:clrMapOvr>
-  <p:timing>
-    <p:tnLst>
-      <p:par>
-        <p:cTn id="1" dur="indefinite" restart="never" nodeType="tmRoot"/>
-      </p:par>
-    </p:tnLst>
-  </p:timing>
-</p:sld>
-</file>
-
-<file path=ppt/slides/slide24.xml><?xml version="1.0" encoding="utf-8"?>
 <p:sld xmlns:a="http://schemas.openxmlformats.org/drawingml/2006/main" xmlns:r="http://schemas.openxmlformats.org/officeDocument/2006/relationships" xmlns:p="http://schemas.openxmlformats.org/presentationml/2006/main">
   <p:cSld>
     <p:spTree>
@@ -5111,8 +5123,8 @@
         </p:blipFill>
         <p:spPr>
           <a:xfrm>
-            <a:off x="6216805" y="0"/>
-            <a:ext cx="2927195" cy="5143500"/>
+            <a:off x="-1752600" y="-57150"/>
+            <a:ext cx="6959600" cy="5219700"/>
           </a:xfrm>
           <a:prstGeom prst="rect">
             <a:avLst/>
@@ -5131,8 +5143,8 @@
         </p:nvSpPr>
         <p:spPr>
           <a:xfrm>
-            <a:off x="1143000" y="2143125"/>
-            <a:ext cx="3886200" cy="857250"/>
+            <a:off x="5486400" y="1562100"/>
+            <a:ext cx="3429000" cy="1619250"/>
           </a:xfrm>
         </p:spPr>
         <p:txBody>
@@ -5143,11 +5155,14 @@
           <a:p>
             <a:r>
               <a:rPr lang="en-US" dirty="0" smtClean="0"/>
-              <a:t>User </a:t>
-            </a:r>
-            <a:r>
+              <a:t>Cursor</a:t>
+            </a:r>
+            <a:br>
               <a:rPr lang="en-US" dirty="0" smtClean="0"/>
-              <a:t>Skeletons</a:t>
+            </a:br>
+            <a:r>
+              <a:rPr lang="en-US" dirty="0" smtClean="0"/>
+              <a:t>Smoothing</a:t>
             </a:r>
             <a:endParaRPr lang="en-US" dirty="0"/>
           </a:p>
@@ -5156,7 +5171,104 @@
     </p:spTree>
     <p:extLst>
       <p:ext uri="{BB962C8B-B14F-4D97-AF65-F5344CB8AC3E}">
-        <p14:creationId xmlns:p14="http://schemas.microsoft.com/office/powerpoint/2010/main" val="3307906043"/>
+        <p14:creationId xmlns:p14="http://schemas.microsoft.com/office/powerpoint/2010/main" val="567761821"/>
+      </p:ext>
+    </p:extLst>
+  </p:cSld>
+  <p:clrMapOvr>
+    <a:masterClrMapping/>
+  </p:clrMapOvr>
+  <p:timing>
+    <p:tnLst>
+      <p:par>
+        <p:cTn id="1" dur="indefinite" restart="never" nodeType="tmRoot"/>
+      </p:par>
+    </p:tnLst>
+  </p:timing>
+</p:sld>
+</file>
+
+<file path=ppt/slides/slide24.xml><?xml version="1.0" encoding="utf-8"?>
+<p:sld xmlns:a="http://schemas.openxmlformats.org/drawingml/2006/main" xmlns:r="http://schemas.openxmlformats.org/officeDocument/2006/relationships" xmlns:p="http://schemas.openxmlformats.org/presentationml/2006/main">
+  <p:cSld>
+    <p:spTree>
+      <p:nvGrpSpPr>
+        <p:cNvPr id="1" name=""/>
+        <p:cNvGrpSpPr/>
+        <p:nvPr/>
+      </p:nvGrpSpPr>
+      <p:grpSpPr>
+        <a:xfrm>
+          <a:off x="0" y="0"/>
+          <a:ext cx="0" cy="0"/>
+          <a:chOff x="0" y="0"/>
+          <a:chExt cx="0" cy="0"/>
+        </a:xfrm>
+      </p:grpSpPr>
+      <p:sp>
+        <p:nvSpPr>
+          <p:cNvPr id="2" name="Title 1"/>
+          <p:cNvSpPr>
+            <a:spLocks noGrp="1"/>
+          </p:cNvSpPr>
+          <p:nvPr>
+            <p:ph type="title"/>
+          </p:nvPr>
+        </p:nvSpPr>
+        <p:spPr>
+          <a:xfrm>
+            <a:off x="4800600" y="1943100"/>
+            <a:ext cx="3886200" cy="857250"/>
+          </a:xfrm>
+        </p:spPr>
+        <p:txBody>
+          <a:bodyPr>
+            <a:normAutofit/>
+          </a:bodyPr>
+          <a:lstStyle/>
+          <a:p>
+            <a:r>
+              <a:rPr lang="en-US" dirty="0" smtClean="0"/>
+              <a:t>Swiping</a:t>
+            </a:r>
+            <a:endParaRPr lang="en-US" dirty="0"/>
+          </a:p>
+        </p:txBody>
+      </p:sp>
+      <p:pic>
+        <p:nvPicPr>
+          <p:cNvPr id="5" name="Picture 4"/>
+          <p:cNvPicPr>
+            <a:picLocks noChangeAspect="1"/>
+          </p:cNvPicPr>
+          <p:nvPr/>
+        </p:nvPicPr>
+        <p:blipFill>
+          <a:blip r:embed="rId2">
+            <a:extLst>
+              <a:ext uri="{28A0092B-C50C-407E-A947-70E740481C1C}">
+                <a14:useLocalDpi xmlns:a14="http://schemas.microsoft.com/office/drawing/2010/main" val="0"/>
+              </a:ext>
+            </a:extLst>
+          </a:blip>
+          <a:stretch>
+            <a:fillRect/>
+          </a:stretch>
+        </p:blipFill>
+        <p:spPr>
+          <a:xfrm>
+            <a:off x="-1" y="0"/>
+            <a:ext cx="4498041" cy="5143500"/>
+          </a:xfrm>
+          <a:prstGeom prst="rect">
+            <a:avLst/>
+          </a:prstGeom>
+        </p:spPr>
+      </p:pic>
+    </p:spTree>
+    <p:extLst>
+      <p:ext uri="{BB962C8B-B14F-4D97-AF65-F5344CB8AC3E}">
+        <p14:creationId xmlns:p14="http://schemas.microsoft.com/office/powerpoint/2010/main" val="3445804590"/>
       </p:ext>
     </p:extLst>
   </p:cSld>
@@ -5190,6 +5302,103 @@
           <a:chExt cx="0" cy="0"/>
         </a:xfrm>
       </p:grpSpPr>
+      <p:pic>
+        <p:nvPicPr>
+          <p:cNvPr id="3" name="Picture 2"/>
+          <p:cNvPicPr>
+            <a:picLocks noChangeAspect="1"/>
+          </p:cNvPicPr>
+          <p:nvPr/>
+        </p:nvPicPr>
+        <p:blipFill>
+          <a:blip r:embed="rId2">
+            <a:extLst>
+              <a:ext uri="{28A0092B-C50C-407E-A947-70E740481C1C}">
+                <a14:useLocalDpi xmlns:a14="http://schemas.microsoft.com/office/drawing/2010/main" val="0"/>
+              </a:ext>
+            </a:extLst>
+          </a:blip>
+          <a:stretch>
+            <a:fillRect/>
+          </a:stretch>
+        </p:blipFill>
+        <p:spPr>
+          <a:xfrm>
+            <a:off x="6216805" y="0"/>
+            <a:ext cx="2927195" cy="5143500"/>
+          </a:xfrm>
+          <a:prstGeom prst="rect">
+            <a:avLst/>
+          </a:prstGeom>
+        </p:spPr>
+      </p:pic>
+      <p:sp>
+        <p:nvSpPr>
+          <p:cNvPr id="4" name="Title 1"/>
+          <p:cNvSpPr>
+            <a:spLocks noGrp="1"/>
+          </p:cNvSpPr>
+          <p:nvPr>
+            <p:ph type="title"/>
+          </p:nvPr>
+        </p:nvSpPr>
+        <p:spPr>
+          <a:xfrm>
+            <a:off x="1143000" y="2143125"/>
+            <a:ext cx="3886200" cy="857250"/>
+          </a:xfrm>
+        </p:spPr>
+        <p:txBody>
+          <a:bodyPr>
+            <a:normAutofit/>
+          </a:bodyPr>
+          <a:lstStyle/>
+          <a:p>
+            <a:r>
+              <a:rPr lang="en-US" dirty="0" smtClean="0"/>
+              <a:t>User Skeletons</a:t>
+            </a:r>
+            <a:endParaRPr lang="en-US" dirty="0"/>
+          </a:p>
+        </p:txBody>
+      </p:sp>
+    </p:spTree>
+    <p:extLst>
+      <p:ext uri="{BB962C8B-B14F-4D97-AF65-F5344CB8AC3E}">
+        <p14:creationId xmlns:p14="http://schemas.microsoft.com/office/powerpoint/2010/main" val="3307906043"/>
+      </p:ext>
+    </p:extLst>
+  </p:cSld>
+  <p:clrMapOvr>
+    <a:masterClrMapping/>
+  </p:clrMapOvr>
+  <p:timing>
+    <p:tnLst>
+      <p:par>
+        <p:cTn id="1" dur="indefinite" restart="never" nodeType="tmRoot"/>
+      </p:par>
+    </p:tnLst>
+  </p:timing>
+</p:sld>
+</file>
+
+<file path=ppt/slides/slide26.xml><?xml version="1.0" encoding="utf-8"?>
+<p:sld xmlns:a="http://schemas.openxmlformats.org/drawingml/2006/main" xmlns:r="http://schemas.openxmlformats.org/officeDocument/2006/relationships" xmlns:p="http://schemas.openxmlformats.org/presentationml/2006/main">
+  <p:cSld>
+    <p:spTree>
+      <p:nvGrpSpPr>
+        <p:cNvPr id="1" name=""/>
+        <p:cNvGrpSpPr/>
+        <p:nvPr/>
+      </p:nvGrpSpPr>
+      <p:grpSpPr>
+        <a:xfrm>
+          <a:off x="0" y="0"/>
+          <a:ext cx="0" cy="0"/>
+          <a:chOff x="0" y="0"/>
+          <a:chExt cx="0" cy="0"/>
+        </a:xfrm>
+      </p:grpSpPr>
       <p:sp>
         <p:nvSpPr>
           <p:cNvPr id="2" name="Title 1"/>
@@ -5222,7 +5431,7 @@
 </p:sld>
 </file>
 
-<file path=ppt/slides/slide26.xml><?xml version="1.0" encoding="utf-8"?>
+<file path=ppt/slides/slide27.xml><?xml version="1.0" encoding="utf-8"?>
 <p:sld xmlns:a="http://schemas.openxmlformats.org/drawingml/2006/main" xmlns:r="http://schemas.openxmlformats.org/officeDocument/2006/relationships" xmlns:p="http://schemas.openxmlformats.org/presentationml/2006/main">
   <p:cSld>
     <p:spTree>
@@ -5317,7 +5526,7 @@
 </p:sld>
 </file>
 
-<file path=ppt/slides/slide27.xml><?xml version="1.0" encoding="utf-8"?>
+<file path=ppt/slides/slide28.xml><?xml version="1.0" encoding="utf-8"?>
 <p:sld xmlns:a="http://schemas.openxmlformats.org/drawingml/2006/main" xmlns:r="http://schemas.openxmlformats.org/officeDocument/2006/relationships" xmlns:p="http://schemas.openxmlformats.org/presentationml/2006/main">
   <p:cSld>
     <p:bg>
@@ -5479,7 +5688,7 @@
 </p:sld>
 </file>
 
-<file path=ppt/slides/slide28.xml><?xml version="1.0" encoding="utf-8"?>
+<file path=ppt/slides/slide29.xml><?xml version="1.0" encoding="utf-8"?>
 <p:sld xmlns:a="http://schemas.openxmlformats.org/drawingml/2006/main" xmlns:r="http://schemas.openxmlformats.org/officeDocument/2006/relationships" xmlns:p="http://schemas.openxmlformats.org/presentationml/2006/main">
   <p:cSld>
     <p:spTree>
@@ -5569,335 +5778,6 @@
 </p:sld>
 </file>
 
-<file path=ppt/slides/slide29.xml><?xml version="1.0" encoding="utf-8"?>
-<p:sld xmlns:a="http://schemas.openxmlformats.org/drawingml/2006/main" xmlns:r="http://schemas.openxmlformats.org/officeDocument/2006/relationships" xmlns:p="http://schemas.openxmlformats.org/presentationml/2006/main">
-  <p:cSld>
-    <p:spTree>
-      <p:nvGrpSpPr>
-        <p:cNvPr id="1" name=""/>
-        <p:cNvGrpSpPr/>
-        <p:nvPr/>
-      </p:nvGrpSpPr>
-      <p:grpSpPr>
-        <a:xfrm>
-          <a:off x="0" y="0"/>
-          <a:ext cx="0" cy="0"/>
-          <a:chOff x="0" y="0"/>
-          <a:chExt cx="0" cy="0"/>
-        </a:xfrm>
-      </p:grpSpPr>
-      <p:sp>
-        <p:nvSpPr>
-          <p:cNvPr id="2" name="Title 1"/>
-          <p:cNvSpPr>
-            <a:spLocks noGrp="1"/>
-          </p:cNvSpPr>
-          <p:nvPr>
-            <p:ph type="title"/>
-          </p:nvPr>
-        </p:nvSpPr>
-        <p:spPr>
-          <a:xfrm>
-            <a:off x="3124200" y="1504950"/>
-            <a:ext cx="5867400" cy="857250"/>
-          </a:xfrm>
-        </p:spPr>
-        <p:txBody>
-          <a:bodyPr/>
-          <a:lstStyle/>
-          <a:p>
-            <a:pPr algn="r"/>
-            <a:r>
-              <a:rPr lang="en-US" dirty="0" smtClean="0"/>
-              <a:t>Image Credits</a:t>
-            </a:r>
-            <a:endParaRPr lang="en-US" dirty="0"/>
-          </a:p>
-        </p:txBody>
-      </p:sp>
-      <p:sp>
-        <p:nvSpPr>
-          <p:cNvPr id="3" name="Rectangle 2"/>
-          <p:cNvSpPr/>
-          <p:nvPr/>
-        </p:nvSpPr>
-        <p:spPr>
-          <a:xfrm>
-            <a:off x="2971800" y="2419350"/>
-            <a:ext cx="6019800" cy="4401205"/>
-          </a:xfrm>
-          <a:prstGeom prst="rect">
-            <a:avLst/>
-          </a:prstGeom>
-        </p:spPr>
-        <p:txBody>
-          <a:bodyPr wrap="square">
-            <a:spAutoFit/>
-          </a:bodyPr>
-          <a:lstStyle/>
-          <a:p>
-            <a:pPr algn="r"/>
-            <a:r>
-              <a:rPr lang="en-US" sz="1400" dirty="0" smtClean="0">
-                <a:hlinkClick r:id="rId2"/>
-              </a:rPr>
-              <a:t>http://www.flickr.com/photos/artisandhu/2951619905/</a:t>
-            </a:r>
-            <a:r>
-              <a:rPr lang="en-US" sz="1400" dirty="0" smtClean="0"/>
-              <a:t/>
-            </a:r>
-            <a:br>
-              <a:rPr lang="en-US" sz="1400" dirty="0" smtClean="0"/>
-            </a:br>
-            <a:r>
-              <a:rPr lang="en-US" sz="1400" dirty="0" smtClean="0">
-                <a:hlinkClick r:id="rId3"/>
-              </a:rPr>
-              <a:t>http://www.flickr.com/photos/crashmaster/3183161494/</a:t>
-            </a:r>
-            <a:r>
-              <a:rPr lang="en-US" sz="1400" dirty="0" smtClean="0"/>
-              <a:t/>
-            </a:r>
-            <a:br>
-              <a:rPr lang="en-US" sz="1400" dirty="0" smtClean="0"/>
-            </a:br>
-            <a:r>
-              <a:rPr lang="en-US" sz="1400" dirty="0" smtClean="0">
-                <a:hlinkClick r:id="rId4"/>
-              </a:rPr>
-              <a:t>http://www.flickr.com/photos/shawe/3486394808/</a:t>
-            </a:r>
-            <a:r>
-              <a:rPr lang="en-US" sz="1400" dirty="0" smtClean="0"/>
-              <a:t/>
-            </a:r>
-            <a:br>
-              <a:rPr lang="en-US" sz="1400" dirty="0" smtClean="0"/>
-            </a:br>
-            <a:r>
-              <a:rPr lang="en-US" sz="1400" dirty="0">
-                <a:hlinkClick r:id="rId5"/>
-              </a:rPr>
-              <a:t>http://www.flickr.com/photos/mistressf/581070318</a:t>
-            </a:r>
-            <a:r>
-              <a:rPr lang="en-US" sz="1400" dirty="0" smtClean="0">
-                <a:hlinkClick r:id="rId5"/>
-              </a:rPr>
-              <a:t>/</a:t>
-            </a:r>
-            <a:r>
-              <a:rPr lang="en-US" sz="1400" dirty="0" smtClean="0"/>
-              <a:t/>
-            </a:r>
-            <a:br>
-              <a:rPr lang="en-US" sz="1400" dirty="0" smtClean="0"/>
-            </a:br>
-            <a:r>
-              <a:rPr lang="en-US" sz="1400" dirty="0">
-                <a:hlinkClick r:id="rId6"/>
-              </a:rPr>
-              <a:t>http://www.flickr.com/photos/flyingsinger/86898564</a:t>
-            </a:r>
-            <a:r>
-              <a:rPr lang="en-US" sz="1400" dirty="0" smtClean="0">
-                <a:hlinkClick r:id="rId6"/>
-              </a:rPr>
-              <a:t>/</a:t>
-            </a:r>
-            <a:endParaRPr lang="en-US" sz="1400" dirty="0" smtClean="0"/>
-          </a:p>
-          <a:p>
-            <a:pPr algn="r"/>
-            <a:r>
-              <a:rPr lang="en-US" sz="1400" dirty="0">
-                <a:hlinkClick r:id="rId7"/>
-              </a:rPr>
-              <a:t>http://www.flickr.com/photos/publicworksgroup/2269566166</a:t>
-            </a:r>
-            <a:r>
-              <a:rPr lang="en-US" sz="1400" dirty="0" smtClean="0">
-                <a:hlinkClick r:id="rId7"/>
-              </a:rPr>
-              <a:t>/</a:t>
-            </a:r>
-            <a:endParaRPr lang="en-US" sz="1400" dirty="0" smtClean="0"/>
-          </a:p>
-          <a:p>
-            <a:pPr algn="r"/>
-            <a:r>
-              <a:rPr lang="en-US" sz="1400" dirty="0">
-                <a:hlinkClick r:id="rId8"/>
-              </a:rPr>
-              <a:t>http://www.flickr.com/photos/fsse-info/3559697586</a:t>
-            </a:r>
-            <a:r>
-              <a:rPr lang="en-US" sz="1400" dirty="0" smtClean="0">
-                <a:hlinkClick r:id="rId8"/>
-              </a:rPr>
-              <a:t>/</a:t>
-            </a:r>
-            <a:r>
-              <a:rPr lang="en-US" sz="1400" dirty="0"/>
-              <a:t/>
-            </a:r>
-            <a:br>
-              <a:rPr lang="en-US" sz="1400" dirty="0"/>
-            </a:br>
-            <a:r>
-              <a:rPr lang="en-US" sz="1400" dirty="0">
-                <a:hlinkClick r:id="rId9"/>
-              </a:rPr>
-              <a:t>http://www.flickr.com/photos/wapster/3919855338</a:t>
-            </a:r>
-            <a:r>
-              <a:rPr lang="en-US" sz="1400" dirty="0" smtClean="0">
-                <a:hlinkClick r:id="rId9"/>
-              </a:rPr>
-              <a:t>/</a:t>
-            </a:r>
-            <a:endParaRPr lang="en-US" sz="1400" dirty="0" smtClean="0"/>
-          </a:p>
-          <a:p>
-            <a:pPr algn="r"/>
-            <a:r>
-              <a:rPr lang="en-US" sz="1400" dirty="0">
-                <a:hlinkClick r:id="rId10"/>
-              </a:rPr>
-              <a:t>http://www.flickr.com/photos/lovelihood/5399818533</a:t>
-            </a:r>
-            <a:r>
-              <a:rPr lang="en-US" sz="1400" dirty="0" smtClean="0">
-                <a:hlinkClick r:id="rId10"/>
-              </a:rPr>
-              <a:t>/</a:t>
-            </a:r>
-            <a:endParaRPr lang="en-US" sz="1400" dirty="0" smtClean="0"/>
-          </a:p>
-          <a:p>
-            <a:pPr algn="r"/>
-            <a:r>
-              <a:rPr lang="en-US" sz="1400" dirty="0">
-                <a:hlinkClick r:id="rId11"/>
-              </a:rPr>
-              <a:t>http://www.flickr.com/photos/peterkaminski/1510724</a:t>
-            </a:r>
-            <a:r>
-              <a:rPr lang="en-US" sz="1400" dirty="0" smtClean="0">
-                <a:hlinkClick r:id="rId11"/>
-              </a:rPr>
-              <a:t>/</a:t>
-            </a:r>
-            <a:r>
-              <a:rPr lang="en-US" sz="1400" dirty="0"/>
-              <a:t/>
-            </a:r>
-            <a:br>
-              <a:rPr lang="en-US" sz="1400" dirty="0"/>
-            </a:br>
-            <a:r>
-              <a:rPr lang="en-US" sz="1400" dirty="0"/>
-              <a:t>http://www.flickr.com/photos/ste3ve/87689464</a:t>
-            </a:r>
-            <a:r>
-              <a:rPr lang="en-US" sz="1400" dirty="0" smtClean="0"/>
-              <a:t>/</a:t>
-            </a:r>
-          </a:p>
-          <a:p>
-            <a:pPr algn="r"/>
-            <a:endParaRPr lang="en-US" sz="1400" dirty="0"/>
-          </a:p>
-          <a:p>
-            <a:pPr algn="r"/>
-            <a:endParaRPr lang="en-US" sz="1400" dirty="0" smtClean="0"/>
-          </a:p>
-          <a:p>
-            <a:pPr algn="r"/>
-            <a:endParaRPr lang="en-US" sz="1400" dirty="0" smtClean="0"/>
-          </a:p>
-          <a:p>
-            <a:pPr algn="r"/>
-            <a:endParaRPr lang="en-US" sz="1400" dirty="0" smtClean="0"/>
-          </a:p>
-          <a:p>
-            <a:pPr algn="r"/>
-            <a:endParaRPr lang="en-US" sz="1400" dirty="0" smtClean="0"/>
-          </a:p>
-          <a:p>
-            <a:pPr algn="r"/>
-            <a:endParaRPr lang="en-US" sz="1400" dirty="0" smtClean="0"/>
-          </a:p>
-          <a:p>
-            <a:pPr algn="r"/>
-            <a:endParaRPr lang="en-US" sz="1400" dirty="0" smtClean="0"/>
-          </a:p>
-          <a:p>
-            <a:pPr algn="r"/>
-            <a:endParaRPr lang="en-US" sz="1400" dirty="0" smtClean="0"/>
-          </a:p>
-          <a:p>
-            <a:pPr algn="r"/>
-            <a:endParaRPr lang="en-US" sz="1400" dirty="0"/>
-          </a:p>
-        </p:txBody>
-      </p:sp>
-      <p:sp>
-        <p:nvSpPr>
-          <p:cNvPr id="5" name="Rectangle 4"/>
-          <p:cNvSpPr/>
-          <p:nvPr/>
-        </p:nvSpPr>
-        <p:spPr>
-          <a:xfrm>
-            <a:off x="1524000" y="339864"/>
-            <a:ext cx="5943600" cy="707886"/>
-          </a:xfrm>
-          <a:prstGeom prst="rect">
-            <a:avLst/>
-          </a:prstGeom>
-        </p:spPr>
-        <p:txBody>
-          <a:bodyPr wrap="square">
-            <a:spAutoFit/>
-          </a:bodyPr>
-          <a:lstStyle/>
-          <a:p>
-            <a:r>
-              <a:rPr lang="en-US" sz="4000" dirty="0" smtClean="0">
-                <a:latin typeface="+mj-lt"/>
-                <a:hlinkClick r:id="rId12"/>
-              </a:rPr>
-              <a:t>http://www.kindohm.com</a:t>
-            </a:r>
-            <a:endParaRPr lang="en-US" sz="4000" dirty="0">
-              <a:latin typeface="+mj-lt"/>
-            </a:endParaRPr>
-          </a:p>
-        </p:txBody>
-      </p:sp>
-    </p:spTree>
-    <p:extLst>
-      <p:ext uri="{BB962C8B-B14F-4D97-AF65-F5344CB8AC3E}">
-        <p14:creationId xmlns:p14="http://schemas.microsoft.com/office/powerpoint/2010/main" val="172447583"/>
-      </p:ext>
-    </p:extLst>
-  </p:cSld>
-  <p:clrMapOvr>
-    <a:masterClrMapping/>
-  </p:clrMapOvr>
-  <p:timing>
-    <p:tnLst>
-      <p:par>
-        <p:cTn id="1" dur="indefinite" restart="never" nodeType="tmRoot"/>
-      </p:par>
-    </p:tnLst>
-  </p:timing>
-</p:sld>
-</file>
-
 <file path=ppt/slides/slide3.xml><?xml version="1.0" encoding="utf-8"?>
 <p:sld xmlns:a="http://schemas.openxmlformats.org/drawingml/2006/main" xmlns:r="http://schemas.openxmlformats.org/officeDocument/2006/relationships" xmlns:p="http://schemas.openxmlformats.org/presentationml/2006/main">
   <p:cSld>
@@ -5946,6 +5826,335 @@
     <p:extLst>
       <p:ext uri="{BB962C8B-B14F-4D97-AF65-F5344CB8AC3E}">
         <p14:creationId xmlns:p14="http://schemas.microsoft.com/office/powerpoint/2010/main" val="2334863653"/>
+      </p:ext>
+    </p:extLst>
+  </p:cSld>
+  <p:clrMapOvr>
+    <a:masterClrMapping/>
+  </p:clrMapOvr>
+  <p:timing>
+    <p:tnLst>
+      <p:par>
+        <p:cTn id="1" dur="indefinite" restart="never" nodeType="tmRoot"/>
+      </p:par>
+    </p:tnLst>
+  </p:timing>
+</p:sld>
+</file>
+
+<file path=ppt/slides/slide30.xml><?xml version="1.0" encoding="utf-8"?>
+<p:sld xmlns:a="http://schemas.openxmlformats.org/drawingml/2006/main" xmlns:r="http://schemas.openxmlformats.org/officeDocument/2006/relationships" xmlns:p="http://schemas.openxmlformats.org/presentationml/2006/main">
+  <p:cSld>
+    <p:spTree>
+      <p:nvGrpSpPr>
+        <p:cNvPr id="1" name=""/>
+        <p:cNvGrpSpPr/>
+        <p:nvPr/>
+      </p:nvGrpSpPr>
+      <p:grpSpPr>
+        <a:xfrm>
+          <a:off x="0" y="0"/>
+          <a:ext cx="0" cy="0"/>
+          <a:chOff x="0" y="0"/>
+          <a:chExt cx="0" cy="0"/>
+        </a:xfrm>
+      </p:grpSpPr>
+      <p:sp>
+        <p:nvSpPr>
+          <p:cNvPr id="2" name="Title 1"/>
+          <p:cNvSpPr>
+            <a:spLocks noGrp="1"/>
+          </p:cNvSpPr>
+          <p:nvPr>
+            <p:ph type="title"/>
+          </p:nvPr>
+        </p:nvSpPr>
+        <p:spPr>
+          <a:xfrm>
+            <a:off x="3124200" y="1504950"/>
+            <a:ext cx="5867400" cy="857250"/>
+          </a:xfrm>
+        </p:spPr>
+        <p:txBody>
+          <a:bodyPr/>
+          <a:lstStyle/>
+          <a:p>
+            <a:pPr algn="r"/>
+            <a:r>
+              <a:rPr lang="en-US" dirty="0" smtClean="0"/>
+              <a:t>Image Credits</a:t>
+            </a:r>
+            <a:endParaRPr lang="en-US" dirty="0"/>
+          </a:p>
+        </p:txBody>
+      </p:sp>
+      <p:sp>
+        <p:nvSpPr>
+          <p:cNvPr id="3" name="Rectangle 2"/>
+          <p:cNvSpPr/>
+          <p:nvPr/>
+        </p:nvSpPr>
+        <p:spPr>
+          <a:xfrm>
+            <a:off x="2971800" y="2419350"/>
+            <a:ext cx="6019800" cy="4401205"/>
+          </a:xfrm>
+          <a:prstGeom prst="rect">
+            <a:avLst/>
+          </a:prstGeom>
+        </p:spPr>
+        <p:txBody>
+          <a:bodyPr wrap="square">
+            <a:spAutoFit/>
+          </a:bodyPr>
+          <a:lstStyle/>
+          <a:p>
+            <a:pPr algn="r"/>
+            <a:r>
+              <a:rPr lang="en-US" sz="1400" dirty="0" smtClean="0">
+                <a:hlinkClick r:id="rId2"/>
+              </a:rPr>
+              <a:t>http://www.flickr.com/photos/artisandhu/2951619905/</a:t>
+            </a:r>
+            <a:r>
+              <a:rPr lang="en-US" sz="1400" dirty="0" smtClean="0"/>
+              <a:t/>
+            </a:r>
+            <a:br>
+              <a:rPr lang="en-US" sz="1400" dirty="0" smtClean="0"/>
+            </a:br>
+            <a:r>
+              <a:rPr lang="en-US" sz="1400" dirty="0" smtClean="0">
+                <a:hlinkClick r:id="rId3"/>
+              </a:rPr>
+              <a:t>http://www.flickr.com/photos/crashmaster/3183161494/</a:t>
+            </a:r>
+            <a:r>
+              <a:rPr lang="en-US" sz="1400" dirty="0" smtClean="0"/>
+              <a:t/>
+            </a:r>
+            <a:br>
+              <a:rPr lang="en-US" sz="1400" dirty="0" smtClean="0"/>
+            </a:br>
+            <a:r>
+              <a:rPr lang="en-US" sz="1400" dirty="0" smtClean="0">
+                <a:hlinkClick r:id="rId4"/>
+              </a:rPr>
+              <a:t>http://www.flickr.com/photos/shawe/3486394808/</a:t>
+            </a:r>
+            <a:r>
+              <a:rPr lang="en-US" sz="1400" dirty="0" smtClean="0"/>
+              <a:t/>
+            </a:r>
+            <a:br>
+              <a:rPr lang="en-US" sz="1400" dirty="0" smtClean="0"/>
+            </a:br>
+            <a:r>
+              <a:rPr lang="en-US" sz="1400" dirty="0">
+                <a:hlinkClick r:id="rId5"/>
+              </a:rPr>
+              <a:t>http://www.flickr.com/photos/mistressf/581070318</a:t>
+            </a:r>
+            <a:r>
+              <a:rPr lang="en-US" sz="1400" dirty="0" smtClean="0">
+                <a:hlinkClick r:id="rId5"/>
+              </a:rPr>
+              <a:t>/</a:t>
+            </a:r>
+            <a:r>
+              <a:rPr lang="en-US" sz="1400" dirty="0" smtClean="0"/>
+              <a:t/>
+            </a:r>
+            <a:br>
+              <a:rPr lang="en-US" sz="1400" dirty="0" smtClean="0"/>
+            </a:br>
+            <a:r>
+              <a:rPr lang="en-US" sz="1400" dirty="0">
+                <a:hlinkClick r:id="rId6"/>
+              </a:rPr>
+              <a:t>http://www.flickr.com/photos/flyingsinger/86898564</a:t>
+            </a:r>
+            <a:r>
+              <a:rPr lang="en-US" sz="1400" dirty="0" smtClean="0">
+                <a:hlinkClick r:id="rId6"/>
+              </a:rPr>
+              <a:t>/</a:t>
+            </a:r>
+            <a:endParaRPr lang="en-US" sz="1400" dirty="0" smtClean="0"/>
+          </a:p>
+          <a:p>
+            <a:pPr algn="r"/>
+            <a:r>
+              <a:rPr lang="en-US" sz="1400" dirty="0">
+                <a:hlinkClick r:id="rId7"/>
+              </a:rPr>
+              <a:t>http://www.flickr.com/photos/publicworksgroup/2269566166</a:t>
+            </a:r>
+            <a:r>
+              <a:rPr lang="en-US" sz="1400" dirty="0" smtClean="0">
+                <a:hlinkClick r:id="rId7"/>
+              </a:rPr>
+              <a:t>/</a:t>
+            </a:r>
+            <a:endParaRPr lang="en-US" sz="1400" dirty="0" smtClean="0"/>
+          </a:p>
+          <a:p>
+            <a:pPr algn="r"/>
+            <a:r>
+              <a:rPr lang="en-US" sz="1400" dirty="0">
+                <a:hlinkClick r:id="rId8"/>
+              </a:rPr>
+              <a:t>http://www.flickr.com/photos/fsse-info/3559697586</a:t>
+            </a:r>
+            <a:r>
+              <a:rPr lang="en-US" sz="1400" dirty="0" smtClean="0">
+                <a:hlinkClick r:id="rId8"/>
+              </a:rPr>
+              <a:t>/</a:t>
+            </a:r>
+            <a:r>
+              <a:rPr lang="en-US" sz="1400" dirty="0"/>
+              <a:t/>
+            </a:r>
+            <a:br>
+              <a:rPr lang="en-US" sz="1400" dirty="0"/>
+            </a:br>
+            <a:r>
+              <a:rPr lang="en-US" sz="1400" dirty="0">
+                <a:hlinkClick r:id="rId9"/>
+              </a:rPr>
+              <a:t>http://www.flickr.com/photos/wapster/3919855338</a:t>
+            </a:r>
+            <a:r>
+              <a:rPr lang="en-US" sz="1400" dirty="0" smtClean="0">
+                <a:hlinkClick r:id="rId9"/>
+              </a:rPr>
+              <a:t>/</a:t>
+            </a:r>
+            <a:endParaRPr lang="en-US" sz="1400" dirty="0" smtClean="0"/>
+          </a:p>
+          <a:p>
+            <a:pPr algn="r"/>
+            <a:r>
+              <a:rPr lang="en-US" sz="1400" dirty="0">
+                <a:hlinkClick r:id="rId10"/>
+              </a:rPr>
+              <a:t>http://www.flickr.com/photos/lovelihood/5399818533</a:t>
+            </a:r>
+            <a:r>
+              <a:rPr lang="en-US" sz="1400" dirty="0" smtClean="0">
+                <a:hlinkClick r:id="rId10"/>
+              </a:rPr>
+              <a:t>/</a:t>
+            </a:r>
+            <a:endParaRPr lang="en-US" sz="1400" dirty="0" smtClean="0"/>
+          </a:p>
+          <a:p>
+            <a:pPr algn="r"/>
+            <a:r>
+              <a:rPr lang="en-US" sz="1400" dirty="0">
+                <a:hlinkClick r:id="rId11"/>
+              </a:rPr>
+              <a:t>http://www.flickr.com/photos/peterkaminski/1510724</a:t>
+            </a:r>
+            <a:r>
+              <a:rPr lang="en-US" sz="1400" dirty="0" smtClean="0">
+                <a:hlinkClick r:id="rId11"/>
+              </a:rPr>
+              <a:t>/</a:t>
+            </a:r>
+            <a:r>
+              <a:rPr lang="en-US" sz="1400" dirty="0"/>
+              <a:t/>
+            </a:r>
+            <a:br>
+              <a:rPr lang="en-US" sz="1400" dirty="0"/>
+            </a:br>
+            <a:r>
+              <a:rPr lang="en-US" sz="1400" dirty="0"/>
+              <a:t>http://www.flickr.com/photos/ste3ve/87689464</a:t>
+            </a:r>
+            <a:r>
+              <a:rPr lang="en-US" sz="1400" dirty="0" smtClean="0"/>
+              <a:t>/</a:t>
+            </a:r>
+          </a:p>
+          <a:p>
+            <a:pPr algn="r"/>
+            <a:endParaRPr lang="en-US" sz="1400" dirty="0"/>
+          </a:p>
+          <a:p>
+            <a:pPr algn="r"/>
+            <a:endParaRPr lang="en-US" sz="1400" dirty="0" smtClean="0"/>
+          </a:p>
+          <a:p>
+            <a:pPr algn="r"/>
+            <a:endParaRPr lang="en-US" sz="1400" dirty="0" smtClean="0"/>
+          </a:p>
+          <a:p>
+            <a:pPr algn="r"/>
+            <a:endParaRPr lang="en-US" sz="1400" dirty="0" smtClean="0"/>
+          </a:p>
+          <a:p>
+            <a:pPr algn="r"/>
+            <a:endParaRPr lang="en-US" sz="1400" dirty="0" smtClean="0"/>
+          </a:p>
+          <a:p>
+            <a:pPr algn="r"/>
+            <a:endParaRPr lang="en-US" sz="1400" dirty="0" smtClean="0"/>
+          </a:p>
+          <a:p>
+            <a:pPr algn="r"/>
+            <a:endParaRPr lang="en-US" sz="1400" dirty="0" smtClean="0"/>
+          </a:p>
+          <a:p>
+            <a:pPr algn="r"/>
+            <a:endParaRPr lang="en-US" sz="1400" dirty="0" smtClean="0"/>
+          </a:p>
+          <a:p>
+            <a:pPr algn="r"/>
+            <a:endParaRPr lang="en-US" sz="1400" dirty="0"/>
+          </a:p>
+        </p:txBody>
+      </p:sp>
+      <p:sp>
+        <p:nvSpPr>
+          <p:cNvPr id="5" name="Rectangle 4"/>
+          <p:cNvSpPr/>
+          <p:nvPr/>
+        </p:nvSpPr>
+        <p:spPr>
+          <a:xfrm>
+            <a:off x="1524000" y="339864"/>
+            <a:ext cx="5943600" cy="707886"/>
+          </a:xfrm>
+          <a:prstGeom prst="rect">
+            <a:avLst/>
+          </a:prstGeom>
+        </p:spPr>
+        <p:txBody>
+          <a:bodyPr wrap="square">
+            <a:spAutoFit/>
+          </a:bodyPr>
+          <a:lstStyle/>
+          <a:p>
+            <a:r>
+              <a:rPr lang="en-US" sz="4000" dirty="0" smtClean="0">
+                <a:latin typeface="+mj-lt"/>
+                <a:hlinkClick r:id="rId12"/>
+              </a:rPr>
+              <a:t>http://www.kindohm.com</a:t>
+            </a:r>
+            <a:endParaRPr lang="en-US" sz="4000" dirty="0">
+              <a:latin typeface="+mj-lt"/>
+            </a:endParaRPr>
+          </a:p>
+        </p:txBody>
+      </p:sp>
+    </p:spTree>
+    <p:extLst>
+      <p:ext uri="{BB962C8B-B14F-4D97-AF65-F5344CB8AC3E}">
+        <p14:creationId xmlns:p14="http://schemas.microsoft.com/office/powerpoint/2010/main" val="172447583"/>
       </p:ext>
     </p:extLst>
   </p:cSld>
@@ -6114,6 +6323,40 @@
           <a:chExt cx="0" cy="0"/>
         </a:xfrm>
       </p:grpSpPr>
+      <p:sp>
+        <p:nvSpPr>
+          <p:cNvPr id="2" name="Title 1"/>
+          <p:cNvSpPr>
+            <a:spLocks noGrp="1"/>
+          </p:cNvSpPr>
+          <p:nvPr>
+            <p:ph type="title"/>
+          </p:nvPr>
+        </p:nvSpPr>
+        <p:spPr>
+          <a:xfrm>
+            <a:off x="3657600" y="1733550"/>
+            <a:ext cx="4724400" cy="1524000"/>
+          </a:xfrm>
+        </p:spPr>
+        <p:txBody>
+          <a:bodyPr/>
+          <a:lstStyle/>
+          <a:p>
+            <a:r>
+              <a:rPr lang="en-US" dirty="0" smtClean="0">
+                <a:sym typeface="Wingdings" pitchFamily="2" charset="2"/>
+              </a:rPr>
+              <a:t>== </a:t>
+            </a:r>
+            <a:r>
+              <a:rPr lang="en-US" dirty="0" smtClean="0"/>
+              <a:t>Hacky</a:t>
+            </a:r>
+            <a:endParaRPr lang="en-US" dirty="0"/>
+          </a:p>
+        </p:txBody>
+      </p:sp>
       <p:pic>
         <p:nvPicPr>
           <p:cNvPr id="4" name="Picture 3"/>
@@ -6123,7 +6366,7 @@
           <p:nvPr/>
         </p:nvPicPr>
         <p:blipFill>
-          <a:blip r:embed="rId2">
+          <a:blip r:embed="rId2" cstate="print">
             <a:extLst>
               <a:ext uri="{28A0092B-C50C-407E-A947-70E740481C1C}">
                 <a14:useLocalDpi xmlns:a14="http://schemas.microsoft.com/office/drawing/2010/main" val="0"/>
@@ -6136,8 +6379,8 @@
         </p:blipFill>
         <p:spPr>
           <a:xfrm>
-            <a:off x="1121222" y="0"/>
-            <a:ext cx="6901556" cy="5143500"/>
+            <a:off x="0" y="-1"/>
+            <a:ext cx="3962400" cy="5164839"/>
           </a:xfrm>
           <a:prstGeom prst="rect">
             <a:avLst/>
@@ -6147,7 +6390,7 @@
     </p:spTree>
     <p:extLst>
       <p:ext uri="{BB962C8B-B14F-4D97-AF65-F5344CB8AC3E}">
-        <p14:creationId xmlns:p14="http://schemas.microsoft.com/office/powerpoint/2010/main" val="4074162914"/>
+        <p14:creationId xmlns:p14="http://schemas.microsoft.com/office/powerpoint/2010/main" val="899585346"/>
       </p:ext>
     </p:extLst>
   </p:cSld>
@@ -6181,42 +6424,6 @@
           <a:chExt cx="0" cy="0"/>
         </a:xfrm>
       </p:grpSpPr>
-      <p:sp>
-        <p:nvSpPr>
-          <p:cNvPr id="2" name="Title 1"/>
-          <p:cNvSpPr>
-            <a:spLocks noGrp="1"/>
-          </p:cNvSpPr>
-          <p:nvPr>
-            <p:ph type="title"/>
-          </p:nvPr>
-        </p:nvSpPr>
-        <p:spPr>
-          <a:xfrm>
-            <a:off x="4191000" y="1733550"/>
-            <a:ext cx="4724400" cy="1524000"/>
-          </a:xfrm>
-        </p:spPr>
-        <p:txBody>
-          <a:bodyPr/>
-          <a:lstStyle/>
-          <a:p>
-            <a:r>
-              <a:rPr lang="en-US" dirty="0" smtClean="0"/>
-              <a:t>Drivers </a:t>
-            </a:r>
-            <a:r>
-              <a:rPr lang="en-US" sz="3200" dirty="0" smtClean="0"/>
-              <a:t>and</a:t>
-            </a:r>
-            <a:r>
-              <a:rPr lang="en-US" dirty="0" smtClean="0"/>
-              <a:t> Libraries</a:t>
-            </a:r>
-            <a:endParaRPr lang="en-US" dirty="0"/>
-          </a:p>
-        </p:txBody>
-      </p:sp>
       <p:pic>
         <p:nvPicPr>
           <p:cNvPr id="4" name="Picture 3"/>
@@ -6226,7 +6433,7 @@
           <p:nvPr/>
         </p:nvPicPr>
         <p:blipFill>
-          <a:blip r:embed="rId2" cstate="print">
+          <a:blip r:embed="rId2">
             <a:extLst>
               <a:ext uri="{28A0092B-C50C-407E-A947-70E740481C1C}">
                 <a14:useLocalDpi xmlns:a14="http://schemas.microsoft.com/office/drawing/2010/main" val="0"/>
@@ -6239,8 +6446,8 @@
         </p:blipFill>
         <p:spPr>
           <a:xfrm>
-            <a:off x="0" y="-1"/>
-            <a:ext cx="3962400" cy="5164839"/>
+            <a:off x="1121222" y="0"/>
+            <a:ext cx="6901556" cy="5143500"/>
           </a:xfrm>
           <a:prstGeom prst="rect">
             <a:avLst/>
@@ -6250,7 +6457,7 @@
     </p:spTree>
     <p:extLst>
       <p:ext uri="{BB962C8B-B14F-4D97-AF65-F5344CB8AC3E}">
-        <p14:creationId xmlns:p14="http://schemas.microsoft.com/office/powerpoint/2010/main" val="2021294894"/>
+        <p14:creationId xmlns:p14="http://schemas.microsoft.com/office/powerpoint/2010/main" val="4074162914"/>
       </p:ext>
     </p:extLst>
   </p:cSld>
@@ -6294,31 +6501,66 @@
             <p:ph type="title"/>
           </p:nvPr>
         </p:nvSpPr>
-        <p:spPr/>
+        <p:spPr>
+          <a:xfrm>
+            <a:off x="4191000" y="1733550"/>
+            <a:ext cx="4724400" cy="1524000"/>
+          </a:xfrm>
+        </p:spPr>
         <p:txBody>
           <a:bodyPr/>
           <a:lstStyle/>
           <a:p>
             <a:r>
-              <a:rPr lang="en-US" dirty="0" err="1" smtClean="0"/>
-              <a:t>OpenKinect</a:t>
-            </a:r>
-            <a:r>
               <a:rPr lang="en-US" dirty="0" smtClean="0"/>
-              <a:t> versus </a:t>
-            </a:r>
-            <a:r>
-              <a:rPr lang="en-US" dirty="0" err="1" smtClean="0"/>
-              <a:t>OpenNI</a:t>
+              <a:t>Drivers </a:t>
+            </a:r>
+            <a:r>
+              <a:rPr lang="en-US" sz="3200" dirty="0" smtClean="0"/>
+              <a:t>and</a:t>
+            </a:r>
+            <a:r>
+              <a:rPr lang="en-US" dirty="0" smtClean="0"/>
+              <a:t> Libraries</a:t>
             </a:r>
             <a:endParaRPr lang="en-US" dirty="0"/>
           </a:p>
         </p:txBody>
       </p:sp>
+      <p:pic>
+        <p:nvPicPr>
+          <p:cNvPr id="4" name="Picture 3"/>
+          <p:cNvPicPr>
+            <a:picLocks noChangeAspect="1"/>
+          </p:cNvPicPr>
+          <p:nvPr/>
+        </p:nvPicPr>
+        <p:blipFill>
+          <a:blip r:embed="rId2" cstate="print">
+            <a:extLst>
+              <a:ext uri="{28A0092B-C50C-407E-A947-70E740481C1C}">
+                <a14:useLocalDpi xmlns:a14="http://schemas.microsoft.com/office/drawing/2010/main" val="0"/>
+              </a:ext>
+            </a:extLst>
+          </a:blip>
+          <a:stretch>
+            <a:fillRect/>
+          </a:stretch>
+        </p:blipFill>
+        <p:spPr>
+          <a:xfrm>
+            <a:off x="0" y="-1"/>
+            <a:ext cx="3962400" cy="5164839"/>
+          </a:xfrm>
+          <a:prstGeom prst="rect">
+            <a:avLst/>
+          </a:prstGeom>
+        </p:spPr>
+      </p:pic>
     </p:spTree>
     <p:extLst>
       <p:ext uri="{BB962C8B-B14F-4D97-AF65-F5344CB8AC3E}">
-        <p14:creationId xmlns:p14="http://schemas.microsoft.com/office/powerpoint/2010/main" val="321484671"/>
+        <p14:creationId xmlns:p14="http://schemas.microsoft.com/office/powerpoint/2010/main" val="2021294894"/>
       </p:ext>
     </p:extLst>
   </p:cSld>
@@ -6352,120 +6594,32 @@
           <a:chExt cx="0" cy="0"/>
         </a:xfrm>
       </p:grpSpPr>
-      <p:pic>
-        <p:nvPicPr>
-          <p:cNvPr id="2" name="Picture 1"/>
-          <p:cNvPicPr>
-            <a:picLocks noChangeAspect="1"/>
-          </p:cNvPicPr>
-          <p:nvPr/>
-        </p:nvPicPr>
-        <p:blipFill>
-          <a:blip r:embed="rId2" cstate="print">
-            <a:extLst>
-              <a:ext uri="{28A0092B-C50C-407E-A947-70E740481C1C}">
-                <a14:useLocalDpi xmlns:a14="http://schemas.microsoft.com/office/drawing/2010/main" val="0"/>
-              </a:ext>
-            </a:extLst>
-          </a:blip>
-          <a:stretch>
-            <a:fillRect/>
-          </a:stretch>
-        </p:blipFill>
-        <p:spPr>
-          <a:xfrm>
-            <a:off x="0" y="-1"/>
-            <a:ext cx="3962400" cy="5164839"/>
-          </a:xfrm>
-          <a:prstGeom prst="rect">
-            <a:avLst/>
-          </a:prstGeom>
-        </p:spPr>
-      </p:pic>
-      <p:sp>
-        <p:nvSpPr>
-          <p:cNvPr id="3" name="Title 1"/>
-          <p:cNvSpPr txBox="1">
-            <a:spLocks/>
-          </p:cNvSpPr>
-          <p:nvPr/>
-        </p:nvSpPr>
-        <p:spPr>
-          <a:xfrm>
-            <a:off x="4191000" y="1733550"/>
-            <a:ext cx="4724400" cy="990600"/>
-          </a:xfrm>
-          <a:prstGeom prst="rect">
-            <a:avLst/>
-          </a:prstGeom>
-        </p:spPr>
+      <p:sp>
+        <p:nvSpPr>
+          <p:cNvPr id="2" name="Title 1"/>
+          <p:cNvSpPr>
+            <a:spLocks noGrp="1"/>
+          </p:cNvSpPr>
+          <p:nvPr>
+            <p:ph type="title"/>
+          </p:nvPr>
+        </p:nvSpPr>
+        <p:spPr/>
         <p:txBody>
           <a:bodyPr/>
-          <a:lstStyle>
-            <a:lvl1pPr algn="ctr" defTabSz="914400" rtl="0" eaLnBrk="1" latinLnBrk="0" hangingPunct="1">
-              <a:spcBef>
-                <a:spcPct val="0"/>
-              </a:spcBef>
-              <a:buNone/>
-              <a:defRPr sz="4400" kern="1200">
-                <a:solidFill>
-                  <a:schemeClr val="tx1"/>
-                </a:solidFill>
-                <a:latin typeface="+mj-lt"/>
-                <a:ea typeface="+mj-ea"/>
-                <a:cs typeface="+mj-cs"/>
-              </a:defRPr>
-            </a:lvl1pPr>
-          </a:lstStyle>
-          <a:p>
+          <a:lstStyle/>
+          <a:p>
+            <a:r>
+              <a:rPr lang="en-US" dirty="0" err="1" smtClean="0"/>
+              <a:t>OpenKinect</a:t>
+            </a:r>
             <a:r>
               <a:rPr lang="en-US" dirty="0" smtClean="0"/>
-              <a:t>Support</a:t>
-            </a:r>
-            <a:endParaRPr lang="en-US" dirty="0"/>
-          </a:p>
-        </p:txBody>
-      </p:sp>
-      <p:sp>
-        <p:nvSpPr>
-          <p:cNvPr id="4" name="TextBox 3"/>
-          <p:cNvSpPr txBox="1"/>
-          <p:nvPr/>
-        </p:nvSpPr>
-        <p:spPr>
-          <a:xfrm>
-            <a:off x="4658194" y="3028950"/>
-            <a:ext cx="3783600" cy="646331"/>
-          </a:xfrm>
-          <a:prstGeom prst="rect">
-            <a:avLst/>
-          </a:prstGeom>
-          <a:noFill/>
-        </p:spPr>
-        <p:txBody>
-          <a:bodyPr wrap="none" rtlCol="0">
-            <a:spAutoFit/>
-          </a:bodyPr>
-          <a:lstStyle/>
-          <a:p>
-            <a:r>
-              <a:rPr lang="en-US" dirty="0" smtClean="0"/>
-              <a:t>groups.google.com/group/</a:t>
+              <a:t> versus </a:t>
             </a:r>
             <a:r>
               <a:rPr lang="en-US" dirty="0" err="1" smtClean="0"/>
-              <a:t>openni-dev</a:t>
-            </a:r>
-            <a:endParaRPr lang="en-US" dirty="0"/>
-          </a:p>
-          <a:p>
-            <a:r>
-              <a:rPr lang="en-US" dirty="0"/>
-              <a:t>groups.google.com/group/</a:t>
-            </a:r>
-            <a:r>
-              <a:rPr lang="en-US" dirty="0" err="1"/>
-              <a:t>openkinect</a:t>
+              <a:t>OpenNI</a:t>
             </a:r>
             <a:endParaRPr lang="en-US" dirty="0"/>
           </a:p>
@@ -6474,7 +6628,7 @@
     </p:spTree>
     <p:extLst>
       <p:ext uri="{BB962C8B-B14F-4D97-AF65-F5344CB8AC3E}">
-        <p14:creationId xmlns:p14="http://schemas.microsoft.com/office/powerpoint/2010/main" val="2923332028"/>
+        <p14:creationId xmlns:p14="http://schemas.microsoft.com/office/powerpoint/2010/main" val="321484671"/>
       </p:ext>
     </p:extLst>
   </p:cSld>

--- a/slides/KinectDev.pptx
+++ b/slides/KinectDev.pptx
@@ -30,11 +30,9 @@
     <p:sldId id="275" r:id="rId24"/>
     <p:sldId id="269" r:id="rId25"/>
     <p:sldId id="280" r:id="rId26"/>
-    <p:sldId id="281" r:id="rId27"/>
-    <p:sldId id="276" r:id="rId28"/>
-    <p:sldId id="273" r:id="rId29"/>
-    <p:sldId id="278" r:id="rId30"/>
-    <p:sldId id="265" r:id="rId31"/>
+    <p:sldId id="276" r:id="rId27"/>
+    <p:sldId id="273" r:id="rId28"/>
+    <p:sldId id="265" r:id="rId29"/>
   </p:sldIdLst>
   <p:sldSz cx="9144000" cy="5143500" type="screen16x9"/>
   <p:notesSz cx="6858000" cy="9144000"/>
@@ -5399,55 +5397,6 @@
           <a:chExt cx="0" cy="0"/>
         </a:xfrm>
       </p:grpSpPr>
-      <p:sp>
-        <p:nvSpPr>
-          <p:cNvPr id="2" name="Title 1"/>
-          <p:cNvSpPr>
-            <a:spLocks noGrp="1"/>
-          </p:cNvSpPr>
-          <p:nvPr>
-            <p:ph type="title"/>
-          </p:nvPr>
-        </p:nvSpPr>
-        <p:spPr/>
-        <p:txBody>
-          <a:bodyPr/>
-          <a:lstStyle/>
-          <a:p>
-            <a:endParaRPr lang="en-US"/>
-          </a:p>
-        </p:txBody>
-      </p:sp>
-    </p:spTree>
-    <p:extLst>
-      <p:ext uri="{BB962C8B-B14F-4D97-AF65-F5344CB8AC3E}">
-        <p14:creationId xmlns:p14="http://schemas.microsoft.com/office/powerpoint/2010/main" val="2802289633"/>
-      </p:ext>
-    </p:extLst>
-  </p:cSld>
-  <p:clrMapOvr>
-    <a:masterClrMapping/>
-  </p:clrMapOvr>
-</p:sld>
-</file>
-
-<file path=ppt/slides/slide27.xml><?xml version="1.0" encoding="utf-8"?>
-<p:sld xmlns:a="http://schemas.openxmlformats.org/drawingml/2006/main" xmlns:r="http://schemas.openxmlformats.org/officeDocument/2006/relationships" xmlns:p="http://schemas.openxmlformats.org/presentationml/2006/main">
-  <p:cSld>
-    <p:spTree>
-      <p:nvGrpSpPr>
-        <p:cNvPr id="1" name=""/>
-        <p:cNvGrpSpPr/>
-        <p:nvPr/>
-      </p:nvGrpSpPr>
-      <p:grpSpPr>
-        <a:xfrm>
-          <a:off x="0" y="0"/>
-          <a:ext cx="0" cy="0"/>
-          <a:chOff x="0" y="0"/>
-          <a:chExt cx="0" cy="0"/>
-        </a:xfrm>
-      </p:grpSpPr>
       <p:pic>
         <p:nvPicPr>
           <p:cNvPr id="4" name="Picture 3"/>
@@ -5526,7 +5475,7 @@
 </p:sld>
 </file>
 
-<file path=ppt/slides/slide28.xml><?xml version="1.0" encoding="utf-8"?>
+<file path=ppt/slides/slide27.xml><?xml version="1.0" encoding="utf-8"?>
 <p:sld xmlns:a="http://schemas.openxmlformats.org/drawingml/2006/main" xmlns:r="http://schemas.openxmlformats.org/officeDocument/2006/relationships" xmlns:p="http://schemas.openxmlformats.org/presentationml/2006/main">
   <p:cSld>
     <p:bg>
@@ -5688,7 +5637,7 @@
 </p:sld>
 </file>
 
-<file path=ppt/slides/slide29.xml><?xml version="1.0" encoding="utf-8"?>
+<file path=ppt/slides/slide28.xml><?xml version="1.0" encoding="utf-8"?>
 <p:sld xmlns:a="http://schemas.openxmlformats.org/drawingml/2006/main" xmlns:r="http://schemas.openxmlformats.org/officeDocument/2006/relationships" xmlns:p="http://schemas.openxmlformats.org/presentationml/2006/main">
   <p:cSld>
     <p:spTree>
@@ -5705,76 +5654,315 @@
           <a:chExt cx="0" cy="0"/>
         </a:xfrm>
       </p:grpSpPr>
-      <p:pic>
-        <p:nvPicPr>
-          <p:cNvPr id="3" name="Picture 2"/>
-          <p:cNvPicPr>
-            <a:picLocks noChangeAspect="1"/>
-          </p:cNvPicPr>
+      <p:sp>
+        <p:nvSpPr>
+          <p:cNvPr id="2" name="Title 1"/>
+          <p:cNvSpPr>
+            <a:spLocks noGrp="1"/>
+          </p:cNvSpPr>
+          <p:nvPr>
+            <p:ph type="title"/>
+          </p:nvPr>
+        </p:nvSpPr>
+        <p:spPr>
+          <a:xfrm>
+            <a:off x="3124200" y="1504950"/>
+            <a:ext cx="5867400" cy="857250"/>
+          </a:xfrm>
+        </p:spPr>
+        <p:txBody>
+          <a:bodyPr/>
+          <a:lstStyle/>
+          <a:p>
+            <a:pPr algn="r"/>
+            <a:r>
+              <a:rPr lang="en-US" dirty="0" smtClean="0"/>
+              <a:t>Image Credits</a:t>
+            </a:r>
+            <a:endParaRPr lang="en-US" dirty="0"/>
+          </a:p>
+        </p:txBody>
+      </p:sp>
+      <p:sp>
+        <p:nvSpPr>
+          <p:cNvPr id="3" name="Rectangle 2"/>
+          <p:cNvSpPr/>
           <p:nvPr/>
-        </p:nvPicPr>
-        <p:blipFill>
-          <a:blip r:embed="rId2">
-            <a:extLst>
-              <a:ext uri="{28A0092B-C50C-407E-A947-70E740481C1C}">
-                <a14:useLocalDpi xmlns:a14="http://schemas.microsoft.com/office/drawing/2010/main" val="0"/>
-              </a:ext>
-            </a:extLst>
-          </a:blip>
-          <a:stretch>
-            <a:fillRect/>
-          </a:stretch>
-        </p:blipFill>
-        <p:spPr>
-          <a:xfrm>
-            <a:off x="5286375" y="0"/>
-            <a:ext cx="3857625" cy="5143500"/>
+        </p:nvSpPr>
+        <p:spPr>
+          <a:xfrm>
+            <a:off x="2971800" y="2419350"/>
+            <a:ext cx="6019800" cy="4401205"/>
           </a:xfrm>
           <a:prstGeom prst="rect">
             <a:avLst/>
           </a:prstGeom>
         </p:spPr>
-      </p:pic>
-      <p:sp>
-        <p:nvSpPr>
-          <p:cNvPr id="4" name="Title 1"/>
-          <p:cNvSpPr>
-            <a:spLocks noGrp="1"/>
-          </p:cNvSpPr>
-          <p:nvPr>
-            <p:ph type="title"/>
-          </p:nvPr>
-        </p:nvSpPr>
-        <p:spPr>
-          <a:xfrm>
-            <a:off x="838200" y="2095500"/>
-            <a:ext cx="3886200" cy="857250"/>
-          </a:xfrm>
-        </p:spPr>
-        <p:txBody>
-          <a:bodyPr>
-            <a:normAutofit fontScale="90000"/>
+        <p:txBody>
+          <a:bodyPr wrap="square">
+            <a:spAutoFit/>
           </a:bodyPr>
           <a:lstStyle/>
           <a:p>
-            <a:r>
-              <a:rPr lang="en-US" dirty="0" smtClean="0"/>
-              <a:t>ManagedNite.dll Limitations</a:t>
-            </a:r>
-            <a:endParaRPr lang="en-US" dirty="0"/>
+            <a:pPr algn="r"/>
+            <a:r>
+              <a:rPr lang="en-US" sz="1400" dirty="0" smtClean="0">
+                <a:hlinkClick r:id="rId2"/>
+              </a:rPr>
+              <a:t>http://www.flickr.com/photos/artisandhu/2951619905/</a:t>
+            </a:r>
+            <a:r>
+              <a:rPr lang="en-US" sz="1400" dirty="0" smtClean="0"/>
+              <a:t/>
+            </a:r>
+            <a:br>
+              <a:rPr lang="en-US" sz="1400" dirty="0" smtClean="0"/>
+            </a:br>
+            <a:r>
+              <a:rPr lang="en-US" sz="1400" dirty="0" smtClean="0">
+                <a:hlinkClick r:id="rId3"/>
+              </a:rPr>
+              <a:t>http://www.flickr.com/photos/crashmaster/3183161494/</a:t>
+            </a:r>
+            <a:r>
+              <a:rPr lang="en-US" sz="1400" dirty="0" smtClean="0"/>
+              <a:t/>
+            </a:r>
+            <a:br>
+              <a:rPr lang="en-US" sz="1400" dirty="0" smtClean="0"/>
+            </a:br>
+            <a:r>
+              <a:rPr lang="en-US" sz="1400" dirty="0" smtClean="0">
+                <a:hlinkClick r:id="rId4"/>
+              </a:rPr>
+              <a:t>http://www.flickr.com/photos/shawe/3486394808/</a:t>
+            </a:r>
+            <a:r>
+              <a:rPr lang="en-US" sz="1400" dirty="0" smtClean="0"/>
+              <a:t/>
+            </a:r>
+            <a:br>
+              <a:rPr lang="en-US" sz="1400" dirty="0" smtClean="0"/>
+            </a:br>
+            <a:r>
+              <a:rPr lang="en-US" sz="1400" dirty="0">
+                <a:hlinkClick r:id="rId5"/>
+              </a:rPr>
+              <a:t>http://www.flickr.com/photos/mistressf/581070318</a:t>
+            </a:r>
+            <a:r>
+              <a:rPr lang="en-US" sz="1400" dirty="0" smtClean="0">
+                <a:hlinkClick r:id="rId5"/>
+              </a:rPr>
+              <a:t>/</a:t>
+            </a:r>
+            <a:r>
+              <a:rPr lang="en-US" sz="1400" dirty="0" smtClean="0"/>
+              <a:t/>
+            </a:r>
+            <a:br>
+              <a:rPr lang="en-US" sz="1400" dirty="0" smtClean="0"/>
+            </a:br>
+            <a:r>
+              <a:rPr lang="en-US" sz="1400" dirty="0">
+                <a:hlinkClick r:id="rId6"/>
+              </a:rPr>
+              <a:t>http://www.flickr.com/photos/flyingsinger/86898564</a:t>
+            </a:r>
+            <a:r>
+              <a:rPr lang="en-US" sz="1400" dirty="0" smtClean="0">
+                <a:hlinkClick r:id="rId6"/>
+              </a:rPr>
+              <a:t>/</a:t>
+            </a:r>
+            <a:endParaRPr lang="en-US" sz="1400" dirty="0" smtClean="0"/>
+          </a:p>
+          <a:p>
+            <a:pPr algn="r"/>
+            <a:r>
+              <a:rPr lang="en-US" sz="1400" dirty="0">
+                <a:hlinkClick r:id="rId7"/>
+              </a:rPr>
+              <a:t>http://www.flickr.com/photos/publicworksgroup/2269566166</a:t>
+            </a:r>
+            <a:r>
+              <a:rPr lang="en-US" sz="1400" dirty="0" smtClean="0">
+                <a:hlinkClick r:id="rId7"/>
+              </a:rPr>
+              <a:t>/</a:t>
+            </a:r>
+            <a:endParaRPr lang="en-US" sz="1400" dirty="0" smtClean="0"/>
+          </a:p>
+          <a:p>
+            <a:pPr algn="r"/>
+            <a:r>
+              <a:rPr lang="en-US" sz="1400" dirty="0">
+                <a:hlinkClick r:id="rId8"/>
+              </a:rPr>
+              <a:t>http://www.flickr.com/photos/fsse-info/3559697586</a:t>
+            </a:r>
+            <a:r>
+              <a:rPr lang="en-US" sz="1400" dirty="0" smtClean="0">
+                <a:hlinkClick r:id="rId8"/>
+              </a:rPr>
+              <a:t>/</a:t>
+            </a:r>
+            <a:r>
+              <a:rPr lang="en-US" sz="1400" dirty="0"/>
+              <a:t/>
+            </a:r>
+            <a:br>
+              <a:rPr lang="en-US" sz="1400" dirty="0"/>
+            </a:br>
+            <a:r>
+              <a:rPr lang="en-US" sz="1400" dirty="0">
+                <a:hlinkClick r:id="rId9"/>
+              </a:rPr>
+              <a:t>http://www.flickr.com/photos/wapster/3919855338</a:t>
+            </a:r>
+            <a:r>
+              <a:rPr lang="en-US" sz="1400" dirty="0" smtClean="0">
+                <a:hlinkClick r:id="rId9"/>
+              </a:rPr>
+              <a:t>/</a:t>
+            </a:r>
+            <a:endParaRPr lang="en-US" sz="1400" dirty="0" smtClean="0"/>
+          </a:p>
+          <a:p>
+            <a:pPr algn="r"/>
+            <a:r>
+              <a:rPr lang="en-US" sz="1400" dirty="0">
+                <a:hlinkClick r:id="rId10"/>
+              </a:rPr>
+              <a:t>http://www.flickr.com/photos/lovelihood/5399818533</a:t>
+            </a:r>
+            <a:r>
+              <a:rPr lang="en-US" sz="1400" dirty="0" smtClean="0">
+                <a:hlinkClick r:id="rId10"/>
+              </a:rPr>
+              <a:t>/</a:t>
+            </a:r>
+            <a:endParaRPr lang="en-US" sz="1400" dirty="0" smtClean="0"/>
+          </a:p>
+          <a:p>
+            <a:pPr algn="r"/>
+            <a:r>
+              <a:rPr lang="en-US" sz="1400" dirty="0">
+                <a:hlinkClick r:id="rId11"/>
+              </a:rPr>
+              <a:t>http://www.flickr.com/photos/peterkaminski/1510724</a:t>
+            </a:r>
+            <a:r>
+              <a:rPr lang="en-US" sz="1400" dirty="0" smtClean="0">
+                <a:hlinkClick r:id="rId11"/>
+              </a:rPr>
+              <a:t>/</a:t>
+            </a:r>
+            <a:r>
+              <a:rPr lang="en-US" sz="1400" dirty="0"/>
+              <a:t/>
+            </a:r>
+            <a:br>
+              <a:rPr lang="en-US" sz="1400" dirty="0"/>
+            </a:br>
+            <a:r>
+              <a:rPr lang="en-US" sz="1400" dirty="0"/>
+              <a:t>http://www.flickr.com/photos/ste3ve/87689464</a:t>
+            </a:r>
+            <a:r>
+              <a:rPr lang="en-US" sz="1400" dirty="0" smtClean="0"/>
+              <a:t>/</a:t>
+            </a:r>
+          </a:p>
+          <a:p>
+            <a:pPr algn="r"/>
+            <a:endParaRPr lang="en-US" sz="1400" dirty="0"/>
+          </a:p>
+          <a:p>
+            <a:pPr algn="r"/>
+            <a:endParaRPr lang="en-US" sz="1400" dirty="0" smtClean="0"/>
+          </a:p>
+          <a:p>
+            <a:pPr algn="r"/>
+            <a:endParaRPr lang="en-US" sz="1400" dirty="0" smtClean="0"/>
+          </a:p>
+          <a:p>
+            <a:pPr algn="r"/>
+            <a:endParaRPr lang="en-US" sz="1400" dirty="0" smtClean="0"/>
+          </a:p>
+          <a:p>
+            <a:pPr algn="r"/>
+            <a:endParaRPr lang="en-US" sz="1400" dirty="0" smtClean="0"/>
+          </a:p>
+          <a:p>
+            <a:pPr algn="r"/>
+            <a:endParaRPr lang="en-US" sz="1400" dirty="0" smtClean="0"/>
+          </a:p>
+          <a:p>
+            <a:pPr algn="r"/>
+            <a:endParaRPr lang="en-US" sz="1400" dirty="0" smtClean="0"/>
+          </a:p>
+          <a:p>
+            <a:pPr algn="r"/>
+            <a:endParaRPr lang="en-US" sz="1400" dirty="0" smtClean="0"/>
+          </a:p>
+          <a:p>
+            <a:pPr algn="r"/>
+            <a:endParaRPr lang="en-US" sz="1400" dirty="0"/>
+          </a:p>
+        </p:txBody>
+      </p:sp>
+      <p:sp>
+        <p:nvSpPr>
+          <p:cNvPr id="5" name="Rectangle 4"/>
+          <p:cNvSpPr/>
+          <p:nvPr/>
+        </p:nvSpPr>
+        <p:spPr>
+          <a:xfrm>
+            <a:off x="1524000" y="339864"/>
+            <a:ext cx="5943600" cy="707886"/>
+          </a:xfrm>
+          <a:prstGeom prst="rect">
+            <a:avLst/>
+          </a:prstGeom>
+        </p:spPr>
+        <p:txBody>
+          <a:bodyPr wrap="square">
+            <a:spAutoFit/>
+          </a:bodyPr>
+          <a:lstStyle/>
+          <a:p>
+            <a:r>
+              <a:rPr lang="en-US" sz="4000" dirty="0" smtClean="0">
+                <a:latin typeface="+mj-lt"/>
+                <a:hlinkClick r:id="rId12"/>
+              </a:rPr>
+              <a:t>http://www.kindohm.com</a:t>
+            </a:r>
+            <a:endParaRPr lang="en-US" sz="4000" dirty="0">
+              <a:latin typeface="+mj-lt"/>
+            </a:endParaRPr>
           </a:p>
         </p:txBody>
       </p:sp>
     </p:spTree>
     <p:extLst>
       <p:ext uri="{BB962C8B-B14F-4D97-AF65-F5344CB8AC3E}">
-        <p14:creationId xmlns:p14="http://schemas.microsoft.com/office/powerpoint/2010/main" val="83604368"/>
+        <p14:creationId xmlns:p14="http://schemas.microsoft.com/office/powerpoint/2010/main" val="172447583"/>
       </p:ext>
     </p:extLst>
   </p:cSld>
   <p:clrMapOvr>
     <a:masterClrMapping/>
   </p:clrMapOvr>
+  <p:timing>
+    <p:tnLst>
+      <p:par>
+        <p:cTn id="1" dur="indefinite" restart="never" nodeType="tmRoot"/>
+      </p:par>
+    </p:tnLst>
+  </p:timing>
 </p:sld>
 </file>
 
@@ -5826,335 +6014,6 @@
     <p:extLst>
       <p:ext uri="{BB962C8B-B14F-4D97-AF65-F5344CB8AC3E}">
         <p14:creationId xmlns:p14="http://schemas.microsoft.com/office/powerpoint/2010/main" val="2334863653"/>
-      </p:ext>
-    </p:extLst>
-  </p:cSld>
-  <p:clrMapOvr>
-    <a:masterClrMapping/>
-  </p:clrMapOvr>
-  <p:timing>
-    <p:tnLst>
-      <p:par>
-        <p:cTn id="1" dur="indefinite" restart="never" nodeType="tmRoot"/>
-      </p:par>
-    </p:tnLst>
-  </p:timing>
-</p:sld>
-</file>
-
-<file path=ppt/slides/slide30.xml><?xml version="1.0" encoding="utf-8"?>
-<p:sld xmlns:a="http://schemas.openxmlformats.org/drawingml/2006/main" xmlns:r="http://schemas.openxmlformats.org/officeDocument/2006/relationships" xmlns:p="http://schemas.openxmlformats.org/presentationml/2006/main">
-  <p:cSld>
-    <p:spTree>
-      <p:nvGrpSpPr>
-        <p:cNvPr id="1" name=""/>
-        <p:cNvGrpSpPr/>
-        <p:nvPr/>
-      </p:nvGrpSpPr>
-      <p:grpSpPr>
-        <a:xfrm>
-          <a:off x="0" y="0"/>
-          <a:ext cx="0" cy="0"/>
-          <a:chOff x="0" y="0"/>
-          <a:chExt cx="0" cy="0"/>
-        </a:xfrm>
-      </p:grpSpPr>
-      <p:sp>
-        <p:nvSpPr>
-          <p:cNvPr id="2" name="Title 1"/>
-          <p:cNvSpPr>
-            <a:spLocks noGrp="1"/>
-          </p:cNvSpPr>
-          <p:nvPr>
-            <p:ph type="title"/>
-          </p:nvPr>
-        </p:nvSpPr>
-        <p:spPr>
-          <a:xfrm>
-            <a:off x="3124200" y="1504950"/>
-            <a:ext cx="5867400" cy="857250"/>
-          </a:xfrm>
-        </p:spPr>
-        <p:txBody>
-          <a:bodyPr/>
-          <a:lstStyle/>
-          <a:p>
-            <a:pPr algn="r"/>
-            <a:r>
-              <a:rPr lang="en-US" dirty="0" smtClean="0"/>
-              <a:t>Image Credits</a:t>
-            </a:r>
-            <a:endParaRPr lang="en-US" dirty="0"/>
-          </a:p>
-        </p:txBody>
-      </p:sp>
-      <p:sp>
-        <p:nvSpPr>
-          <p:cNvPr id="3" name="Rectangle 2"/>
-          <p:cNvSpPr/>
-          <p:nvPr/>
-        </p:nvSpPr>
-        <p:spPr>
-          <a:xfrm>
-            <a:off x="2971800" y="2419350"/>
-            <a:ext cx="6019800" cy="4401205"/>
-          </a:xfrm>
-          <a:prstGeom prst="rect">
-            <a:avLst/>
-          </a:prstGeom>
-        </p:spPr>
-        <p:txBody>
-          <a:bodyPr wrap="square">
-            <a:spAutoFit/>
-          </a:bodyPr>
-          <a:lstStyle/>
-          <a:p>
-            <a:pPr algn="r"/>
-            <a:r>
-              <a:rPr lang="en-US" sz="1400" dirty="0" smtClean="0">
-                <a:hlinkClick r:id="rId2"/>
-              </a:rPr>
-              <a:t>http://www.flickr.com/photos/artisandhu/2951619905/</a:t>
-            </a:r>
-            <a:r>
-              <a:rPr lang="en-US" sz="1400" dirty="0" smtClean="0"/>
-              <a:t/>
-            </a:r>
-            <a:br>
-              <a:rPr lang="en-US" sz="1400" dirty="0" smtClean="0"/>
-            </a:br>
-            <a:r>
-              <a:rPr lang="en-US" sz="1400" dirty="0" smtClean="0">
-                <a:hlinkClick r:id="rId3"/>
-              </a:rPr>
-              <a:t>http://www.flickr.com/photos/crashmaster/3183161494/</a:t>
-            </a:r>
-            <a:r>
-              <a:rPr lang="en-US" sz="1400" dirty="0" smtClean="0"/>
-              <a:t/>
-            </a:r>
-            <a:br>
-              <a:rPr lang="en-US" sz="1400" dirty="0" smtClean="0"/>
-            </a:br>
-            <a:r>
-              <a:rPr lang="en-US" sz="1400" dirty="0" smtClean="0">
-                <a:hlinkClick r:id="rId4"/>
-              </a:rPr>
-              <a:t>http://www.flickr.com/photos/shawe/3486394808/</a:t>
-            </a:r>
-            <a:r>
-              <a:rPr lang="en-US" sz="1400" dirty="0" smtClean="0"/>
-              <a:t/>
-            </a:r>
-            <a:br>
-              <a:rPr lang="en-US" sz="1400" dirty="0" smtClean="0"/>
-            </a:br>
-            <a:r>
-              <a:rPr lang="en-US" sz="1400" dirty="0">
-                <a:hlinkClick r:id="rId5"/>
-              </a:rPr>
-              <a:t>http://www.flickr.com/photos/mistressf/581070318</a:t>
-            </a:r>
-            <a:r>
-              <a:rPr lang="en-US" sz="1400" dirty="0" smtClean="0">
-                <a:hlinkClick r:id="rId5"/>
-              </a:rPr>
-              <a:t>/</a:t>
-            </a:r>
-            <a:r>
-              <a:rPr lang="en-US" sz="1400" dirty="0" smtClean="0"/>
-              <a:t/>
-            </a:r>
-            <a:br>
-              <a:rPr lang="en-US" sz="1400" dirty="0" smtClean="0"/>
-            </a:br>
-            <a:r>
-              <a:rPr lang="en-US" sz="1400" dirty="0">
-                <a:hlinkClick r:id="rId6"/>
-              </a:rPr>
-              <a:t>http://www.flickr.com/photos/flyingsinger/86898564</a:t>
-            </a:r>
-            <a:r>
-              <a:rPr lang="en-US" sz="1400" dirty="0" smtClean="0">
-                <a:hlinkClick r:id="rId6"/>
-              </a:rPr>
-              <a:t>/</a:t>
-            </a:r>
-            <a:endParaRPr lang="en-US" sz="1400" dirty="0" smtClean="0"/>
-          </a:p>
-          <a:p>
-            <a:pPr algn="r"/>
-            <a:r>
-              <a:rPr lang="en-US" sz="1400" dirty="0">
-                <a:hlinkClick r:id="rId7"/>
-              </a:rPr>
-              <a:t>http://www.flickr.com/photos/publicworksgroup/2269566166</a:t>
-            </a:r>
-            <a:r>
-              <a:rPr lang="en-US" sz="1400" dirty="0" smtClean="0">
-                <a:hlinkClick r:id="rId7"/>
-              </a:rPr>
-              <a:t>/</a:t>
-            </a:r>
-            <a:endParaRPr lang="en-US" sz="1400" dirty="0" smtClean="0"/>
-          </a:p>
-          <a:p>
-            <a:pPr algn="r"/>
-            <a:r>
-              <a:rPr lang="en-US" sz="1400" dirty="0">
-                <a:hlinkClick r:id="rId8"/>
-              </a:rPr>
-              <a:t>http://www.flickr.com/photos/fsse-info/3559697586</a:t>
-            </a:r>
-            <a:r>
-              <a:rPr lang="en-US" sz="1400" dirty="0" smtClean="0">
-                <a:hlinkClick r:id="rId8"/>
-              </a:rPr>
-              <a:t>/</a:t>
-            </a:r>
-            <a:r>
-              <a:rPr lang="en-US" sz="1400" dirty="0"/>
-              <a:t/>
-            </a:r>
-            <a:br>
-              <a:rPr lang="en-US" sz="1400" dirty="0"/>
-            </a:br>
-            <a:r>
-              <a:rPr lang="en-US" sz="1400" dirty="0">
-                <a:hlinkClick r:id="rId9"/>
-              </a:rPr>
-              <a:t>http://www.flickr.com/photos/wapster/3919855338</a:t>
-            </a:r>
-            <a:r>
-              <a:rPr lang="en-US" sz="1400" dirty="0" smtClean="0">
-                <a:hlinkClick r:id="rId9"/>
-              </a:rPr>
-              <a:t>/</a:t>
-            </a:r>
-            <a:endParaRPr lang="en-US" sz="1400" dirty="0" smtClean="0"/>
-          </a:p>
-          <a:p>
-            <a:pPr algn="r"/>
-            <a:r>
-              <a:rPr lang="en-US" sz="1400" dirty="0">
-                <a:hlinkClick r:id="rId10"/>
-              </a:rPr>
-              <a:t>http://www.flickr.com/photos/lovelihood/5399818533</a:t>
-            </a:r>
-            <a:r>
-              <a:rPr lang="en-US" sz="1400" dirty="0" smtClean="0">
-                <a:hlinkClick r:id="rId10"/>
-              </a:rPr>
-              <a:t>/</a:t>
-            </a:r>
-            <a:endParaRPr lang="en-US" sz="1400" dirty="0" smtClean="0"/>
-          </a:p>
-          <a:p>
-            <a:pPr algn="r"/>
-            <a:r>
-              <a:rPr lang="en-US" sz="1400" dirty="0">
-                <a:hlinkClick r:id="rId11"/>
-              </a:rPr>
-              <a:t>http://www.flickr.com/photos/peterkaminski/1510724</a:t>
-            </a:r>
-            <a:r>
-              <a:rPr lang="en-US" sz="1400" dirty="0" smtClean="0">
-                <a:hlinkClick r:id="rId11"/>
-              </a:rPr>
-              <a:t>/</a:t>
-            </a:r>
-            <a:r>
-              <a:rPr lang="en-US" sz="1400" dirty="0"/>
-              <a:t/>
-            </a:r>
-            <a:br>
-              <a:rPr lang="en-US" sz="1400" dirty="0"/>
-            </a:br>
-            <a:r>
-              <a:rPr lang="en-US" sz="1400" dirty="0"/>
-              <a:t>http://www.flickr.com/photos/ste3ve/87689464</a:t>
-            </a:r>
-            <a:r>
-              <a:rPr lang="en-US" sz="1400" dirty="0" smtClean="0"/>
-              <a:t>/</a:t>
-            </a:r>
-          </a:p>
-          <a:p>
-            <a:pPr algn="r"/>
-            <a:endParaRPr lang="en-US" sz="1400" dirty="0"/>
-          </a:p>
-          <a:p>
-            <a:pPr algn="r"/>
-            <a:endParaRPr lang="en-US" sz="1400" dirty="0" smtClean="0"/>
-          </a:p>
-          <a:p>
-            <a:pPr algn="r"/>
-            <a:endParaRPr lang="en-US" sz="1400" dirty="0" smtClean="0"/>
-          </a:p>
-          <a:p>
-            <a:pPr algn="r"/>
-            <a:endParaRPr lang="en-US" sz="1400" dirty="0" smtClean="0"/>
-          </a:p>
-          <a:p>
-            <a:pPr algn="r"/>
-            <a:endParaRPr lang="en-US" sz="1400" dirty="0" smtClean="0"/>
-          </a:p>
-          <a:p>
-            <a:pPr algn="r"/>
-            <a:endParaRPr lang="en-US" sz="1400" dirty="0" smtClean="0"/>
-          </a:p>
-          <a:p>
-            <a:pPr algn="r"/>
-            <a:endParaRPr lang="en-US" sz="1400" dirty="0" smtClean="0"/>
-          </a:p>
-          <a:p>
-            <a:pPr algn="r"/>
-            <a:endParaRPr lang="en-US" sz="1400" dirty="0" smtClean="0"/>
-          </a:p>
-          <a:p>
-            <a:pPr algn="r"/>
-            <a:endParaRPr lang="en-US" sz="1400" dirty="0"/>
-          </a:p>
-        </p:txBody>
-      </p:sp>
-      <p:sp>
-        <p:nvSpPr>
-          <p:cNvPr id="5" name="Rectangle 4"/>
-          <p:cNvSpPr/>
-          <p:nvPr/>
-        </p:nvSpPr>
-        <p:spPr>
-          <a:xfrm>
-            <a:off x="1524000" y="339864"/>
-            <a:ext cx="5943600" cy="707886"/>
-          </a:xfrm>
-          <a:prstGeom prst="rect">
-            <a:avLst/>
-          </a:prstGeom>
-        </p:spPr>
-        <p:txBody>
-          <a:bodyPr wrap="square">
-            <a:spAutoFit/>
-          </a:bodyPr>
-          <a:lstStyle/>
-          <a:p>
-            <a:r>
-              <a:rPr lang="en-US" sz="4000" dirty="0" smtClean="0">
-                <a:latin typeface="+mj-lt"/>
-                <a:hlinkClick r:id="rId12"/>
-              </a:rPr>
-              <a:t>http://www.kindohm.com</a:t>
-            </a:r>
-            <a:endParaRPr lang="en-US" sz="4000" dirty="0">
-              <a:latin typeface="+mj-lt"/>
-            </a:endParaRPr>
-          </a:p>
-        </p:txBody>
-      </p:sp>
-    </p:spTree>
-    <p:extLst>
-      <p:ext uri="{BB962C8B-B14F-4D97-AF65-F5344CB8AC3E}">
-        <p14:creationId xmlns:p14="http://schemas.microsoft.com/office/powerpoint/2010/main" val="172447583"/>
       </p:ext>
     </p:extLst>
   </p:cSld>

--- a/slides/KinectDev.pptx
+++ b/slides/KinectDev.pptx
@@ -30,9 +30,10 @@
     <p:sldId id="275" r:id="rId24"/>
     <p:sldId id="269" r:id="rId25"/>
     <p:sldId id="280" r:id="rId26"/>
-    <p:sldId id="276" r:id="rId27"/>
-    <p:sldId id="273" r:id="rId28"/>
-    <p:sldId id="265" r:id="rId29"/>
+    <p:sldId id="288" r:id="rId27"/>
+    <p:sldId id="276" r:id="rId28"/>
+    <p:sldId id="273" r:id="rId29"/>
+    <p:sldId id="265" r:id="rId30"/>
   </p:sldIdLst>
   <p:sldSz cx="9144000" cy="5143500" type="screen16x9"/>
   <p:notesSz cx="6858000" cy="9144000"/>
@@ -5397,6 +5398,110 @@
           <a:chExt cx="0" cy="0"/>
         </a:xfrm>
       </p:grpSpPr>
+      <p:sp>
+        <p:nvSpPr>
+          <p:cNvPr id="2" name="Title 1"/>
+          <p:cNvSpPr>
+            <a:spLocks noGrp="1"/>
+          </p:cNvSpPr>
+          <p:nvPr>
+            <p:ph type="title"/>
+          </p:nvPr>
+        </p:nvSpPr>
+        <p:spPr>
+          <a:xfrm>
+            <a:off x="4498040" y="1943100"/>
+            <a:ext cx="4645960" cy="857250"/>
+          </a:xfrm>
+        </p:spPr>
+        <p:txBody>
+          <a:bodyPr>
+            <a:normAutofit fontScale="90000"/>
+          </a:bodyPr>
+          <a:lstStyle/>
+          <a:p>
+            <a:r>
+              <a:rPr lang="en-US" dirty="0" smtClean="0"/>
+              <a:t>Alternative Swiping </a:t>
+            </a:r>
+            <a:br>
+              <a:rPr lang="en-US" dirty="0" smtClean="0"/>
+            </a:br>
+            <a:r>
+              <a:rPr lang="en-US" dirty="0" smtClean="0"/>
+              <a:t>(and other filtering)</a:t>
+            </a:r>
+            <a:endParaRPr lang="en-US" dirty="0"/>
+          </a:p>
+        </p:txBody>
+      </p:sp>
+      <p:pic>
+        <p:nvPicPr>
+          <p:cNvPr id="5" name="Picture 4"/>
+          <p:cNvPicPr>
+            <a:picLocks noChangeAspect="1"/>
+          </p:cNvPicPr>
+          <p:nvPr/>
+        </p:nvPicPr>
+        <p:blipFill>
+          <a:blip r:embed="rId2">
+            <a:extLst>
+              <a:ext uri="{28A0092B-C50C-407E-A947-70E740481C1C}">
+                <a14:useLocalDpi xmlns:a14="http://schemas.microsoft.com/office/drawing/2010/main" val="0"/>
+              </a:ext>
+            </a:extLst>
+          </a:blip>
+          <a:stretch>
+            <a:fillRect/>
+          </a:stretch>
+        </p:blipFill>
+        <p:spPr>
+          <a:xfrm>
+            <a:off x="-1" y="0"/>
+            <a:ext cx="4498041" cy="5143500"/>
+          </a:xfrm>
+          <a:prstGeom prst="rect">
+            <a:avLst/>
+          </a:prstGeom>
+        </p:spPr>
+      </p:pic>
+    </p:spTree>
+    <p:extLst>
+      <p:ext uri="{BB962C8B-B14F-4D97-AF65-F5344CB8AC3E}">
+        <p14:creationId xmlns:p14="http://schemas.microsoft.com/office/powerpoint/2010/main" val="3715300583"/>
+      </p:ext>
+    </p:extLst>
+  </p:cSld>
+  <p:clrMapOvr>
+    <a:masterClrMapping/>
+  </p:clrMapOvr>
+  <p:timing>
+    <p:tnLst>
+      <p:par>
+        <p:cTn id="1" dur="indefinite" restart="never" nodeType="tmRoot"/>
+      </p:par>
+    </p:tnLst>
+  </p:timing>
+</p:sld>
+</file>
+
+<file path=ppt/slides/slide27.xml><?xml version="1.0" encoding="utf-8"?>
+<p:sld xmlns:a="http://schemas.openxmlformats.org/drawingml/2006/main" xmlns:r="http://schemas.openxmlformats.org/officeDocument/2006/relationships" xmlns:p="http://schemas.openxmlformats.org/presentationml/2006/main">
+  <p:cSld>
+    <p:spTree>
+      <p:nvGrpSpPr>
+        <p:cNvPr id="1" name=""/>
+        <p:cNvGrpSpPr/>
+        <p:nvPr/>
+      </p:nvGrpSpPr>
+      <p:grpSpPr>
+        <a:xfrm>
+          <a:off x="0" y="0"/>
+          <a:ext cx="0" cy="0"/>
+          <a:chOff x="0" y="0"/>
+          <a:chExt cx="0" cy="0"/>
+        </a:xfrm>
+      </p:grpSpPr>
       <p:pic>
         <p:nvPicPr>
           <p:cNvPr id="4" name="Picture 3"/>
@@ -5475,7 +5580,7 @@
 </p:sld>
 </file>
 
-<file path=ppt/slides/slide27.xml><?xml version="1.0" encoding="utf-8"?>
+<file path=ppt/slides/slide28.xml><?xml version="1.0" encoding="utf-8"?>
 <p:sld xmlns:a="http://schemas.openxmlformats.org/drawingml/2006/main" xmlns:r="http://schemas.openxmlformats.org/officeDocument/2006/relationships" xmlns:p="http://schemas.openxmlformats.org/presentationml/2006/main">
   <p:cSld>
     <p:bg>
@@ -5637,7 +5742,7 @@
 </p:sld>
 </file>
 
-<file path=ppt/slides/slide28.xml><?xml version="1.0" encoding="utf-8"?>
+<file path=ppt/slides/slide29.xml><?xml version="1.0" encoding="utf-8"?>
 <p:sld xmlns:a="http://schemas.openxmlformats.org/drawingml/2006/main" xmlns:r="http://schemas.openxmlformats.org/officeDocument/2006/relationships" xmlns:p="http://schemas.openxmlformats.org/presentationml/2006/main">
   <p:cSld>
     <p:spTree>

--- a/slides/KinectDev.pptx
+++ b/slides/KinectDev.pptx
@@ -316,7 +316,7 @@
           <a:p>
             <a:fld id="{FC297B9E-3E3D-4EBC-B0B3-35943A059388}" type="datetimeFigureOut">
               <a:rPr lang="en-US" smtClean="0"/>
-              <a:t>3/24/2011</a:t>
+              <a:t>4/1/2011</a:t>
             </a:fld>
             <a:endParaRPr lang="en-US"/>
           </a:p>
@@ -486,7 +486,7 @@
           <a:p>
             <a:fld id="{FC297B9E-3E3D-4EBC-B0B3-35943A059388}" type="datetimeFigureOut">
               <a:rPr lang="en-US" smtClean="0"/>
-              <a:t>3/24/2011</a:t>
+              <a:t>4/1/2011</a:t>
             </a:fld>
             <a:endParaRPr lang="en-US"/>
           </a:p>
@@ -666,7 +666,7 @@
           <a:p>
             <a:fld id="{FC297B9E-3E3D-4EBC-B0B3-35943A059388}" type="datetimeFigureOut">
               <a:rPr lang="en-US" smtClean="0"/>
-              <a:t>3/24/2011</a:t>
+              <a:t>4/1/2011</a:t>
             </a:fld>
             <a:endParaRPr lang="en-US"/>
           </a:p>
@@ -836,7 +836,7 @@
           <a:p>
             <a:fld id="{FC297B9E-3E3D-4EBC-B0B3-35943A059388}" type="datetimeFigureOut">
               <a:rPr lang="en-US" smtClean="0"/>
-              <a:t>3/24/2011</a:t>
+              <a:t>4/1/2011</a:t>
             </a:fld>
             <a:endParaRPr lang="en-US"/>
           </a:p>
@@ -1082,7 +1082,7 @@
           <a:p>
             <a:fld id="{FC297B9E-3E3D-4EBC-B0B3-35943A059388}" type="datetimeFigureOut">
               <a:rPr lang="en-US" smtClean="0"/>
-              <a:t>3/24/2011</a:t>
+              <a:t>4/1/2011</a:t>
             </a:fld>
             <a:endParaRPr lang="en-US"/>
           </a:p>
@@ -1370,7 +1370,7 @@
           <a:p>
             <a:fld id="{FC297B9E-3E3D-4EBC-B0B3-35943A059388}" type="datetimeFigureOut">
               <a:rPr lang="en-US" smtClean="0"/>
-              <a:t>3/24/2011</a:t>
+              <a:t>4/1/2011</a:t>
             </a:fld>
             <a:endParaRPr lang="en-US"/>
           </a:p>
@@ -1792,7 +1792,7 @@
           <a:p>
             <a:fld id="{FC297B9E-3E3D-4EBC-B0B3-35943A059388}" type="datetimeFigureOut">
               <a:rPr lang="en-US" smtClean="0"/>
-              <a:t>3/24/2011</a:t>
+              <a:t>4/1/2011</a:t>
             </a:fld>
             <a:endParaRPr lang="en-US"/>
           </a:p>
@@ -1915,7 +1915,7 @@
           <a:p>
             <a:fld id="{FC297B9E-3E3D-4EBC-B0B3-35943A059388}" type="datetimeFigureOut">
               <a:rPr lang="en-US" smtClean="0"/>
-              <a:t>3/24/2011</a:t>
+              <a:t>4/1/2011</a:t>
             </a:fld>
             <a:endParaRPr lang="en-US"/>
           </a:p>
@@ -2010,7 +2010,7 @@
           <a:p>
             <a:fld id="{FC297B9E-3E3D-4EBC-B0B3-35943A059388}" type="datetimeFigureOut">
               <a:rPr lang="en-US" smtClean="0"/>
-              <a:t>3/24/2011</a:t>
+              <a:t>4/1/2011</a:t>
             </a:fld>
             <a:endParaRPr lang="en-US"/>
           </a:p>
@@ -2287,7 +2287,7 @@
           <a:p>
             <a:fld id="{FC297B9E-3E3D-4EBC-B0B3-35943A059388}" type="datetimeFigureOut">
               <a:rPr lang="en-US" smtClean="0"/>
-              <a:t>3/24/2011</a:t>
+              <a:t>4/1/2011</a:t>
             </a:fld>
             <a:endParaRPr lang="en-US"/>
           </a:p>
@@ -2540,7 +2540,7 @@
           <a:p>
             <a:fld id="{FC297B9E-3E3D-4EBC-B0B3-35943A059388}" type="datetimeFigureOut">
               <a:rPr lang="en-US" smtClean="0"/>
-              <a:t>3/24/2011</a:t>
+              <a:t>4/1/2011</a:t>
             </a:fld>
             <a:endParaRPr lang="en-US"/>
           </a:p>
@@ -2772,7 +2772,7 @@
           <a:p>
             <a:fld id="{FC297B9E-3E3D-4EBC-B0B3-35943A059388}" type="datetimeFigureOut">
               <a:rPr lang="en-US" smtClean="0"/>
-              <a:t>3/24/2011</a:t>
+              <a:t>4/1/2011</a:t>
             </a:fld>
             <a:endParaRPr lang="en-US"/>
           </a:p>
